--- a/GDB and Git.pptx
+++ b/GDB and Git.pptx
@@ -9,7 +9,15 @@
     <p:sldId id="257" r:id="rId3"/>
     <p:sldId id="258" r:id="rId4"/>
     <p:sldId id="259" r:id="rId5"/>
-    <p:sldId id="260" r:id="rId6"/>
+    <p:sldId id="264" r:id="rId6"/>
+    <p:sldId id="260" r:id="rId7"/>
+    <p:sldId id="261" r:id="rId8"/>
+    <p:sldId id="262" r:id="rId9"/>
+    <p:sldId id="263" r:id="rId10"/>
+    <p:sldId id="265" r:id="rId11"/>
+    <p:sldId id="266" r:id="rId12"/>
+    <p:sldId id="267" r:id="rId13"/>
+    <p:sldId id="268" r:id="rId14"/>
   </p:sldIdLst>
   <p:sldSz cx="12192000" cy="6858000"/>
   <p:notesSz cx="6858000" cy="9144000"/>
@@ -108,7 +116,24 @@
       </a:defRPr>
     </a:lvl9pPr>
   </p:defaultTextStyle>
+  <p:extLst>
+    <p:ext uri="{EFAFB233-063F-42B5-8137-9DF3F51BA10A}">
+      <p15:sldGuideLst xmlns:p15="http://schemas.microsoft.com/office/powerpoint/2012/main"/>
+    </p:ext>
+  </p:extLst>
 </p:presentation>
+</file>
+
+<file path=ppt/commentAuthors.xml><?xml version="1.0" encoding="utf-8"?>
+<p:cmAuthorLst xmlns:a="http://schemas.openxmlformats.org/drawingml/2006/main" xmlns:r="http://schemas.openxmlformats.org/officeDocument/2006/relationships" xmlns:p="http://schemas.openxmlformats.org/presentationml/2006/main">
+  <p:cmAuthor id="1" name="Michael Baccia" initials="MB" lastIdx="1" clrIdx="0">
+    <p:extLst>
+      <p:ext uri="{19B8F6BF-5375-455C-9EA6-DF929625EA0E}">
+        <p15:presenceInfo xmlns:p15="http://schemas.microsoft.com/office/powerpoint/2012/main" userId="35daec5bebed7a4e" providerId="Windows Live"/>
+      </p:ext>
+    </p:extLst>
+  </p:cmAuthor>
+</p:cmAuthorLst>
 </file>
 
 <file path=ppt/slideLayouts/slideLayout1.xml><?xml version="1.0" encoding="utf-8"?>
@@ -294,7 +319,7 @@
           <a:p>
             <a:fld id="{4AAD347D-5ACD-4C99-B74B-A9C85AD731AF}" type="datetimeFigureOut">
               <a:rPr lang="en-US" dirty="0"/>
-              <a:t>8/9/2016</a:t>
+              <a:t>8/16/2016</a:t>
             </a:fld>
             <a:endParaRPr lang="en-US" dirty="0"/>
           </a:p>
@@ -564,7 +589,7 @@
           <a:p>
             <a:fld id="{4509A250-FF31-4206-8172-F9D3106AACB1}" type="datetimeFigureOut">
               <a:rPr lang="en-US" dirty="0"/>
-              <a:t>8/9/2016</a:t>
+              <a:t>8/16/2016</a:t>
             </a:fld>
             <a:endParaRPr lang="en-US" dirty="0"/>
           </a:p>
@@ -753,7 +778,7 @@
           <a:p>
             <a:fld id="{4509A250-FF31-4206-8172-F9D3106AACB1}" type="datetimeFigureOut">
               <a:rPr lang="en-US" dirty="0"/>
-              <a:t>8/9/2016</a:t>
+              <a:t>8/16/2016</a:t>
             </a:fld>
             <a:endParaRPr lang="en-US" dirty="0"/>
           </a:p>
@@ -1016,7 +1041,7 @@
           <a:p>
             <a:fld id="{4509A250-FF31-4206-8172-F9D3106AACB1}" type="datetimeFigureOut">
               <a:rPr lang="en-US" dirty="0"/>
-              <a:t>8/9/2016</a:t>
+              <a:t>8/16/2016</a:t>
             </a:fld>
             <a:endParaRPr lang="en-US" dirty="0"/>
           </a:p>
@@ -1343,7 +1368,7 @@
           <a:p>
             <a:fld id="{4509A250-FF31-4206-8172-F9D3106AACB1}" type="datetimeFigureOut">
               <a:rPr lang="en-US" dirty="0"/>
-              <a:t>8/9/2016</a:t>
+              <a:t>8/16/2016</a:t>
             </a:fld>
             <a:endParaRPr lang="en-US" dirty="0"/>
           </a:p>
@@ -1948,7 +1973,7 @@
           <a:p>
             <a:fld id="{4509A250-FF31-4206-8172-F9D3106AACB1}" type="datetimeFigureOut">
               <a:rPr lang="en-US" dirty="0"/>
-              <a:t>8/9/2016</a:t>
+              <a:t>8/16/2016</a:t>
             </a:fld>
             <a:endParaRPr lang="en-US" dirty="0"/>
           </a:p>
@@ -2790,7 +2815,7 @@
           <a:p>
             <a:fld id="{4509A250-FF31-4206-8172-F9D3106AACB1}" type="datetimeFigureOut">
               <a:rPr lang="en-US" dirty="0"/>
-              <a:t>8/9/2016</a:t>
+              <a:t>8/16/2016</a:t>
             </a:fld>
             <a:endParaRPr lang="en-US" dirty="0"/>
           </a:p>
@@ -2955,7 +2980,7 @@
           <a:p>
             <a:fld id="{4509A250-FF31-4206-8172-F9D3106AACB1}" type="datetimeFigureOut">
               <a:rPr lang="en-US" dirty="0"/>
-              <a:t>8/9/2016</a:t>
+              <a:t>8/16/2016</a:t>
             </a:fld>
             <a:endParaRPr lang="en-US" dirty="0"/>
           </a:p>
@@ -3130,7 +3155,7 @@
           <a:p>
             <a:fld id="{4509A250-FF31-4206-8172-F9D3106AACB1}" type="datetimeFigureOut">
               <a:rPr lang="en-US" dirty="0"/>
-              <a:t>8/9/2016</a:t>
+              <a:t>8/16/2016</a:t>
             </a:fld>
             <a:endParaRPr lang="en-US" dirty="0"/>
           </a:p>
@@ -3295,7 +3320,7 @@
           <a:p>
             <a:fld id="{4509A250-FF31-4206-8172-F9D3106AACB1}" type="datetimeFigureOut">
               <a:rPr lang="en-US" dirty="0"/>
-              <a:t>8/9/2016</a:t>
+              <a:t>8/16/2016</a:t>
             </a:fld>
             <a:endParaRPr lang="en-US" dirty="0"/>
           </a:p>
@@ -3534,7 +3559,7 @@
           <a:p>
             <a:fld id="{4509A250-FF31-4206-8172-F9D3106AACB1}" type="datetimeFigureOut">
               <a:rPr lang="en-US" dirty="0"/>
-              <a:t>8/9/2016</a:t>
+              <a:t>8/16/2016</a:t>
             </a:fld>
             <a:endParaRPr lang="en-US" dirty="0"/>
           </a:p>
@@ -3821,7 +3846,7 @@
           <a:p>
             <a:fld id="{4509A250-FF31-4206-8172-F9D3106AACB1}" type="datetimeFigureOut">
               <a:rPr lang="en-US" dirty="0"/>
-              <a:t>8/9/2016</a:t>
+              <a:t>8/16/2016</a:t>
             </a:fld>
             <a:endParaRPr lang="en-US" dirty="0"/>
           </a:p>
@@ -4254,7 +4279,7 @@
           <a:p>
             <a:fld id="{4509A250-FF31-4206-8172-F9D3106AACB1}" type="datetimeFigureOut">
               <a:rPr lang="en-US" dirty="0"/>
-              <a:t>8/9/2016</a:t>
+              <a:t>8/16/2016</a:t>
             </a:fld>
             <a:endParaRPr lang="en-US" dirty="0"/>
           </a:p>
@@ -4367,7 +4392,7 @@
           <a:p>
             <a:fld id="{4509A250-FF31-4206-8172-F9D3106AACB1}" type="datetimeFigureOut">
               <a:rPr lang="en-US" dirty="0"/>
-              <a:t>8/9/2016</a:t>
+              <a:t>8/16/2016</a:t>
             </a:fld>
             <a:endParaRPr lang="en-US" dirty="0"/>
           </a:p>
@@ -4457,7 +4482,7 @@
           <a:p>
             <a:fld id="{4509A250-FF31-4206-8172-F9D3106AACB1}" type="datetimeFigureOut">
               <a:rPr lang="en-US" dirty="0"/>
-              <a:t>8/9/2016</a:t>
+              <a:t>8/16/2016</a:t>
             </a:fld>
             <a:endParaRPr lang="en-US" dirty="0"/>
           </a:p>
@@ -4731,7 +4756,7 @@
           <a:p>
             <a:fld id="{4509A250-FF31-4206-8172-F9D3106AACB1}" type="datetimeFigureOut">
               <a:rPr lang="en-US" dirty="0"/>
-              <a:t>8/9/2016</a:t>
+              <a:t>8/16/2016</a:t>
             </a:fld>
             <a:endParaRPr lang="en-US" dirty="0"/>
           </a:p>
@@ -5001,7 +5026,7 @@
           <a:p>
             <a:fld id="{4509A250-FF31-4206-8172-F9D3106AACB1}" type="datetimeFigureOut">
               <a:rPr lang="en-US" dirty="0"/>
-              <a:t>8/9/2016</a:t>
+              <a:t>8/16/2016</a:t>
             </a:fld>
             <a:endParaRPr lang="en-US" dirty="0"/>
           </a:p>
@@ -5425,7 +5450,7 @@
           <a:p>
             <a:fld id="{4509A250-FF31-4206-8172-F9D3106AACB1}" type="datetimeFigureOut">
               <a:rPr lang="en-US" dirty="0"/>
-              <a:t>8/9/2016</a:t>
+              <a:t>8/16/2016</a:t>
             </a:fld>
             <a:endParaRPr lang="en-US" dirty="0"/>
           </a:p>
@@ -6025,6 +6050,641 @@
 </p:sld>
 </file>
 
+<file path=ppt/slides/slide10.xml><?xml version="1.0" encoding="utf-8"?>
+<p:sld xmlns:a="http://schemas.openxmlformats.org/drawingml/2006/main" xmlns:r="http://schemas.openxmlformats.org/officeDocument/2006/relationships" xmlns:p="http://schemas.openxmlformats.org/presentationml/2006/main">
+  <p:cSld>
+    <p:spTree>
+      <p:nvGrpSpPr>
+        <p:cNvPr id="1" name=""/>
+        <p:cNvGrpSpPr/>
+        <p:nvPr/>
+      </p:nvGrpSpPr>
+      <p:grpSpPr>
+        <a:xfrm>
+          <a:off x="0" y="0"/>
+          <a:ext cx="0" cy="0"/>
+          <a:chOff x="0" y="0"/>
+          <a:chExt cx="0" cy="0"/>
+        </a:xfrm>
+      </p:grpSpPr>
+      <p:sp>
+        <p:nvSpPr>
+          <p:cNvPr id="2" name="Title 1"/>
+          <p:cNvSpPr>
+            <a:spLocks noGrp="1"/>
+          </p:cNvSpPr>
+          <p:nvPr>
+            <p:ph type="title"/>
+          </p:nvPr>
+        </p:nvSpPr>
+        <p:spPr/>
+        <p:txBody>
+          <a:bodyPr/>
+          <a:lstStyle/>
+          <a:p>
+            <a:r>
+              <a:rPr lang="en-US" dirty="0"/>
+              <a:t>Flow Control</a:t>
+            </a:r>
+          </a:p>
+        </p:txBody>
+      </p:sp>
+      <p:sp>
+        <p:nvSpPr>
+          <p:cNvPr id="3" name="Content Placeholder 2"/>
+          <p:cNvSpPr>
+            <a:spLocks noGrp="1"/>
+          </p:cNvSpPr>
+          <p:nvPr>
+            <p:ph idx="1"/>
+          </p:nvPr>
+        </p:nvSpPr>
+        <p:spPr>
+          <a:xfrm>
+            <a:off x="1104293" y="1489392"/>
+            <a:ext cx="8946541" cy="4195481"/>
+          </a:xfrm>
+        </p:spPr>
+        <p:txBody>
+          <a:bodyPr/>
+          <a:lstStyle/>
+          <a:p>
+            <a:r>
+              <a:rPr lang="en-US" b="1" dirty="0">
+                <a:solidFill>
+                  <a:srgbClr val="FF0000"/>
+                </a:solidFill>
+              </a:rPr>
+              <a:t>clear</a:t>
+            </a:r>
+            <a:r>
+              <a:rPr lang="en-US" dirty="0">
+                <a:solidFill>
+                  <a:srgbClr val="FF0000"/>
+                </a:solidFill>
+              </a:rPr>
+              <a:t> </a:t>
+            </a:r>
+            <a:r>
+              <a:rPr lang="en-US" dirty="0"/>
+              <a:t>&lt;location&gt;</a:t>
+            </a:r>
+          </a:p>
+          <a:p>
+            <a:pPr lvl="1"/>
+            <a:r>
+              <a:rPr lang="en-US" dirty="0"/>
+              <a:t>Clears a previously set breakpoint</a:t>
+            </a:r>
+          </a:p>
+          <a:p>
+            <a:pPr lvl="1"/>
+            <a:endParaRPr lang="en-US" dirty="0"/>
+          </a:p>
+          <a:p>
+            <a:r>
+              <a:rPr lang="en-US" b="1" dirty="0">
+                <a:solidFill>
+                  <a:srgbClr val="FF0000"/>
+                </a:solidFill>
+              </a:rPr>
+              <a:t>continue</a:t>
+            </a:r>
+          </a:p>
+          <a:p>
+            <a:pPr lvl="1"/>
+            <a:r>
+              <a:rPr lang="en-US" dirty="0"/>
+              <a:t>Resumes execution after a breakpoint</a:t>
+            </a:r>
+          </a:p>
+        </p:txBody>
+      </p:sp>
+    </p:spTree>
+    <p:extLst>
+      <p:ext uri="{BB962C8B-B14F-4D97-AF65-F5344CB8AC3E}">
+        <p14:creationId xmlns:p14="http://schemas.microsoft.com/office/powerpoint/2010/main" val="1918550757"/>
+      </p:ext>
+    </p:extLst>
+  </p:cSld>
+  <p:clrMapOvr>
+    <a:masterClrMapping/>
+  </p:clrMapOvr>
+</p:sld>
+</file>
+
+<file path=ppt/slides/slide11.xml><?xml version="1.0" encoding="utf-8"?>
+<p:sld xmlns:a="http://schemas.openxmlformats.org/drawingml/2006/main" xmlns:r="http://schemas.openxmlformats.org/officeDocument/2006/relationships" xmlns:p="http://schemas.openxmlformats.org/presentationml/2006/main">
+  <p:cSld>
+    <p:spTree>
+      <p:nvGrpSpPr>
+        <p:cNvPr id="1" name=""/>
+        <p:cNvGrpSpPr/>
+        <p:nvPr/>
+      </p:nvGrpSpPr>
+      <p:grpSpPr>
+        <a:xfrm>
+          <a:off x="0" y="0"/>
+          <a:ext cx="0" cy="0"/>
+          <a:chOff x="0" y="0"/>
+          <a:chExt cx="0" cy="0"/>
+        </a:xfrm>
+      </p:grpSpPr>
+      <p:sp>
+        <p:nvSpPr>
+          <p:cNvPr id="4" name="Title 1"/>
+          <p:cNvSpPr>
+            <a:spLocks noGrp="1"/>
+          </p:cNvSpPr>
+          <p:nvPr>
+            <p:ph type="title"/>
+          </p:nvPr>
+        </p:nvSpPr>
+        <p:spPr>
+          <a:xfrm>
+            <a:off x="646111" y="452718"/>
+            <a:ext cx="9404723" cy="1400530"/>
+          </a:xfrm>
+        </p:spPr>
+        <p:txBody>
+          <a:bodyPr/>
+          <a:lstStyle/>
+          <a:p>
+            <a:r>
+              <a:rPr lang="en-US" dirty="0"/>
+              <a:t>Flow Control</a:t>
+            </a:r>
+          </a:p>
+        </p:txBody>
+      </p:sp>
+      <p:sp>
+        <p:nvSpPr>
+          <p:cNvPr id="5" name="Content Placeholder 2"/>
+          <p:cNvSpPr>
+            <a:spLocks noGrp="1"/>
+          </p:cNvSpPr>
+          <p:nvPr>
+            <p:ph idx="1"/>
+          </p:nvPr>
+        </p:nvSpPr>
+        <p:spPr>
+          <a:xfrm>
+            <a:off x="1104293" y="1489392"/>
+            <a:ext cx="8946541" cy="4195481"/>
+          </a:xfrm>
+        </p:spPr>
+        <p:txBody>
+          <a:bodyPr/>
+          <a:lstStyle/>
+          <a:p>
+            <a:r>
+              <a:rPr lang="en-US" b="1" dirty="0">
+                <a:solidFill>
+                  <a:srgbClr val="FF0000"/>
+                </a:solidFill>
+              </a:rPr>
+              <a:t>step</a:t>
+            </a:r>
+            <a:r>
+              <a:rPr lang="en-US" dirty="0"/>
+              <a:t> [n]</a:t>
+            </a:r>
+          </a:p>
+          <a:p>
+            <a:pPr lvl="1"/>
+            <a:r>
+              <a:rPr lang="en-US" dirty="0"/>
+              <a:t>Step through n (default 1) lines in the source code.</a:t>
+            </a:r>
+          </a:p>
+          <a:p>
+            <a:pPr lvl="1"/>
+            <a:r>
+              <a:rPr lang="en-US" dirty="0"/>
+              <a:t>Note: step will step </a:t>
+            </a:r>
+            <a:r>
+              <a:rPr lang="en-US" i="1" dirty="0"/>
+              <a:t>into</a:t>
+            </a:r>
+            <a:r>
+              <a:rPr lang="en-US" dirty="0"/>
+              <a:t> any embedded functions</a:t>
+            </a:r>
+          </a:p>
+          <a:p>
+            <a:pPr lvl="2"/>
+            <a:r>
+              <a:rPr lang="en-US" dirty="0"/>
+              <a:t>Example: foo(</a:t>
+            </a:r>
+            <a:r>
+              <a:rPr lang="en-US" dirty="0">
+                <a:solidFill>
+                  <a:srgbClr val="92D050"/>
+                </a:solidFill>
+              </a:rPr>
+              <a:t>bar(</a:t>
+            </a:r>
+            <a:r>
+              <a:rPr lang="en-US" dirty="0" err="1">
+                <a:solidFill>
+                  <a:srgbClr val="92D050"/>
+                </a:solidFill>
+              </a:rPr>
+              <a:t>var</a:t>
+            </a:r>
+            <a:r>
+              <a:rPr lang="en-US" dirty="0">
+                <a:solidFill>
+                  <a:srgbClr val="92D050"/>
+                </a:solidFill>
+              </a:rPr>
+              <a:t>)</a:t>
+            </a:r>
+            <a:r>
+              <a:rPr lang="en-US" dirty="0"/>
+              <a:t>);</a:t>
+            </a:r>
+          </a:p>
+          <a:p>
+            <a:r>
+              <a:rPr lang="en-US" b="1" dirty="0">
+                <a:solidFill>
+                  <a:srgbClr val="FF0000"/>
+                </a:solidFill>
+              </a:rPr>
+              <a:t>next</a:t>
+            </a:r>
+            <a:r>
+              <a:rPr lang="en-US" dirty="0"/>
+              <a:t> [n]</a:t>
+            </a:r>
+          </a:p>
+          <a:p>
+            <a:pPr lvl="1"/>
+            <a:r>
+              <a:rPr lang="en-US" dirty="0"/>
+              <a:t>Similar to step, but will </a:t>
+            </a:r>
+            <a:r>
+              <a:rPr lang="en-US" i="1" dirty="0"/>
+              <a:t>not</a:t>
+            </a:r>
+            <a:r>
+              <a:rPr lang="en-US" dirty="0"/>
+              <a:t> step into embedded functions.</a:t>
+            </a:r>
+          </a:p>
+        </p:txBody>
+      </p:sp>
+    </p:spTree>
+    <p:extLst>
+      <p:ext uri="{BB962C8B-B14F-4D97-AF65-F5344CB8AC3E}">
+        <p14:creationId xmlns:p14="http://schemas.microsoft.com/office/powerpoint/2010/main" val="2519910134"/>
+      </p:ext>
+    </p:extLst>
+  </p:cSld>
+  <p:clrMapOvr>
+    <a:masterClrMapping/>
+  </p:clrMapOvr>
+</p:sld>
+</file>
+
+<file path=ppt/slides/slide12.xml><?xml version="1.0" encoding="utf-8"?>
+<p:sld xmlns:a="http://schemas.openxmlformats.org/drawingml/2006/main" xmlns:r="http://schemas.openxmlformats.org/officeDocument/2006/relationships" xmlns:p="http://schemas.openxmlformats.org/presentationml/2006/main">
+  <p:cSld>
+    <p:spTree>
+      <p:nvGrpSpPr>
+        <p:cNvPr id="1" name=""/>
+        <p:cNvGrpSpPr/>
+        <p:nvPr/>
+      </p:nvGrpSpPr>
+      <p:grpSpPr>
+        <a:xfrm>
+          <a:off x="0" y="0"/>
+          <a:ext cx="0" cy="0"/>
+          <a:chOff x="0" y="0"/>
+          <a:chExt cx="0" cy="0"/>
+        </a:xfrm>
+      </p:grpSpPr>
+      <p:sp>
+        <p:nvSpPr>
+          <p:cNvPr id="4" name="Title 1"/>
+          <p:cNvSpPr>
+            <a:spLocks noGrp="1"/>
+          </p:cNvSpPr>
+          <p:nvPr>
+            <p:ph type="title"/>
+          </p:nvPr>
+        </p:nvSpPr>
+        <p:spPr>
+          <a:xfrm>
+            <a:off x="646111" y="452718"/>
+            <a:ext cx="9404723" cy="1400530"/>
+          </a:xfrm>
+        </p:spPr>
+        <p:txBody>
+          <a:bodyPr/>
+          <a:lstStyle/>
+          <a:p>
+            <a:r>
+              <a:rPr lang="en-US" dirty="0"/>
+              <a:t>Printing</a:t>
+            </a:r>
+          </a:p>
+        </p:txBody>
+      </p:sp>
+      <p:sp>
+        <p:nvSpPr>
+          <p:cNvPr id="5" name="Content Placeholder 2"/>
+          <p:cNvSpPr>
+            <a:spLocks noGrp="1"/>
+          </p:cNvSpPr>
+          <p:nvPr>
+            <p:ph idx="1"/>
+          </p:nvPr>
+        </p:nvSpPr>
+        <p:spPr>
+          <a:xfrm>
+            <a:off x="1104293" y="1489392"/>
+            <a:ext cx="8946541" cy="4847613"/>
+          </a:xfrm>
+        </p:spPr>
+        <p:txBody>
+          <a:bodyPr/>
+          <a:lstStyle/>
+          <a:p>
+            <a:r>
+              <a:rPr lang="en-US" b="1" dirty="0">
+                <a:solidFill>
+                  <a:srgbClr val="FF0000"/>
+                </a:solidFill>
+              </a:rPr>
+              <a:t>list</a:t>
+            </a:r>
+            <a:r>
+              <a:rPr lang="en-US" dirty="0"/>
+              <a:t> &lt;location&gt;</a:t>
+            </a:r>
+          </a:p>
+          <a:p>
+            <a:pPr lvl="1"/>
+            <a:r>
+              <a:rPr lang="en-US" dirty="0"/>
+              <a:t>Lists lines (default 10) of source code starting at location.</a:t>
+            </a:r>
+          </a:p>
+          <a:p>
+            <a:pPr lvl="2"/>
+            <a:r>
+              <a:rPr lang="en-US" dirty="0"/>
+              <a:t>Use </a:t>
+            </a:r>
+            <a:r>
+              <a:rPr lang="en-US" dirty="0">
+                <a:solidFill>
+                  <a:srgbClr val="FF0000"/>
+                </a:solidFill>
+              </a:rPr>
+              <a:t>set </a:t>
+            </a:r>
+            <a:r>
+              <a:rPr lang="en-US" dirty="0" err="1">
+                <a:solidFill>
+                  <a:srgbClr val="FF0000"/>
+                </a:solidFill>
+              </a:rPr>
+              <a:t>listsize</a:t>
+            </a:r>
+            <a:r>
+              <a:rPr lang="en-US" dirty="0">
+                <a:solidFill>
+                  <a:srgbClr val="FF0000"/>
+                </a:solidFill>
+              </a:rPr>
+              <a:t> </a:t>
+            </a:r>
+            <a:r>
+              <a:rPr lang="en-US" dirty="0"/>
+              <a:t>to change the default.</a:t>
+            </a:r>
+          </a:p>
+          <a:p>
+            <a:pPr lvl="1"/>
+            <a:r>
+              <a:rPr lang="en-US" dirty="0"/>
+              <a:t>Location is specified similar to </a:t>
+            </a:r>
+            <a:r>
+              <a:rPr lang="en-US" b="1" dirty="0">
+                <a:solidFill>
+                  <a:srgbClr val="FF0000"/>
+                </a:solidFill>
+              </a:rPr>
+              <a:t>break</a:t>
+            </a:r>
+            <a:r>
+              <a:rPr lang="en-US" dirty="0"/>
+              <a:t>.</a:t>
+            </a:r>
+          </a:p>
+          <a:p>
+            <a:pPr lvl="1"/>
+            <a:endParaRPr lang="en-US" dirty="0"/>
+          </a:p>
+          <a:p>
+            <a:r>
+              <a:rPr lang="en-US" b="1" dirty="0">
+                <a:solidFill>
+                  <a:srgbClr val="FF0000"/>
+                </a:solidFill>
+              </a:rPr>
+              <a:t>disassemble</a:t>
+            </a:r>
+            <a:r>
+              <a:rPr lang="en-US" dirty="0"/>
+              <a:t> [location]</a:t>
+            </a:r>
+          </a:p>
+          <a:p>
+            <a:pPr lvl="1"/>
+            <a:r>
+              <a:rPr lang="en-US" dirty="0"/>
+              <a:t>Lists assembly instructions focused around location (or current execution line if none specified).</a:t>
+            </a:r>
+          </a:p>
+          <a:p>
+            <a:pPr lvl="1"/>
+            <a:endParaRPr lang="en-US" dirty="0"/>
+          </a:p>
+          <a:p>
+            <a:r>
+              <a:rPr lang="en-US" b="1" dirty="0">
+                <a:solidFill>
+                  <a:srgbClr val="FF0000"/>
+                </a:solidFill>
+              </a:rPr>
+              <a:t>info</a:t>
+            </a:r>
+            <a:r>
+              <a:rPr lang="en-US" dirty="0"/>
+              <a:t> &lt;command&gt;</a:t>
+            </a:r>
+          </a:p>
+          <a:p>
+            <a:pPr lvl="1"/>
+            <a:r>
+              <a:rPr lang="en-US" dirty="0"/>
+              <a:t>Many subcommands available, although most used one will probably be </a:t>
+            </a:r>
+            <a:r>
+              <a:rPr lang="en-US" dirty="0" err="1"/>
+              <a:t>reg</a:t>
+            </a:r>
+            <a:r>
+              <a:rPr lang="en-US" dirty="0"/>
+              <a:t> (info registers).</a:t>
+            </a:r>
+          </a:p>
+        </p:txBody>
+      </p:sp>
+    </p:spTree>
+    <p:extLst>
+      <p:ext uri="{BB962C8B-B14F-4D97-AF65-F5344CB8AC3E}">
+        <p14:creationId xmlns:p14="http://schemas.microsoft.com/office/powerpoint/2010/main" val="2846323816"/>
+      </p:ext>
+    </p:extLst>
+  </p:cSld>
+  <p:clrMapOvr>
+    <a:masterClrMapping/>
+  </p:clrMapOvr>
+</p:sld>
+</file>
+
+<file path=ppt/slides/slide13.xml><?xml version="1.0" encoding="utf-8"?>
+<p:sld xmlns:a="http://schemas.openxmlformats.org/drawingml/2006/main" xmlns:r="http://schemas.openxmlformats.org/officeDocument/2006/relationships" xmlns:p="http://schemas.openxmlformats.org/presentationml/2006/main">
+  <p:cSld>
+    <p:spTree>
+      <p:nvGrpSpPr>
+        <p:cNvPr id="1" name=""/>
+        <p:cNvGrpSpPr/>
+        <p:nvPr/>
+      </p:nvGrpSpPr>
+      <p:grpSpPr>
+        <a:xfrm>
+          <a:off x="0" y="0"/>
+          <a:ext cx="0" cy="0"/>
+          <a:chOff x="0" y="0"/>
+          <a:chExt cx="0" cy="0"/>
+        </a:xfrm>
+      </p:grpSpPr>
+      <p:sp>
+        <p:nvSpPr>
+          <p:cNvPr id="4" name="Title 1"/>
+          <p:cNvSpPr>
+            <a:spLocks noGrp="1"/>
+          </p:cNvSpPr>
+          <p:nvPr>
+            <p:ph type="title"/>
+          </p:nvPr>
+        </p:nvSpPr>
+        <p:spPr>
+          <a:xfrm>
+            <a:off x="646111" y="452718"/>
+            <a:ext cx="9404723" cy="1400530"/>
+          </a:xfrm>
+        </p:spPr>
+        <p:txBody>
+          <a:bodyPr/>
+          <a:lstStyle/>
+          <a:p>
+            <a:r>
+              <a:rPr lang="en-US" dirty="0"/>
+              <a:t>Printing</a:t>
+            </a:r>
+          </a:p>
+        </p:txBody>
+      </p:sp>
+      <p:sp>
+        <p:nvSpPr>
+          <p:cNvPr id="5" name="Content Placeholder 2"/>
+          <p:cNvSpPr>
+            <a:spLocks noGrp="1"/>
+          </p:cNvSpPr>
+          <p:nvPr>
+            <p:ph idx="1"/>
+          </p:nvPr>
+        </p:nvSpPr>
+        <p:spPr>
+          <a:xfrm>
+            <a:off x="1104293" y="1489392"/>
+            <a:ext cx="8946541" cy="4195481"/>
+          </a:xfrm>
+        </p:spPr>
+        <p:txBody>
+          <a:bodyPr/>
+          <a:lstStyle/>
+          <a:p>
+            <a:r>
+              <a:rPr lang="en-US" b="1" dirty="0">
+                <a:solidFill>
+                  <a:srgbClr val="FF0000"/>
+                </a:solidFill>
+              </a:rPr>
+              <a:t>x</a:t>
+            </a:r>
+            <a:r>
+              <a:rPr lang="en-US" dirty="0"/>
+              <a:t>/&lt;format&gt; &lt;address&gt;</a:t>
+            </a:r>
+          </a:p>
+          <a:p>
+            <a:pPr lvl="1"/>
+            <a:r>
+              <a:rPr lang="en-US" dirty="0"/>
+              <a:t>Print out value in the specified format at address.</a:t>
+            </a:r>
+          </a:p>
+        </p:txBody>
+      </p:sp>
+      <p:pic>
+        <p:nvPicPr>
+          <p:cNvPr id="7" name="Picture 6"/>
+          <p:cNvPicPr>
+            <a:picLocks noChangeAspect="1"/>
+          </p:cNvPicPr>
+          <p:nvPr/>
+        </p:nvPicPr>
+        <p:blipFill>
+          <a:blip r:embed="rId2"/>
+          <a:stretch>
+            <a:fillRect/>
+          </a:stretch>
+        </p:blipFill>
+        <p:spPr>
+          <a:xfrm>
+            <a:off x="1764084" y="2376073"/>
+            <a:ext cx="8286750" cy="4067175"/>
+          </a:xfrm>
+          <a:prstGeom prst="rect">
+            <a:avLst/>
+          </a:prstGeom>
+        </p:spPr>
+      </p:pic>
+    </p:spTree>
+    <p:extLst>
+      <p:ext uri="{BB962C8B-B14F-4D97-AF65-F5344CB8AC3E}">
+        <p14:creationId xmlns:p14="http://schemas.microsoft.com/office/powerpoint/2010/main" val="1891320432"/>
+      </p:ext>
+    </p:extLst>
+  </p:cSld>
+  <p:clrMapOvr>
+    <a:masterClrMapping/>
+  </p:clrMapOvr>
+</p:sld>
+</file>
+
 <file path=ppt/slides/slide2.xml><?xml version="1.0" encoding="utf-8"?>
 <p:sld xmlns:a="http://schemas.openxmlformats.org/drawingml/2006/main" xmlns:r="http://schemas.openxmlformats.org/officeDocument/2006/relationships" xmlns:p="http://schemas.openxmlformats.org/presentationml/2006/main">
   <p:cSld>
@@ -6467,6 +7127,97 @@
           <a:p>
             <a:r>
               <a:rPr lang="en-US" dirty="0"/>
+              <a:t>#1 Takeaway</a:t>
+            </a:r>
+          </a:p>
+        </p:txBody>
+      </p:sp>
+      <p:sp>
+        <p:nvSpPr>
+          <p:cNvPr id="3" name="Content Placeholder 2"/>
+          <p:cNvSpPr>
+            <a:spLocks noGrp="1"/>
+          </p:cNvSpPr>
+          <p:nvPr>
+            <p:ph idx="1"/>
+          </p:nvPr>
+        </p:nvSpPr>
+        <p:spPr/>
+        <p:txBody>
+          <a:bodyPr/>
+          <a:lstStyle/>
+          <a:p>
+            <a:r>
+              <a:rPr lang="en-US" dirty="0"/>
+              <a:t>For more help on a command, use the help command!</a:t>
+            </a:r>
+          </a:p>
+          <a:p>
+            <a:pPr lvl="1"/>
+            <a:r>
+              <a:rPr lang="en-US" dirty="0"/>
+              <a:t>help &lt;command&gt;</a:t>
+            </a:r>
+          </a:p>
+          <a:p>
+            <a:pPr lvl="1"/>
+            <a:endParaRPr lang="en-US" dirty="0"/>
+          </a:p>
+          <a:p>
+            <a:r>
+              <a:rPr lang="en-US" dirty="0"/>
+              <a:t>Read the manual!!!</a:t>
+            </a:r>
+          </a:p>
+        </p:txBody>
+      </p:sp>
+    </p:spTree>
+    <p:extLst>
+      <p:ext uri="{BB962C8B-B14F-4D97-AF65-F5344CB8AC3E}">
+        <p14:creationId xmlns:p14="http://schemas.microsoft.com/office/powerpoint/2010/main" val="634672584"/>
+      </p:ext>
+    </p:extLst>
+  </p:cSld>
+  <p:clrMapOvr>
+    <a:masterClrMapping/>
+  </p:clrMapOvr>
+</p:sld>
+</file>
+
+<file path=ppt/slides/slide6.xml><?xml version="1.0" encoding="utf-8"?>
+<p:sld xmlns:a="http://schemas.openxmlformats.org/drawingml/2006/main" xmlns:r="http://schemas.openxmlformats.org/officeDocument/2006/relationships" xmlns:p="http://schemas.openxmlformats.org/presentationml/2006/main">
+  <p:cSld>
+    <p:spTree>
+      <p:nvGrpSpPr>
+        <p:cNvPr id="1" name=""/>
+        <p:cNvGrpSpPr/>
+        <p:nvPr/>
+      </p:nvGrpSpPr>
+      <p:grpSpPr>
+        <a:xfrm>
+          <a:off x="0" y="0"/>
+          <a:ext cx="0" cy="0"/>
+          <a:chOff x="0" y="0"/>
+          <a:chExt cx="0" cy="0"/>
+        </a:xfrm>
+      </p:grpSpPr>
+      <p:sp>
+        <p:nvSpPr>
+          <p:cNvPr id="2" name="Title 1"/>
+          <p:cNvSpPr>
+            <a:spLocks noGrp="1"/>
+          </p:cNvSpPr>
+          <p:nvPr>
+            <p:ph type="title"/>
+          </p:nvPr>
+        </p:nvSpPr>
+        <p:spPr/>
+        <p:txBody>
+          <a:bodyPr/>
+          <a:lstStyle/>
+          <a:p>
+            <a:r>
+              <a:rPr lang="en-US" dirty="0"/>
               <a:t>Interface</a:t>
             </a:r>
           </a:p>
@@ -6474,13 +7225,11 @@
       </p:sp>
       <p:pic>
         <p:nvPicPr>
-          <p:cNvPr id="4" name="Content Placeholder 3"/>
+          <p:cNvPr id="3" name="Picture 2"/>
           <p:cNvPicPr>
-            <a:picLocks noGrp="1" noChangeAspect="1"/>
+            <a:picLocks noChangeAspect="1"/>
           </p:cNvPicPr>
-          <p:nvPr>
-            <p:ph idx="1"/>
-          </p:nvPr>
+          <p:nvPr/>
         </p:nvPicPr>
         <p:blipFill>
           <a:blip r:embed="rId2"/>
@@ -6490,8 +7239,8 @@
         </p:blipFill>
         <p:spPr>
           <a:xfrm>
-            <a:off x="1530034" y="1224793"/>
-            <a:ext cx="8857793" cy="5384334"/>
+            <a:off x="1663293" y="1441413"/>
+            <a:ext cx="7370357" cy="4936586"/>
           </a:xfrm>
           <a:prstGeom prst="rect">
             <a:avLst/>
@@ -6502,6 +7251,608 @@
     <p:extLst>
       <p:ext uri="{BB962C8B-B14F-4D97-AF65-F5344CB8AC3E}">
         <p14:creationId xmlns:p14="http://schemas.microsoft.com/office/powerpoint/2010/main" val="451690031"/>
+      </p:ext>
+    </p:extLst>
+  </p:cSld>
+  <p:clrMapOvr>
+    <a:masterClrMapping/>
+  </p:clrMapOvr>
+</p:sld>
+</file>
+
+<file path=ppt/slides/slide7.xml><?xml version="1.0" encoding="utf-8"?>
+<p:sld xmlns:a="http://schemas.openxmlformats.org/drawingml/2006/main" xmlns:r="http://schemas.openxmlformats.org/officeDocument/2006/relationships" xmlns:p="http://schemas.openxmlformats.org/presentationml/2006/main">
+  <p:cSld>
+    <p:spTree>
+      <p:nvGrpSpPr>
+        <p:cNvPr id="1" name=""/>
+        <p:cNvGrpSpPr/>
+        <p:nvPr/>
+      </p:nvGrpSpPr>
+      <p:grpSpPr>
+        <a:xfrm>
+          <a:off x="0" y="0"/>
+          <a:ext cx="0" cy="0"/>
+          <a:chOff x="0" y="0"/>
+          <a:chExt cx="0" cy="0"/>
+        </a:xfrm>
+      </p:grpSpPr>
+      <p:sp>
+        <p:nvSpPr>
+          <p:cNvPr id="2" name="Title 1"/>
+          <p:cNvSpPr>
+            <a:spLocks noGrp="1"/>
+          </p:cNvSpPr>
+          <p:nvPr>
+            <p:ph type="title"/>
+          </p:nvPr>
+        </p:nvSpPr>
+        <p:spPr/>
+        <p:txBody>
+          <a:bodyPr/>
+          <a:lstStyle/>
+          <a:p>
+            <a:r>
+              <a:rPr lang="en-US" dirty="0"/>
+              <a:t>Basic Commands</a:t>
+            </a:r>
+          </a:p>
+        </p:txBody>
+      </p:sp>
+      <p:sp>
+        <p:nvSpPr>
+          <p:cNvPr id="3" name="Content Placeholder 2"/>
+          <p:cNvSpPr>
+            <a:spLocks noGrp="1"/>
+          </p:cNvSpPr>
+          <p:nvPr>
+            <p:ph idx="1"/>
+          </p:nvPr>
+        </p:nvSpPr>
+        <p:spPr>
+          <a:xfrm>
+            <a:off x="1104293" y="1489390"/>
+            <a:ext cx="8946541" cy="4195481"/>
+          </a:xfrm>
+        </p:spPr>
+        <p:txBody>
+          <a:bodyPr/>
+          <a:lstStyle/>
+          <a:p>
+            <a:r>
+              <a:rPr lang="en-US" dirty="0"/>
+              <a:t>Load a binary into </a:t>
+            </a:r>
+            <a:r>
+              <a:rPr lang="en-US" dirty="0" err="1"/>
+              <a:t>gdb</a:t>
+            </a:r>
+            <a:r>
+              <a:rPr lang="en-US" dirty="0"/>
+              <a:t>:</a:t>
+            </a:r>
+          </a:p>
+          <a:p>
+            <a:pPr lvl="1"/>
+            <a:r>
+              <a:rPr lang="en-US" b="1" dirty="0" err="1">
+                <a:solidFill>
+                  <a:srgbClr val="FF0000"/>
+                </a:solidFill>
+              </a:rPr>
+              <a:t>gdb</a:t>
+            </a:r>
+            <a:r>
+              <a:rPr lang="en-US" dirty="0"/>
+              <a:t> [binary]</a:t>
+            </a:r>
+          </a:p>
+        </p:txBody>
+      </p:sp>
+      <p:cxnSp>
+        <p:nvCxnSpPr>
+          <p:cNvPr id="10" name="Straight Arrow Connector 9"/>
+          <p:cNvCxnSpPr/>
+          <p:nvPr/>
+        </p:nvCxnSpPr>
+        <p:spPr>
+          <a:xfrm>
+            <a:off x="1104293" y="2902686"/>
+            <a:ext cx="1076362" cy="10633"/>
+          </a:xfrm>
+          <a:prstGeom prst="straightConnector1">
+            <a:avLst/>
+          </a:prstGeom>
+          <a:ln>
+            <a:tailEnd type="triangle"/>
+          </a:ln>
+        </p:spPr>
+        <p:style>
+          <a:lnRef idx="1">
+            <a:schemeClr val="accent1"/>
+          </a:lnRef>
+          <a:fillRef idx="0">
+            <a:schemeClr val="accent1"/>
+          </a:fillRef>
+          <a:effectRef idx="0">
+            <a:schemeClr val="accent1"/>
+          </a:effectRef>
+          <a:fontRef idx="minor">
+            <a:schemeClr val="tx1"/>
+          </a:fontRef>
+        </p:style>
+      </p:cxnSp>
+      <p:pic>
+        <p:nvPicPr>
+          <p:cNvPr id="13" name="Picture 12"/>
+          <p:cNvPicPr>
+            <a:picLocks noChangeAspect="1"/>
+          </p:cNvPicPr>
+          <p:nvPr/>
+        </p:nvPicPr>
+        <p:blipFill>
+          <a:blip r:embed="rId2"/>
+          <a:stretch>
+            <a:fillRect/>
+          </a:stretch>
+        </p:blipFill>
+        <p:spPr>
+          <a:xfrm>
+            <a:off x="2295525" y="2380030"/>
+            <a:ext cx="7600950" cy="3629025"/>
+          </a:xfrm>
+          <a:prstGeom prst="rect">
+            <a:avLst/>
+          </a:prstGeom>
+        </p:spPr>
+      </p:pic>
+      <p:cxnSp>
+        <p:nvCxnSpPr>
+          <p:cNvPr id="12" name="Straight Arrow Connector 11"/>
+          <p:cNvCxnSpPr/>
+          <p:nvPr/>
+        </p:nvCxnSpPr>
+        <p:spPr>
+          <a:xfrm flipV="1">
+            <a:off x="1642474" y="5621907"/>
+            <a:ext cx="2509283" cy="450113"/>
+          </a:xfrm>
+          <a:prstGeom prst="straightConnector1">
+            <a:avLst/>
+          </a:prstGeom>
+          <a:ln>
+            <a:tailEnd type="triangle"/>
+          </a:ln>
+        </p:spPr>
+        <p:style>
+          <a:lnRef idx="1">
+            <a:schemeClr val="accent1"/>
+          </a:lnRef>
+          <a:fillRef idx="0">
+            <a:schemeClr val="accent1"/>
+          </a:fillRef>
+          <a:effectRef idx="0">
+            <a:schemeClr val="accent1"/>
+          </a:effectRef>
+          <a:fontRef idx="minor">
+            <a:schemeClr val="tx1"/>
+          </a:fontRef>
+        </p:style>
+      </p:cxnSp>
+      <p:sp>
+        <p:nvSpPr>
+          <p:cNvPr id="14" name="Rectangle 13"/>
+          <p:cNvSpPr/>
+          <p:nvPr/>
+        </p:nvSpPr>
+        <p:spPr>
+          <a:xfrm>
+            <a:off x="107930" y="4657890"/>
+            <a:ext cx="2033236" cy="1275074"/>
+          </a:xfrm>
+          <a:prstGeom prst="rect">
+            <a:avLst/>
+          </a:prstGeom>
+        </p:spPr>
+        <p:style>
+          <a:lnRef idx="2">
+            <a:schemeClr val="accent1">
+              <a:shade val="50000"/>
+            </a:schemeClr>
+          </a:lnRef>
+          <a:fillRef idx="1">
+            <a:schemeClr val="accent1"/>
+          </a:fillRef>
+          <a:effectRef idx="0">
+            <a:schemeClr val="accent1"/>
+          </a:effectRef>
+          <a:fontRef idx="minor">
+            <a:schemeClr val="lt1"/>
+          </a:fontRef>
+        </p:style>
+        <p:txBody>
+          <a:bodyPr rtlCol="0" anchor="ctr"/>
+          <a:lstStyle/>
+          <a:p>
+            <a:pPr algn="ctr"/>
+            <a:endParaRPr lang="en-US" dirty="0"/>
+          </a:p>
+        </p:txBody>
+      </p:sp>
+      <p:sp>
+        <p:nvSpPr>
+          <p:cNvPr id="15" name="TextBox 14"/>
+          <p:cNvSpPr txBox="1"/>
+          <p:nvPr/>
+        </p:nvSpPr>
+        <p:spPr>
+          <a:xfrm>
+            <a:off x="107930" y="4708894"/>
+            <a:ext cx="2034840" cy="1169551"/>
+          </a:xfrm>
+          <a:prstGeom prst="rect">
+            <a:avLst/>
+          </a:prstGeom>
+          <a:noFill/>
+        </p:spPr>
+        <p:txBody>
+          <a:bodyPr wrap="square" rtlCol="0">
+            <a:spAutoFit/>
+          </a:bodyPr>
+          <a:lstStyle/>
+          <a:p>
+            <a:pPr algn="ctr"/>
+            <a:r>
+              <a:rPr lang="en-US" sz="1400" dirty="0"/>
+              <a:t>Tip:</a:t>
+            </a:r>
+          </a:p>
+          <a:p>
+            <a:pPr algn="ctr"/>
+            <a:r>
+              <a:rPr lang="en-US" sz="1400" dirty="0"/>
+              <a:t>Compile with gcc using the –g flag to generate debugging symbols!</a:t>
+            </a:r>
+          </a:p>
+        </p:txBody>
+      </p:sp>
+    </p:spTree>
+    <p:extLst>
+      <p:ext uri="{BB962C8B-B14F-4D97-AF65-F5344CB8AC3E}">
+        <p14:creationId xmlns:p14="http://schemas.microsoft.com/office/powerpoint/2010/main" val="2304603294"/>
+      </p:ext>
+    </p:extLst>
+  </p:cSld>
+  <p:clrMapOvr>
+    <a:masterClrMapping/>
+  </p:clrMapOvr>
+</p:sld>
+</file>
+
+<file path=ppt/slides/slide8.xml><?xml version="1.0" encoding="utf-8"?>
+<p:sld xmlns:a="http://schemas.openxmlformats.org/drawingml/2006/main" xmlns:r="http://schemas.openxmlformats.org/officeDocument/2006/relationships" xmlns:p="http://schemas.openxmlformats.org/presentationml/2006/main">
+  <p:cSld>
+    <p:spTree>
+      <p:nvGrpSpPr>
+        <p:cNvPr id="1" name=""/>
+        <p:cNvGrpSpPr/>
+        <p:nvPr/>
+      </p:nvGrpSpPr>
+      <p:grpSpPr>
+        <a:xfrm>
+          <a:off x="0" y="0"/>
+          <a:ext cx="0" cy="0"/>
+          <a:chOff x="0" y="0"/>
+          <a:chExt cx="0" cy="0"/>
+        </a:xfrm>
+      </p:grpSpPr>
+      <p:sp>
+        <p:nvSpPr>
+          <p:cNvPr id="2" name="Title 1"/>
+          <p:cNvSpPr>
+            <a:spLocks noGrp="1"/>
+          </p:cNvSpPr>
+          <p:nvPr>
+            <p:ph type="title"/>
+          </p:nvPr>
+        </p:nvSpPr>
+        <p:spPr/>
+        <p:txBody>
+          <a:bodyPr/>
+          <a:lstStyle/>
+          <a:p>
+            <a:r>
+              <a:rPr lang="en-US" dirty="0"/>
+              <a:t>Basic Commands</a:t>
+            </a:r>
+          </a:p>
+        </p:txBody>
+      </p:sp>
+      <p:sp>
+        <p:nvSpPr>
+          <p:cNvPr id="3" name="Content Placeholder 2"/>
+          <p:cNvSpPr>
+            <a:spLocks noGrp="1"/>
+          </p:cNvSpPr>
+          <p:nvPr>
+            <p:ph idx="1"/>
+          </p:nvPr>
+        </p:nvSpPr>
+        <p:spPr>
+          <a:xfrm>
+            <a:off x="1104293" y="1489390"/>
+            <a:ext cx="8946541" cy="4195481"/>
+          </a:xfrm>
+        </p:spPr>
+        <p:txBody>
+          <a:bodyPr/>
+          <a:lstStyle/>
+          <a:p>
+            <a:r>
+              <a:rPr lang="en-US" b="1" dirty="0">
+                <a:solidFill>
+                  <a:srgbClr val="FF0000"/>
+                </a:solidFill>
+              </a:rPr>
+              <a:t>run</a:t>
+            </a:r>
+            <a:r>
+              <a:rPr lang="en-US" b="1" dirty="0"/>
+              <a:t> </a:t>
+            </a:r>
+            <a:r>
+              <a:rPr lang="en-US" dirty="0"/>
+              <a:t>[param1 ] […</a:t>
+            </a:r>
+            <a:r>
+              <a:rPr lang="en-US" dirty="0" err="1"/>
+              <a:t>param</a:t>
+            </a:r>
+            <a:r>
+              <a:rPr lang="en-US" dirty="0"/>
+              <a:t> n]</a:t>
+            </a:r>
+          </a:p>
+          <a:p>
+            <a:pPr lvl="1"/>
+            <a:r>
+              <a:rPr lang="en-US" dirty="0"/>
+              <a:t>begin execution of program with optional arguments.</a:t>
+            </a:r>
+            <a:endParaRPr lang="en-US" b="1" dirty="0"/>
+          </a:p>
+        </p:txBody>
+      </p:sp>
+      <p:pic>
+        <p:nvPicPr>
+          <p:cNvPr id="5" name="Picture 4"/>
+          <p:cNvPicPr>
+            <a:picLocks noChangeAspect="1"/>
+          </p:cNvPicPr>
+          <p:nvPr/>
+        </p:nvPicPr>
+        <p:blipFill>
+          <a:blip r:embed="rId2"/>
+          <a:stretch>
+            <a:fillRect/>
+          </a:stretch>
+        </p:blipFill>
+        <p:spPr>
+          <a:xfrm>
+            <a:off x="1777088" y="2402680"/>
+            <a:ext cx="7600950" cy="3629025"/>
+          </a:xfrm>
+          <a:prstGeom prst="rect">
+            <a:avLst/>
+          </a:prstGeom>
+        </p:spPr>
+      </p:pic>
+      <p:sp>
+        <p:nvSpPr>
+          <p:cNvPr id="6" name="Rectangle 5"/>
+          <p:cNvSpPr/>
+          <p:nvPr/>
+        </p:nvSpPr>
+        <p:spPr>
+          <a:xfrm>
+            <a:off x="9553066" y="2636871"/>
+            <a:ext cx="2339163" cy="923331"/>
+          </a:xfrm>
+          <a:prstGeom prst="rect">
+            <a:avLst/>
+          </a:prstGeom>
+        </p:spPr>
+        <p:style>
+          <a:lnRef idx="2">
+            <a:schemeClr val="accent1">
+              <a:shade val="50000"/>
+            </a:schemeClr>
+          </a:lnRef>
+          <a:fillRef idx="1">
+            <a:schemeClr val="accent1"/>
+          </a:fillRef>
+          <a:effectRef idx="0">
+            <a:schemeClr val="accent1"/>
+          </a:effectRef>
+          <a:fontRef idx="minor">
+            <a:schemeClr val="lt1"/>
+          </a:fontRef>
+        </p:style>
+        <p:txBody>
+          <a:bodyPr rtlCol="0" anchor="ctr"/>
+          <a:lstStyle/>
+          <a:p>
+            <a:pPr algn="ctr"/>
+            <a:endParaRPr lang="en-US"/>
+          </a:p>
+        </p:txBody>
+      </p:sp>
+      <p:sp>
+        <p:nvSpPr>
+          <p:cNvPr id="7" name="TextBox 6"/>
+          <p:cNvSpPr txBox="1"/>
+          <p:nvPr/>
+        </p:nvSpPr>
+        <p:spPr>
+          <a:xfrm>
+            <a:off x="9553066" y="2636872"/>
+            <a:ext cx="2339163" cy="923330"/>
+          </a:xfrm>
+          <a:prstGeom prst="rect">
+            <a:avLst/>
+          </a:prstGeom>
+          <a:noFill/>
+        </p:spPr>
+        <p:txBody>
+          <a:bodyPr wrap="square" rtlCol="0">
+            <a:spAutoFit/>
+          </a:bodyPr>
+          <a:lstStyle/>
+          <a:p>
+            <a:pPr algn="ctr"/>
+            <a:r>
+              <a:rPr lang="en-US" dirty="0"/>
+              <a:t>Tip:</a:t>
+            </a:r>
+          </a:p>
+          <a:p>
+            <a:pPr algn="ctr"/>
+            <a:r>
+              <a:rPr lang="en-US" dirty="0"/>
+              <a:t>Use Ctrl + L to clear your screen!</a:t>
+            </a:r>
+          </a:p>
+        </p:txBody>
+      </p:sp>
+    </p:spTree>
+    <p:extLst>
+      <p:ext uri="{BB962C8B-B14F-4D97-AF65-F5344CB8AC3E}">
+        <p14:creationId xmlns:p14="http://schemas.microsoft.com/office/powerpoint/2010/main" val="3846943865"/>
+      </p:ext>
+    </p:extLst>
+  </p:cSld>
+  <p:clrMapOvr>
+    <a:masterClrMapping/>
+  </p:clrMapOvr>
+</p:sld>
+</file>
+
+<file path=ppt/slides/slide9.xml><?xml version="1.0" encoding="utf-8"?>
+<p:sld xmlns:a="http://schemas.openxmlformats.org/drawingml/2006/main" xmlns:r="http://schemas.openxmlformats.org/officeDocument/2006/relationships" xmlns:p="http://schemas.openxmlformats.org/presentationml/2006/main">
+  <p:cSld>
+    <p:spTree>
+      <p:nvGrpSpPr>
+        <p:cNvPr id="1" name=""/>
+        <p:cNvGrpSpPr/>
+        <p:nvPr/>
+      </p:nvGrpSpPr>
+      <p:grpSpPr>
+        <a:xfrm>
+          <a:off x="0" y="0"/>
+          <a:ext cx="0" cy="0"/>
+          <a:chOff x="0" y="0"/>
+          <a:chExt cx="0" cy="0"/>
+        </a:xfrm>
+      </p:grpSpPr>
+      <p:sp>
+        <p:nvSpPr>
+          <p:cNvPr id="2" name="Title 1"/>
+          <p:cNvSpPr>
+            <a:spLocks noGrp="1"/>
+          </p:cNvSpPr>
+          <p:nvPr>
+            <p:ph type="title"/>
+          </p:nvPr>
+        </p:nvSpPr>
+        <p:spPr/>
+        <p:txBody>
+          <a:bodyPr/>
+          <a:lstStyle/>
+          <a:p>
+            <a:r>
+              <a:rPr lang="en-US" dirty="0"/>
+              <a:t>Flow Control</a:t>
+            </a:r>
+          </a:p>
+        </p:txBody>
+      </p:sp>
+      <p:sp>
+        <p:nvSpPr>
+          <p:cNvPr id="3" name="Content Placeholder 2"/>
+          <p:cNvSpPr>
+            <a:spLocks noGrp="1"/>
+          </p:cNvSpPr>
+          <p:nvPr>
+            <p:ph idx="1"/>
+          </p:nvPr>
+        </p:nvSpPr>
+        <p:spPr>
+          <a:xfrm>
+            <a:off x="1104293" y="1489393"/>
+            <a:ext cx="8946541" cy="4195481"/>
+          </a:xfrm>
+        </p:spPr>
+        <p:txBody>
+          <a:bodyPr/>
+          <a:lstStyle/>
+          <a:p>
+            <a:r>
+              <a:rPr lang="en-US" b="1" dirty="0">
+                <a:solidFill>
+                  <a:srgbClr val="FF0000"/>
+                </a:solidFill>
+              </a:rPr>
+              <a:t>break </a:t>
+            </a:r>
+            <a:r>
+              <a:rPr lang="en-US" dirty="0"/>
+              <a:t>&lt;location&gt;</a:t>
+            </a:r>
+          </a:p>
+          <a:p>
+            <a:pPr lvl="1"/>
+            <a:r>
+              <a:rPr lang="en-US" dirty="0"/>
+              <a:t>Creates a breakpoint in the program, halting when execution reaches &lt;location&gt;.</a:t>
+            </a:r>
+          </a:p>
+          <a:p>
+            <a:pPr lvl="1"/>
+            <a:r>
+              <a:rPr lang="en-US" dirty="0"/>
+              <a:t>The breakpoint can be specified in a couple of formats</a:t>
+            </a:r>
+          </a:p>
+          <a:p>
+            <a:pPr lvl="2"/>
+            <a:r>
+              <a:rPr lang="en-US" dirty="0"/>
+              <a:t>By function name (ex. break main)</a:t>
+            </a:r>
+          </a:p>
+          <a:p>
+            <a:pPr lvl="2"/>
+            <a:r>
+              <a:rPr lang="en-US" dirty="0"/>
+              <a:t>By source code line (ex. break 15)</a:t>
+            </a:r>
+          </a:p>
+          <a:p>
+            <a:pPr lvl="2"/>
+            <a:endParaRPr lang="en-US" dirty="0"/>
+          </a:p>
+          <a:p>
+            <a:r>
+              <a:rPr lang="en-US" dirty="0"/>
+              <a:t>Break is actually more flexible than this, see the help for more information.</a:t>
+            </a:r>
+          </a:p>
+        </p:txBody>
+      </p:sp>
+    </p:spTree>
+    <p:extLst>
+      <p:ext uri="{BB962C8B-B14F-4D97-AF65-F5344CB8AC3E}">
+        <p14:creationId xmlns:p14="http://schemas.microsoft.com/office/powerpoint/2010/main" val="1358186120"/>
       </p:ext>
     </p:extLst>
   </p:cSld>

--- a/GDB and Git.pptx
+++ b/GDB and Git.pptx
@@ -18,6 +18,8 @@
     <p:sldId id="266" r:id="rId12"/>
     <p:sldId id="267" r:id="rId13"/>
     <p:sldId id="268" r:id="rId14"/>
+    <p:sldId id="269" r:id="rId15"/>
+    <p:sldId id="270" r:id="rId16"/>
   </p:sldIdLst>
   <p:sldSz cx="12192000" cy="6858000"/>
   <p:notesSz cx="6858000" cy="9144000"/>
@@ -6308,6 +6310,12 @@
             </a:r>
           </a:p>
           <a:p>
+            <a:pPr marL="914400" lvl="2" indent="0">
+              <a:buNone/>
+            </a:pPr>
+            <a:endParaRPr lang="en-US" dirty="0"/>
+          </a:p>
+          <a:p>
             <a:r>
               <a:rPr lang="en-US" b="1" dirty="0">
                 <a:solidFill>
@@ -6412,11 +6420,13 @@
           </a:xfrm>
         </p:spPr>
         <p:txBody>
-          <a:bodyPr/>
-          <a:lstStyle/>
-          <a:p>
-            <a:r>
-              <a:rPr lang="en-US" b="1" dirty="0">
+          <a:bodyPr>
+            <a:noAutofit/>
+          </a:bodyPr>
+          <a:lstStyle/>
+          <a:p>
+            <a:r>
+              <a:rPr lang="en-US" sz="1500" b="1" dirty="0">
                 <a:solidFill>
                   <a:srgbClr val="FF0000"/>
                 </a:solidFill>
@@ -6424,25 +6434,25 @@
               <a:t>list</a:t>
             </a:r>
             <a:r>
-              <a:rPr lang="en-US" dirty="0"/>
+              <a:rPr lang="en-US" sz="1500" dirty="0"/>
               <a:t> &lt;location&gt;</a:t>
             </a:r>
           </a:p>
           <a:p>
             <a:pPr lvl="1"/>
             <a:r>
-              <a:rPr lang="en-US" dirty="0"/>
+              <a:rPr lang="en-US" sz="1500" dirty="0"/>
               <a:t>Lists lines (default 10) of source code starting at location.</a:t>
             </a:r>
           </a:p>
           <a:p>
             <a:pPr lvl="2"/>
             <a:r>
-              <a:rPr lang="en-US" dirty="0"/>
+              <a:rPr lang="en-US" sz="1500" dirty="0"/>
               <a:t>Use </a:t>
             </a:r>
             <a:r>
-              <a:rPr lang="en-US" dirty="0">
+              <a:rPr lang="en-US" sz="1500" dirty="0">
                 <a:solidFill>
                   <a:srgbClr val="FF0000"/>
                 </a:solidFill>
@@ -6450,7 +6460,7 @@
               <a:t>set </a:t>
             </a:r>
             <a:r>
-              <a:rPr lang="en-US" dirty="0" err="1">
+              <a:rPr lang="en-US" sz="1500" dirty="0" err="1">
                 <a:solidFill>
                   <a:srgbClr val="FF0000"/>
                 </a:solidFill>
@@ -6458,7 +6468,7 @@
               <a:t>listsize</a:t>
             </a:r>
             <a:r>
-              <a:rPr lang="en-US" dirty="0">
+              <a:rPr lang="en-US" sz="1500" dirty="0">
                 <a:solidFill>
                   <a:srgbClr val="FF0000"/>
                 </a:solidFill>
@@ -6466,18 +6476,18 @@
               <a:t> </a:t>
             </a:r>
             <a:r>
-              <a:rPr lang="en-US" dirty="0"/>
+              <a:rPr lang="en-US" sz="1500" dirty="0"/>
               <a:t>to change the default.</a:t>
             </a:r>
           </a:p>
           <a:p>
             <a:pPr lvl="1"/>
             <a:r>
-              <a:rPr lang="en-US" dirty="0"/>
+              <a:rPr lang="en-US" sz="1500" dirty="0"/>
               <a:t>Location is specified similar to </a:t>
             </a:r>
             <a:r>
-              <a:rPr lang="en-US" b="1" dirty="0">
+              <a:rPr lang="en-US" sz="1500" b="1" dirty="0">
                 <a:solidFill>
                   <a:srgbClr val="FF0000"/>
                 </a:solidFill>
@@ -6485,17 +6495,13 @@
               <a:t>break</a:t>
             </a:r>
             <a:r>
-              <a:rPr lang="en-US" dirty="0"/>
+              <a:rPr lang="en-US" sz="1500" dirty="0"/>
               <a:t>.</a:t>
             </a:r>
           </a:p>
           <a:p>
-            <a:pPr lvl="1"/>
-            <a:endParaRPr lang="en-US" dirty="0"/>
-          </a:p>
-          <a:p>
-            <a:r>
-              <a:rPr lang="en-US" b="1" dirty="0">
+            <a:r>
+              <a:rPr lang="en-US" sz="1500" b="1" dirty="0">
                 <a:solidFill>
                   <a:srgbClr val="FF0000"/>
                 </a:solidFill>
@@ -6503,24 +6509,20 @@
               <a:t>disassemble</a:t>
             </a:r>
             <a:r>
-              <a:rPr lang="en-US" dirty="0"/>
+              <a:rPr lang="en-US" sz="1500" dirty="0"/>
               <a:t> [location]</a:t>
             </a:r>
           </a:p>
           <a:p>
             <a:pPr lvl="1"/>
             <a:r>
-              <a:rPr lang="en-US" dirty="0"/>
+              <a:rPr lang="en-US" sz="1500" dirty="0"/>
               <a:t>Lists assembly instructions focused around location (or current execution line if none specified).</a:t>
             </a:r>
           </a:p>
           <a:p>
-            <a:pPr lvl="1"/>
-            <a:endParaRPr lang="en-US" dirty="0"/>
-          </a:p>
-          <a:p>
-            <a:r>
-              <a:rPr lang="en-US" b="1" dirty="0">
+            <a:r>
+              <a:rPr lang="en-US" sz="1500" b="1" dirty="0">
                 <a:solidFill>
                   <a:srgbClr val="FF0000"/>
                 </a:solidFill>
@@ -6528,24 +6530,95 @@
               <a:t>info</a:t>
             </a:r>
             <a:r>
-              <a:rPr lang="en-US" dirty="0"/>
+              <a:rPr lang="en-US" sz="1500" dirty="0"/>
               <a:t> &lt;command&gt;</a:t>
             </a:r>
           </a:p>
           <a:p>
             <a:pPr lvl="1"/>
             <a:r>
-              <a:rPr lang="en-US" dirty="0"/>
+              <a:rPr lang="en-US" sz="1500" dirty="0"/>
               <a:t>Many subcommands available, although most used one will probably be </a:t>
             </a:r>
             <a:r>
-              <a:rPr lang="en-US" dirty="0" err="1"/>
+              <a:rPr lang="en-US" sz="1500" dirty="0" err="1"/>
               <a:t>reg</a:t>
             </a:r>
             <a:r>
-              <a:rPr lang="en-US" dirty="0"/>
+              <a:rPr lang="en-US" sz="1500" dirty="0"/>
               <a:t> (info registers).</a:t>
             </a:r>
+          </a:p>
+          <a:p>
+            <a:r>
+              <a:rPr lang="en-US" sz="1500" b="1" dirty="0">
+                <a:solidFill>
+                  <a:srgbClr val="FF0000"/>
+                </a:solidFill>
+              </a:rPr>
+              <a:t>p</a:t>
+            </a:r>
+            <a:r>
+              <a:rPr lang="en-US" sz="1500" dirty="0"/>
+              <a:t> &lt;expression&gt;</a:t>
+            </a:r>
+          </a:p>
+          <a:p>
+            <a:pPr lvl="1"/>
+            <a:r>
+              <a:rPr lang="en-US" sz="1500" dirty="0"/>
+              <a:t>Prints the value of the expression. </a:t>
+            </a:r>
+          </a:p>
+          <a:p>
+            <a:pPr lvl="2"/>
+            <a:r>
+              <a:rPr lang="en-US" sz="1300" dirty="0"/>
+              <a:t>p </a:t>
+            </a:r>
+            <a:r>
+              <a:rPr lang="en-US" sz="1300" dirty="0" err="1"/>
+              <a:t>buf</a:t>
+            </a:r>
+            <a:r>
+              <a:rPr lang="en-US" sz="1300" dirty="0"/>
+              <a:t> (print the value of </a:t>
+            </a:r>
+            <a:r>
+              <a:rPr lang="en-US" sz="1300" dirty="0" err="1"/>
+              <a:t>buf</a:t>
+            </a:r>
+            <a:r>
+              <a:rPr lang="en-US" sz="1300" dirty="0"/>
+              <a:t>)</a:t>
+            </a:r>
+          </a:p>
+          <a:p>
+            <a:pPr lvl="2"/>
+            <a:r>
+              <a:rPr lang="en-US" sz="1300" dirty="0"/>
+              <a:t>p &amp;</a:t>
+            </a:r>
+            <a:r>
+              <a:rPr lang="en-US" sz="1300" dirty="0" err="1"/>
+              <a:t>buf</a:t>
+            </a:r>
+            <a:r>
+              <a:rPr lang="en-US" sz="1300" dirty="0"/>
+              <a:t> (print the address of </a:t>
+            </a:r>
+            <a:r>
+              <a:rPr lang="en-US" sz="1300" dirty="0" err="1"/>
+              <a:t>buf</a:t>
+            </a:r>
+            <a:r>
+              <a:rPr lang="en-US" sz="1300" dirty="0"/>
+              <a:t>)</a:t>
+            </a:r>
+          </a:p>
+          <a:p>
+            <a:pPr lvl="2"/>
+            <a:endParaRPr lang="en-US" sz="1300" dirty="0"/>
           </a:p>
         </p:txBody>
       </p:sp>
@@ -6619,7 +6692,7 @@
         <p:spPr>
           <a:xfrm>
             <a:off x="1104293" y="1489392"/>
-            <a:ext cx="8946541" cy="4195481"/>
+            <a:ext cx="8946541" cy="5081529"/>
           </a:xfrm>
         </p:spPr>
         <p:txBody>
@@ -6664,8 +6737,8 @@
         </p:blipFill>
         <p:spPr>
           <a:xfrm>
-            <a:off x="1764084" y="2376073"/>
-            <a:ext cx="8286750" cy="4067175"/>
+            <a:off x="1908866" y="2307265"/>
+            <a:ext cx="7343935" cy="3604437"/>
           </a:xfrm>
           <a:prstGeom prst="rect">
             <a:avLst/>
@@ -6676,6 +6749,447 @@
     <p:extLst>
       <p:ext uri="{BB962C8B-B14F-4D97-AF65-F5344CB8AC3E}">
         <p14:creationId xmlns:p14="http://schemas.microsoft.com/office/powerpoint/2010/main" val="1891320432"/>
+      </p:ext>
+    </p:extLst>
+  </p:cSld>
+  <p:clrMapOvr>
+    <a:masterClrMapping/>
+  </p:clrMapOvr>
+</p:sld>
+</file>
+
+<file path=ppt/slides/slide14.xml><?xml version="1.0" encoding="utf-8"?>
+<p:sld xmlns:a="http://schemas.openxmlformats.org/drawingml/2006/main" xmlns:r="http://schemas.openxmlformats.org/officeDocument/2006/relationships" xmlns:p="http://schemas.openxmlformats.org/presentationml/2006/main">
+  <p:cSld>
+    <p:spTree>
+      <p:nvGrpSpPr>
+        <p:cNvPr id="1" name=""/>
+        <p:cNvGrpSpPr/>
+        <p:nvPr/>
+      </p:nvGrpSpPr>
+      <p:grpSpPr>
+        <a:xfrm>
+          <a:off x="0" y="0"/>
+          <a:ext cx="0" cy="0"/>
+          <a:chOff x="0" y="0"/>
+          <a:chExt cx="0" cy="0"/>
+        </a:xfrm>
+      </p:grpSpPr>
+      <p:sp>
+        <p:nvSpPr>
+          <p:cNvPr id="9" name="Title 8"/>
+          <p:cNvSpPr>
+            <a:spLocks noGrp="1"/>
+          </p:cNvSpPr>
+          <p:nvPr>
+            <p:ph type="title"/>
+          </p:nvPr>
+        </p:nvSpPr>
+        <p:spPr/>
+        <p:txBody>
+          <a:bodyPr/>
+          <a:lstStyle/>
+          <a:p>
+            <a:r>
+              <a:rPr lang="en-US" dirty="0"/>
+              <a:t>Manipulating Memory</a:t>
+            </a:r>
+          </a:p>
+        </p:txBody>
+      </p:sp>
+      <p:sp>
+        <p:nvSpPr>
+          <p:cNvPr id="11" name="Content Placeholder 2"/>
+          <p:cNvSpPr>
+            <a:spLocks noGrp="1"/>
+          </p:cNvSpPr>
+          <p:nvPr>
+            <p:ph idx="1"/>
+          </p:nvPr>
+        </p:nvSpPr>
+        <p:spPr>
+          <a:xfrm>
+            <a:off x="1104293" y="1489392"/>
+            <a:ext cx="8946541" cy="4195481"/>
+          </a:xfrm>
+        </p:spPr>
+        <p:txBody>
+          <a:bodyPr/>
+          <a:lstStyle/>
+          <a:p>
+            <a:r>
+              <a:rPr lang="en-US" b="1" dirty="0">
+                <a:solidFill>
+                  <a:srgbClr val="FF0000"/>
+                </a:solidFill>
+              </a:rPr>
+              <a:t>set</a:t>
+            </a:r>
+            <a:endParaRPr lang="en-US" dirty="0"/>
+          </a:p>
+          <a:p>
+            <a:pPr lvl="1"/>
+            <a:r>
+              <a:rPr lang="en-US" dirty="0"/>
+              <a:t>Sets a variable, address, register etc. to the specified value</a:t>
+            </a:r>
+          </a:p>
+          <a:p>
+            <a:pPr lvl="1"/>
+            <a:r>
+              <a:rPr lang="en-US" dirty="0"/>
+              <a:t>Can look a little messy</a:t>
+            </a:r>
+          </a:p>
+        </p:txBody>
+      </p:sp>
+      <p:pic>
+        <p:nvPicPr>
+          <p:cNvPr id="13" name="Picture 12"/>
+          <p:cNvPicPr>
+            <a:picLocks noChangeAspect="1"/>
+          </p:cNvPicPr>
+          <p:nvPr/>
+        </p:nvPicPr>
+        <p:blipFill>
+          <a:blip r:embed="rId2"/>
+          <a:stretch>
+            <a:fillRect/>
+          </a:stretch>
+        </p:blipFill>
+        <p:spPr>
+          <a:xfrm>
+            <a:off x="1104293" y="3148032"/>
+            <a:ext cx="8562975" cy="2200275"/>
+          </a:xfrm>
+          <a:prstGeom prst="rect">
+            <a:avLst/>
+          </a:prstGeom>
+        </p:spPr>
+      </p:pic>
+    </p:spTree>
+    <p:extLst>
+      <p:ext uri="{BB962C8B-B14F-4D97-AF65-F5344CB8AC3E}">
+        <p14:creationId xmlns:p14="http://schemas.microsoft.com/office/powerpoint/2010/main" val="2977349481"/>
+      </p:ext>
+    </p:extLst>
+  </p:cSld>
+  <p:clrMapOvr>
+    <a:masterClrMapping/>
+  </p:clrMapOvr>
+</p:sld>
+</file>
+
+<file path=ppt/slides/slide15.xml><?xml version="1.0" encoding="utf-8"?>
+<p:sld xmlns:a="http://schemas.openxmlformats.org/drawingml/2006/main" xmlns:r="http://schemas.openxmlformats.org/officeDocument/2006/relationships" xmlns:p="http://schemas.openxmlformats.org/presentationml/2006/main">
+  <p:cSld>
+    <p:spTree>
+      <p:nvGrpSpPr>
+        <p:cNvPr id="1" name=""/>
+        <p:cNvGrpSpPr/>
+        <p:nvPr/>
+      </p:nvGrpSpPr>
+      <p:grpSpPr>
+        <a:xfrm>
+          <a:off x="0" y="0"/>
+          <a:ext cx="0" cy="0"/>
+          <a:chOff x="0" y="0"/>
+          <a:chExt cx="0" cy="0"/>
+        </a:xfrm>
+      </p:grpSpPr>
+      <p:sp>
+        <p:nvSpPr>
+          <p:cNvPr id="2" name="Title 1"/>
+          <p:cNvSpPr>
+            <a:spLocks noGrp="1"/>
+          </p:cNvSpPr>
+          <p:nvPr>
+            <p:ph type="title"/>
+          </p:nvPr>
+        </p:nvSpPr>
+        <p:spPr/>
+        <p:txBody>
+          <a:bodyPr/>
+          <a:lstStyle/>
+          <a:p>
+            <a:r>
+              <a:rPr lang="en-US" dirty="0"/>
+              <a:t>Layouts</a:t>
+            </a:r>
+          </a:p>
+        </p:txBody>
+      </p:sp>
+      <p:sp>
+        <p:nvSpPr>
+          <p:cNvPr id="3" name="Content Placeholder 2"/>
+          <p:cNvSpPr>
+            <a:spLocks noGrp="1"/>
+          </p:cNvSpPr>
+          <p:nvPr>
+            <p:ph idx="1"/>
+          </p:nvPr>
+        </p:nvSpPr>
+        <p:spPr>
+          <a:xfrm>
+            <a:off x="1103312" y="1424763"/>
+            <a:ext cx="8946541" cy="5188687"/>
+          </a:xfrm>
+        </p:spPr>
+        <p:txBody>
+          <a:bodyPr>
+            <a:normAutofit/>
+          </a:bodyPr>
+          <a:lstStyle/>
+          <a:p>
+            <a:r>
+              <a:rPr lang="en-US" b="1" dirty="0">
+                <a:solidFill>
+                  <a:srgbClr val="FF0000"/>
+                </a:solidFill>
+              </a:rPr>
+              <a:t>layout</a:t>
+            </a:r>
+            <a:r>
+              <a:rPr lang="en-US" dirty="0"/>
+              <a:t> &lt;</a:t>
+            </a:r>
+            <a:r>
+              <a:rPr lang="en-US" dirty="0" err="1"/>
+              <a:t>asm</a:t>
+            </a:r>
+            <a:r>
+              <a:rPr lang="en-US" dirty="0"/>
+              <a:t> | </a:t>
+            </a:r>
+            <a:r>
+              <a:rPr lang="en-US" dirty="0" err="1"/>
+              <a:t>regs</a:t>
+            </a:r>
+            <a:r>
+              <a:rPr lang="en-US" dirty="0"/>
+              <a:t> | </a:t>
+            </a:r>
+            <a:r>
+              <a:rPr lang="en-US" dirty="0" err="1"/>
+              <a:t>src</a:t>
+            </a:r>
+            <a:r>
+              <a:rPr lang="en-US" dirty="0"/>
+              <a:t> | split&gt;</a:t>
+            </a:r>
+          </a:p>
+          <a:p>
+            <a:pPr lvl="1"/>
+            <a:r>
+              <a:rPr lang="en-US" dirty="0"/>
+              <a:t>Displays assembly, registers, source code or a combination of them!</a:t>
+            </a:r>
+            <a:br>
+              <a:rPr lang="en-US" dirty="0"/>
+            </a:br>
+            <a:br>
+              <a:rPr lang="en-US" dirty="0"/>
+            </a:br>
+            <a:br>
+              <a:rPr lang="en-US" dirty="0"/>
+            </a:br>
+            <a:br>
+              <a:rPr lang="en-US" dirty="0"/>
+            </a:br>
+            <a:br>
+              <a:rPr lang="en-US" dirty="0"/>
+            </a:br>
+            <a:br>
+              <a:rPr lang="en-US" dirty="0"/>
+            </a:br>
+            <a:br>
+              <a:rPr lang="en-US" dirty="0"/>
+            </a:br>
+            <a:br>
+              <a:rPr lang="en-US" dirty="0"/>
+            </a:br>
+            <a:br>
+              <a:rPr lang="en-US" dirty="0"/>
+            </a:br>
+            <a:br>
+              <a:rPr lang="en-US" dirty="0"/>
+            </a:br>
+            <a:br>
+              <a:rPr lang="en-US" dirty="0"/>
+            </a:br>
+            <a:br>
+              <a:rPr lang="en-US" dirty="0"/>
+            </a:br>
+            <a:endParaRPr lang="en-US" dirty="0"/>
+          </a:p>
+          <a:p>
+            <a:r>
+              <a:rPr lang="en-US" b="1" dirty="0">
+                <a:solidFill>
+                  <a:srgbClr val="FF0000"/>
+                </a:solidFill>
+              </a:rPr>
+              <a:t>focus</a:t>
+            </a:r>
+            <a:r>
+              <a:rPr lang="en-US" dirty="0"/>
+              <a:t> &lt;</a:t>
+            </a:r>
+            <a:r>
+              <a:rPr lang="en-US" dirty="0" err="1"/>
+              <a:t>asm</a:t>
+            </a:r>
+            <a:r>
+              <a:rPr lang="en-US" dirty="0"/>
+              <a:t> | </a:t>
+            </a:r>
+            <a:r>
+              <a:rPr lang="en-US" dirty="0" err="1"/>
+              <a:t>regs</a:t>
+            </a:r>
+            <a:r>
+              <a:rPr lang="en-US" dirty="0"/>
+              <a:t> | </a:t>
+            </a:r>
+            <a:r>
+              <a:rPr lang="en-US" dirty="0" err="1"/>
+              <a:t>src</a:t>
+            </a:r>
+            <a:r>
+              <a:rPr lang="en-US" dirty="0"/>
+              <a:t> | </a:t>
+            </a:r>
+            <a:r>
+              <a:rPr lang="en-US" dirty="0" err="1"/>
+              <a:t>cmd</a:t>
+            </a:r>
+            <a:r>
+              <a:rPr lang="en-US" dirty="0"/>
+              <a:t> | next | </a:t>
+            </a:r>
+            <a:r>
+              <a:rPr lang="en-US" dirty="0" err="1"/>
+              <a:t>prev</a:t>
+            </a:r>
+            <a:r>
+              <a:rPr lang="en-US" dirty="0"/>
+              <a:t>&gt;</a:t>
+            </a:r>
+          </a:p>
+          <a:p>
+            <a:pPr lvl="1"/>
+            <a:r>
+              <a:rPr lang="en-US" dirty="0"/>
+              <a:t>Change focus to specified pane. </a:t>
+            </a:r>
+          </a:p>
+        </p:txBody>
+      </p:sp>
+      <p:pic>
+        <p:nvPicPr>
+          <p:cNvPr id="4" name="Picture 3"/>
+          <p:cNvPicPr>
+            <a:picLocks noChangeAspect="1"/>
+          </p:cNvPicPr>
+          <p:nvPr/>
+        </p:nvPicPr>
+        <p:blipFill>
+          <a:blip r:embed="rId2"/>
+          <a:stretch>
+            <a:fillRect/>
+          </a:stretch>
+        </p:blipFill>
+        <p:spPr>
+          <a:xfrm>
+            <a:off x="2592434" y="2258006"/>
+            <a:ext cx="5512076" cy="3302046"/>
+          </a:xfrm>
+          <a:prstGeom prst="rect">
+            <a:avLst/>
+          </a:prstGeom>
+        </p:spPr>
+      </p:pic>
+      <p:sp>
+        <p:nvSpPr>
+          <p:cNvPr id="5" name="Rectangle 4"/>
+          <p:cNvSpPr/>
+          <p:nvPr/>
+        </p:nvSpPr>
+        <p:spPr>
+          <a:xfrm>
+            <a:off x="8771860" y="3306726"/>
+            <a:ext cx="2307266" cy="1573617"/>
+          </a:xfrm>
+          <a:prstGeom prst="rect">
+            <a:avLst/>
+          </a:prstGeom>
+        </p:spPr>
+        <p:style>
+          <a:lnRef idx="2">
+            <a:schemeClr val="accent1">
+              <a:shade val="50000"/>
+            </a:schemeClr>
+          </a:lnRef>
+          <a:fillRef idx="1">
+            <a:schemeClr val="accent1"/>
+          </a:fillRef>
+          <a:effectRef idx="0">
+            <a:schemeClr val="accent1"/>
+          </a:effectRef>
+          <a:fontRef idx="minor">
+            <a:schemeClr val="lt1"/>
+          </a:fontRef>
+        </p:style>
+        <p:txBody>
+          <a:bodyPr rtlCol="0" anchor="ctr"/>
+          <a:lstStyle/>
+          <a:p>
+            <a:pPr algn="ctr"/>
+            <a:endParaRPr lang="en-US"/>
+          </a:p>
+        </p:txBody>
+      </p:sp>
+      <p:sp>
+        <p:nvSpPr>
+          <p:cNvPr id="6" name="TextBox 5"/>
+          <p:cNvSpPr txBox="1"/>
+          <p:nvPr/>
+        </p:nvSpPr>
+        <p:spPr>
+          <a:xfrm>
+            <a:off x="8761228" y="3306726"/>
+            <a:ext cx="2317898" cy="1477328"/>
+          </a:xfrm>
+          <a:prstGeom prst="rect">
+            <a:avLst/>
+          </a:prstGeom>
+          <a:noFill/>
+        </p:spPr>
+        <p:txBody>
+          <a:bodyPr wrap="square" rtlCol="0">
+            <a:spAutoFit/>
+          </a:bodyPr>
+          <a:lstStyle/>
+          <a:p>
+            <a:pPr algn="ctr"/>
+            <a:r>
+              <a:rPr lang="en-US" dirty="0"/>
+              <a:t>Tip:</a:t>
+            </a:r>
+          </a:p>
+          <a:p>
+            <a:pPr algn="ctr"/>
+            <a:r>
+              <a:rPr lang="en-US" dirty="0"/>
+              <a:t>Use ‘Ctrl + x’ followed by ‘a’ to return to the normal interface.</a:t>
+            </a:r>
+          </a:p>
+        </p:txBody>
+      </p:sp>
+    </p:spTree>
+    <p:extLst>
+      <p:ext uri="{BB962C8B-B14F-4D97-AF65-F5344CB8AC3E}">
+        <p14:creationId xmlns:p14="http://schemas.microsoft.com/office/powerpoint/2010/main" val="2644054811"/>
       </p:ext>
     </p:extLst>
   </p:cSld>
@@ -7357,7 +7871,7 @@
         </p:nvCxnSpPr>
         <p:spPr>
           <a:xfrm>
-            <a:off x="1104293" y="2902686"/>
+            <a:off x="646111" y="3083440"/>
             <a:ext cx="1076362" cy="10633"/>
           </a:xfrm>
           <a:prstGeom prst="straightConnector1">
@@ -7398,7 +7912,7 @@
         </p:blipFill>
         <p:spPr>
           <a:xfrm>
-            <a:off x="2295525" y="2380030"/>
+            <a:off x="1837343" y="2560784"/>
             <a:ext cx="7600950" cy="3629025"/>
           </a:xfrm>
           <a:prstGeom prst="rect">
@@ -7414,7 +7928,7 @@
         </p:nvCxnSpPr>
         <p:spPr>
           <a:xfrm flipV="1">
-            <a:off x="1642474" y="5621907"/>
+            <a:off x="1184292" y="5802661"/>
             <a:ext cx="2509283" cy="450113"/>
           </a:xfrm>
           <a:prstGeom prst="straightConnector1">
@@ -7447,7 +7961,7 @@
         </p:nvSpPr>
         <p:spPr>
           <a:xfrm>
-            <a:off x="107930" y="4657890"/>
+            <a:off x="9767266" y="3339453"/>
             <a:ext cx="2033236" cy="1275074"/>
           </a:xfrm>
           <a:prstGeom prst="rect">
@@ -7487,7 +8001,7 @@
         </p:nvSpPr>
         <p:spPr>
           <a:xfrm>
-            <a:off x="107930" y="4708894"/>
+            <a:off x="9767266" y="3390457"/>
             <a:ext cx="2034840" cy="1169551"/>
           </a:xfrm>
           <a:prstGeom prst="rect">

--- a/GDB and Git.pptx
+++ b/GDB and Git.pptx
@@ -4,22 +4,42 @@
   <p:sldMasterIdLst>
     <p:sldMasterId id="2147483648" r:id="rId1"/>
   </p:sldMasterIdLst>
+  <p:notesMasterIdLst>
+    <p:notesMasterId r:id="rId34"/>
+  </p:notesMasterIdLst>
   <p:sldIdLst>
-    <p:sldId id="256" r:id="rId2"/>
-    <p:sldId id="257" r:id="rId3"/>
-    <p:sldId id="258" r:id="rId4"/>
-    <p:sldId id="259" r:id="rId5"/>
-    <p:sldId id="264" r:id="rId6"/>
-    <p:sldId id="260" r:id="rId7"/>
-    <p:sldId id="261" r:id="rId8"/>
-    <p:sldId id="262" r:id="rId9"/>
-    <p:sldId id="263" r:id="rId10"/>
-    <p:sldId id="265" r:id="rId11"/>
-    <p:sldId id="266" r:id="rId12"/>
-    <p:sldId id="267" r:id="rId13"/>
-    <p:sldId id="268" r:id="rId14"/>
-    <p:sldId id="269" r:id="rId15"/>
-    <p:sldId id="270" r:id="rId16"/>
+    <p:sldId id="271" r:id="rId2"/>
+    <p:sldId id="272" r:id="rId3"/>
+    <p:sldId id="273" r:id="rId4"/>
+    <p:sldId id="274" r:id="rId5"/>
+    <p:sldId id="256" r:id="rId6"/>
+    <p:sldId id="257" r:id="rId7"/>
+    <p:sldId id="258" r:id="rId8"/>
+    <p:sldId id="275" r:id="rId9"/>
+    <p:sldId id="276" r:id="rId10"/>
+    <p:sldId id="277" r:id="rId11"/>
+    <p:sldId id="278" r:id="rId12"/>
+    <p:sldId id="279" r:id="rId13"/>
+    <p:sldId id="280" r:id="rId14"/>
+    <p:sldId id="281" r:id="rId15"/>
+    <p:sldId id="282" r:id="rId16"/>
+    <p:sldId id="283" r:id="rId17"/>
+    <p:sldId id="284" r:id="rId18"/>
+    <p:sldId id="285" r:id="rId19"/>
+    <p:sldId id="286" r:id="rId20"/>
+    <p:sldId id="259" r:id="rId21"/>
+    <p:sldId id="264" r:id="rId22"/>
+    <p:sldId id="260" r:id="rId23"/>
+    <p:sldId id="261" r:id="rId24"/>
+    <p:sldId id="262" r:id="rId25"/>
+    <p:sldId id="263" r:id="rId26"/>
+    <p:sldId id="265" r:id="rId27"/>
+    <p:sldId id="266" r:id="rId28"/>
+    <p:sldId id="267" r:id="rId29"/>
+    <p:sldId id="268" r:id="rId30"/>
+    <p:sldId id="269" r:id="rId31"/>
+    <p:sldId id="270" r:id="rId32"/>
+    <p:sldId id="287" r:id="rId33"/>
   </p:sldIdLst>
   <p:sldSz cx="12192000" cy="6858000"/>
   <p:notesSz cx="6858000" cy="9144000"/>
@@ -138,6 +158,779 @@
 </p:cmAuthorLst>
 </file>
 
+<file path=ppt/notesMasters/notesMaster1.xml><?xml version="1.0" encoding="utf-8"?>
+<p:notesMaster xmlns:a="http://schemas.openxmlformats.org/drawingml/2006/main" xmlns:r="http://schemas.openxmlformats.org/officeDocument/2006/relationships" xmlns:p="http://schemas.openxmlformats.org/presentationml/2006/main">
+  <p:cSld>
+    <p:bg>
+      <p:bgRef idx="1001">
+        <a:schemeClr val="bg1"/>
+      </p:bgRef>
+    </p:bg>
+    <p:spTree>
+      <p:nvGrpSpPr>
+        <p:cNvPr id="1" name=""/>
+        <p:cNvGrpSpPr/>
+        <p:nvPr/>
+      </p:nvGrpSpPr>
+      <p:grpSpPr>
+        <a:xfrm>
+          <a:off x="0" y="0"/>
+          <a:ext cx="0" cy="0"/>
+          <a:chOff x="0" y="0"/>
+          <a:chExt cx="0" cy="0"/>
+        </a:xfrm>
+      </p:grpSpPr>
+      <p:sp>
+        <p:nvSpPr>
+          <p:cNvPr id="2" name="Header Placeholder 1"/>
+          <p:cNvSpPr>
+            <a:spLocks noGrp="1"/>
+          </p:cNvSpPr>
+          <p:nvPr>
+            <p:ph type="hdr" sz="quarter"/>
+          </p:nvPr>
+        </p:nvSpPr>
+        <p:spPr>
+          <a:xfrm>
+            <a:off x="0" y="0"/>
+            <a:ext cx="2971800" cy="458788"/>
+          </a:xfrm>
+          <a:prstGeom prst="rect">
+            <a:avLst/>
+          </a:prstGeom>
+        </p:spPr>
+        <p:txBody>
+          <a:bodyPr vert="horz" lIns="91440" tIns="45720" rIns="91440" bIns="45720" rtlCol="0"/>
+          <a:lstStyle>
+            <a:lvl1pPr algn="l">
+              <a:defRPr sz="1200"/>
+            </a:lvl1pPr>
+          </a:lstStyle>
+          <a:p>
+            <a:endParaRPr lang="en-US"/>
+          </a:p>
+        </p:txBody>
+      </p:sp>
+      <p:sp>
+        <p:nvSpPr>
+          <p:cNvPr id="3" name="Date Placeholder 2"/>
+          <p:cNvSpPr>
+            <a:spLocks noGrp="1"/>
+          </p:cNvSpPr>
+          <p:nvPr>
+            <p:ph type="dt" idx="1"/>
+          </p:nvPr>
+        </p:nvSpPr>
+        <p:spPr>
+          <a:xfrm>
+            <a:off x="3884613" y="0"/>
+            <a:ext cx="2971800" cy="458788"/>
+          </a:xfrm>
+          <a:prstGeom prst="rect">
+            <a:avLst/>
+          </a:prstGeom>
+        </p:spPr>
+        <p:txBody>
+          <a:bodyPr vert="horz" lIns="91440" tIns="45720" rIns="91440" bIns="45720" rtlCol="0"/>
+          <a:lstStyle>
+            <a:lvl1pPr algn="r">
+              <a:defRPr sz="1200"/>
+            </a:lvl1pPr>
+          </a:lstStyle>
+          <a:p>
+            <a:fld id="{9DAAD805-3849-41FC-BE80-01378E4DC40D}" type="datetimeFigureOut">
+              <a:rPr lang="en-US" smtClean="0"/>
+              <a:t>9/7/2016</a:t>
+            </a:fld>
+            <a:endParaRPr lang="en-US"/>
+          </a:p>
+        </p:txBody>
+      </p:sp>
+      <p:sp>
+        <p:nvSpPr>
+          <p:cNvPr id="4" name="Slide Image Placeholder 3"/>
+          <p:cNvSpPr>
+            <a:spLocks noGrp="1" noRot="1" noChangeAspect="1"/>
+          </p:cNvSpPr>
+          <p:nvPr>
+            <p:ph type="sldImg" idx="2"/>
+          </p:nvPr>
+        </p:nvSpPr>
+        <p:spPr>
+          <a:xfrm>
+            <a:off x="685800" y="1143000"/>
+            <a:ext cx="5486400" cy="3086100"/>
+          </a:xfrm>
+          <a:prstGeom prst="rect">
+            <a:avLst/>
+          </a:prstGeom>
+          <a:noFill/>
+          <a:ln w="12700">
+            <a:solidFill>
+              <a:prstClr val="black"/>
+            </a:solidFill>
+          </a:ln>
+        </p:spPr>
+        <p:txBody>
+          <a:bodyPr vert="horz" lIns="91440" tIns="45720" rIns="91440" bIns="45720" rtlCol="0" anchor="ctr"/>
+          <a:lstStyle/>
+          <a:p>
+            <a:endParaRPr lang="en-US"/>
+          </a:p>
+        </p:txBody>
+      </p:sp>
+      <p:sp>
+        <p:nvSpPr>
+          <p:cNvPr id="5" name="Notes Placeholder 4"/>
+          <p:cNvSpPr>
+            <a:spLocks noGrp="1"/>
+          </p:cNvSpPr>
+          <p:nvPr>
+            <p:ph type="body" sz="quarter" idx="3"/>
+          </p:nvPr>
+        </p:nvSpPr>
+        <p:spPr>
+          <a:xfrm>
+            <a:off x="685800" y="4400550"/>
+            <a:ext cx="5486400" cy="3600450"/>
+          </a:xfrm>
+          <a:prstGeom prst="rect">
+            <a:avLst/>
+          </a:prstGeom>
+        </p:spPr>
+        <p:txBody>
+          <a:bodyPr vert="horz" lIns="91440" tIns="45720" rIns="91440" bIns="45720" rtlCol="0"/>
+          <a:lstStyle/>
+          <a:p>
+            <a:pPr lvl="0"/>
+            <a:r>
+              <a:rPr lang="en-US"/>
+              <a:t>Edit Master text styles</a:t>
+            </a:r>
+          </a:p>
+          <a:p>
+            <a:pPr lvl="1"/>
+            <a:r>
+              <a:rPr lang="en-US"/>
+              <a:t>Second level</a:t>
+            </a:r>
+          </a:p>
+          <a:p>
+            <a:pPr lvl="2"/>
+            <a:r>
+              <a:rPr lang="en-US"/>
+              <a:t>Third level</a:t>
+            </a:r>
+          </a:p>
+          <a:p>
+            <a:pPr lvl="3"/>
+            <a:r>
+              <a:rPr lang="en-US"/>
+              <a:t>Fourth level</a:t>
+            </a:r>
+          </a:p>
+          <a:p>
+            <a:pPr lvl="4"/>
+            <a:r>
+              <a:rPr lang="en-US"/>
+              <a:t>Fifth level</a:t>
+            </a:r>
+          </a:p>
+        </p:txBody>
+      </p:sp>
+      <p:sp>
+        <p:nvSpPr>
+          <p:cNvPr id="6" name="Footer Placeholder 5"/>
+          <p:cNvSpPr>
+            <a:spLocks noGrp="1"/>
+          </p:cNvSpPr>
+          <p:nvPr>
+            <p:ph type="ftr" sz="quarter" idx="4"/>
+          </p:nvPr>
+        </p:nvSpPr>
+        <p:spPr>
+          <a:xfrm>
+            <a:off x="0" y="8685213"/>
+            <a:ext cx="2971800" cy="458787"/>
+          </a:xfrm>
+          <a:prstGeom prst="rect">
+            <a:avLst/>
+          </a:prstGeom>
+        </p:spPr>
+        <p:txBody>
+          <a:bodyPr vert="horz" lIns="91440" tIns="45720" rIns="91440" bIns="45720" rtlCol="0" anchor="b"/>
+          <a:lstStyle>
+            <a:lvl1pPr algn="l">
+              <a:defRPr sz="1200"/>
+            </a:lvl1pPr>
+          </a:lstStyle>
+          <a:p>
+            <a:endParaRPr lang="en-US"/>
+          </a:p>
+        </p:txBody>
+      </p:sp>
+      <p:sp>
+        <p:nvSpPr>
+          <p:cNvPr id="7" name="Slide Number Placeholder 6"/>
+          <p:cNvSpPr>
+            <a:spLocks noGrp="1"/>
+          </p:cNvSpPr>
+          <p:nvPr>
+            <p:ph type="sldNum" sz="quarter" idx="5"/>
+          </p:nvPr>
+        </p:nvSpPr>
+        <p:spPr>
+          <a:xfrm>
+            <a:off x="3884613" y="8685213"/>
+            <a:ext cx="2971800" cy="458787"/>
+          </a:xfrm>
+          <a:prstGeom prst="rect">
+            <a:avLst/>
+          </a:prstGeom>
+        </p:spPr>
+        <p:txBody>
+          <a:bodyPr vert="horz" lIns="91440" tIns="45720" rIns="91440" bIns="45720" rtlCol="0" anchor="b"/>
+          <a:lstStyle>
+            <a:lvl1pPr algn="r">
+              <a:defRPr sz="1200"/>
+            </a:lvl1pPr>
+          </a:lstStyle>
+          <a:p>
+            <a:fld id="{487AC60A-695F-480C-9592-49810D165393}" type="slidenum">
+              <a:rPr lang="en-US" smtClean="0"/>
+              <a:t>‹#›</a:t>
+            </a:fld>
+            <a:endParaRPr lang="en-US"/>
+          </a:p>
+        </p:txBody>
+      </p:sp>
+    </p:spTree>
+    <p:extLst>
+      <p:ext uri="{BB962C8B-B14F-4D97-AF65-F5344CB8AC3E}">
+        <p14:creationId xmlns:p14="http://schemas.microsoft.com/office/powerpoint/2010/main" val="2146426771"/>
+      </p:ext>
+    </p:extLst>
+  </p:cSld>
+  <p:clrMap bg1="lt1" tx1="dk1" bg2="lt2" tx2="dk2" accent1="accent1" accent2="accent2" accent3="accent3" accent4="accent4" accent5="accent5" accent6="accent6" hlink="hlink" folHlink="folHlink"/>
+  <p:notesStyle>
+    <a:lvl1pPr marL="0" algn="l" defTabSz="914400" rtl="0" eaLnBrk="1" latinLnBrk="0" hangingPunct="1">
+      <a:defRPr sz="1200" kern="1200">
+        <a:solidFill>
+          <a:schemeClr val="tx1"/>
+        </a:solidFill>
+        <a:latin typeface="+mn-lt"/>
+        <a:ea typeface="+mn-ea"/>
+        <a:cs typeface="+mn-cs"/>
+      </a:defRPr>
+    </a:lvl1pPr>
+    <a:lvl2pPr marL="457200" algn="l" defTabSz="914400" rtl="0" eaLnBrk="1" latinLnBrk="0" hangingPunct="1">
+      <a:defRPr sz="1200" kern="1200">
+        <a:solidFill>
+          <a:schemeClr val="tx1"/>
+        </a:solidFill>
+        <a:latin typeface="+mn-lt"/>
+        <a:ea typeface="+mn-ea"/>
+        <a:cs typeface="+mn-cs"/>
+      </a:defRPr>
+    </a:lvl2pPr>
+    <a:lvl3pPr marL="914400" algn="l" defTabSz="914400" rtl="0" eaLnBrk="1" latinLnBrk="0" hangingPunct="1">
+      <a:defRPr sz="1200" kern="1200">
+        <a:solidFill>
+          <a:schemeClr val="tx1"/>
+        </a:solidFill>
+        <a:latin typeface="+mn-lt"/>
+        <a:ea typeface="+mn-ea"/>
+        <a:cs typeface="+mn-cs"/>
+      </a:defRPr>
+    </a:lvl3pPr>
+    <a:lvl4pPr marL="1371600" algn="l" defTabSz="914400" rtl="0" eaLnBrk="1" latinLnBrk="0" hangingPunct="1">
+      <a:defRPr sz="1200" kern="1200">
+        <a:solidFill>
+          <a:schemeClr val="tx1"/>
+        </a:solidFill>
+        <a:latin typeface="+mn-lt"/>
+        <a:ea typeface="+mn-ea"/>
+        <a:cs typeface="+mn-cs"/>
+      </a:defRPr>
+    </a:lvl4pPr>
+    <a:lvl5pPr marL="1828800" algn="l" defTabSz="914400" rtl="0" eaLnBrk="1" latinLnBrk="0" hangingPunct="1">
+      <a:defRPr sz="1200" kern="1200">
+        <a:solidFill>
+          <a:schemeClr val="tx1"/>
+        </a:solidFill>
+        <a:latin typeface="+mn-lt"/>
+        <a:ea typeface="+mn-ea"/>
+        <a:cs typeface="+mn-cs"/>
+      </a:defRPr>
+    </a:lvl5pPr>
+    <a:lvl6pPr marL="2286000" algn="l" defTabSz="914400" rtl="0" eaLnBrk="1" latinLnBrk="0" hangingPunct="1">
+      <a:defRPr sz="1200" kern="1200">
+        <a:solidFill>
+          <a:schemeClr val="tx1"/>
+        </a:solidFill>
+        <a:latin typeface="+mn-lt"/>
+        <a:ea typeface="+mn-ea"/>
+        <a:cs typeface="+mn-cs"/>
+      </a:defRPr>
+    </a:lvl6pPr>
+    <a:lvl7pPr marL="2743200" algn="l" defTabSz="914400" rtl="0" eaLnBrk="1" latinLnBrk="0" hangingPunct="1">
+      <a:defRPr sz="1200" kern="1200">
+        <a:solidFill>
+          <a:schemeClr val="tx1"/>
+        </a:solidFill>
+        <a:latin typeface="+mn-lt"/>
+        <a:ea typeface="+mn-ea"/>
+        <a:cs typeface="+mn-cs"/>
+      </a:defRPr>
+    </a:lvl7pPr>
+    <a:lvl8pPr marL="3200400" algn="l" defTabSz="914400" rtl="0" eaLnBrk="1" latinLnBrk="0" hangingPunct="1">
+      <a:defRPr sz="1200" kern="1200">
+        <a:solidFill>
+          <a:schemeClr val="tx1"/>
+        </a:solidFill>
+        <a:latin typeface="+mn-lt"/>
+        <a:ea typeface="+mn-ea"/>
+        <a:cs typeface="+mn-cs"/>
+      </a:defRPr>
+    </a:lvl8pPr>
+    <a:lvl9pPr marL="3657600" algn="l" defTabSz="914400" rtl="0" eaLnBrk="1" latinLnBrk="0" hangingPunct="1">
+      <a:defRPr sz="1200" kern="1200">
+        <a:solidFill>
+          <a:schemeClr val="tx1"/>
+        </a:solidFill>
+        <a:latin typeface="+mn-lt"/>
+        <a:ea typeface="+mn-ea"/>
+        <a:cs typeface="+mn-cs"/>
+      </a:defRPr>
+    </a:lvl9pPr>
+  </p:notesStyle>
+</p:notesMaster>
+</file>
+
+<file path=ppt/notesSlides/notesSlide1.xml><?xml version="1.0" encoding="utf-8"?>
+<p:notes xmlns:a="http://schemas.openxmlformats.org/drawingml/2006/main" xmlns:r="http://schemas.openxmlformats.org/officeDocument/2006/relationships" xmlns:p="http://schemas.openxmlformats.org/presentationml/2006/main" showMasterSp="0" showMasterPhAnim="0">
+  <p:cSld>
+    <p:spTree>
+      <p:nvGrpSpPr>
+        <p:cNvPr id="1" name="Shape 95"/>
+        <p:cNvGrpSpPr/>
+        <p:nvPr/>
+      </p:nvGrpSpPr>
+      <p:grpSpPr>
+        <a:xfrm>
+          <a:off x="0" y="0"/>
+          <a:ext cx="0" cy="0"/>
+          <a:chOff x="0" y="0"/>
+          <a:chExt cx="0" cy="0"/>
+        </a:xfrm>
+      </p:grpSpPr>
+      <p:sp>
+        <p:nvSpPr>
+          <p:cNvPr id="96" name="Shape 96"/>
+          <p:cNvSpPr>
+            <a:spLocks noGrp="1" noRot="1" noChangeAspect="1"/>
+          </p:cNvSpPr>
+          <p:nvPr>
+            <p:ph type="sldImg" idx="2"/>
+          </p:nvPr>
+        </p:nvSpPr>
+        <p:spPr>
+          <a:xfrm>
+            <a:off x="381000" y="685800"/>
+            <a:ext cx="6096000" cy="3429000"/>
+          </a:xfrm>
+          <a:custGeom>
+            <a:avLst/>
+            <a:gdLst/>
+            <a:ahLst/>
+            <a:cxnLst/>
+            <a:rect l="0" t="0" r="0" b="0"/>
+            <a:pathLst>
+              <a:path w="120000" h="120000" extrusionOk="0">
+                <a:moveTo>
+                  <a:pt x="0" y="0"/>
+                </a:moveTo>
+                <a:lnTo>
+                  <a:pt x="120000" y="0"/>
+                </a:lnTo>
+                <a:lnTo>
+                  <a:pt x="120000" y="120000"/>
+                </a:lnTo>
+                <a:lnTo>
+                  <a:pt x="0" y="120000"/>
+                </a:lnTo>
+                <a:close/>
+              </a:path>
+            </a:pathLst>
+          </a:custGeom>
+        </p:spPr>
+      </p:sp>
+      <p:sp>
+        <p:nvSpPr>
+          <p:cNvPr id="97" name="Shape 97"/>
+          <p:cNvSpPr txBox="1">
+            <a:spLocks noGrp="1"/>
+          </p:cNvSpPr>
+          <p:nvPr>
+            <p:ph type="body" idx="1"/>
+          </p:nvPr>
+        </p:nvSpPr>
+        <p:spPr>
+          <a:xfrm>
+            <a:off x="685800" y="4343400"/>
+            <a:ext cx="5486400" cy="4114800"/>
+          </a:xfrm>
+          <a:prstGeom prst="rect">
+            <a:avLst/>
+          </a:prstGeom>
+        </p:spPr>
+        <p:txBody>
+          <a:bodyPr lIns="91425" tIns="91425" rIns="91425" bIns="91425" anchor="t" anchorCtr="0">
+            <a:noAutofit/>
+          </a:bodyPr>
+          <a:lstStyle/>
+          <a:p>
+            <a:pPr lvl="0" rtl="0">
+              <a:spcBef>
+                <a:spcPts val="0"/>
+              </a:spcBef>
+              <a:buNone/>
+            </a:pPr>
+            <a:endParaRPr/>
+          </a:p>
+        </p:txBody>
+      </p:sp>
+    </p:spTree>
+    <p:extLst>
+      <p:ext uri="{BB962C8B-B14F-4D97-AF65-F5344CB8AC3E}">
+        <p14:creationId xmlns:p14="http://schemas.microsoft.com/office/powerpoint/2010/main" val="176628336"/>
+      </p:ext>
+    </p:extLst>
+  </p:cSld>
+  <p:clrMapOvr>
+    <a:masterClrMapping/>
+  </p:clrMapOvr>
+</p:notes>
+</file>
+
+<file path=ppt/notesSlides/notesSlide2.xml><?xml version="1.0" encoding="utf-8"?>
+<p:notes xmlns:a="http://schemas.openxmlformats.org/drawingml/2006/main" xmlns:r="http://schemas.openxmlformats.org/officeDocument/2006/relationships" xmlns:p="http://schemas.openxmlformats.org/presentationml/2006/main" showMasterSp="0" showMasterPhAnim="0">
+  <p:cSld>
+    <p:spTree>
+      <p:nvGrpSpPr>
+        <p:cNvPr id="1" name="Shape 105"/>
+        <p:cNvGrpSpPr/>
+        <p:nvPr/>
+      </p:nvGrpSpPr>
+      <p:grpSpPr>
+        <a:xfrm>
+          <a:off x="0" y="0"/>
+          <a:ext cx="0" cy="0"/>
+          <a:chOff x="0" y="0"/>
+          <a:chExt cx="0" cy="0"/>
+        </a:xfrm>
+      </p:grpSpPr>
+      <p:sp>
+        <p:nvSpPr>
+          <p:cNvPr id="106" name="Shape 106"/>
+          <p:cNvSpPr>
+            <a:spLocks noGrp="1" noRot="1" noChangeAspect="1"/>
+          </p:cNvSpPr>
+          <p:nvPr>
+            <p:ph type="sldImg" idx="2"/>
+          </p:nvPr>
+        </p:nvSpPr>
+        <p:spPr>
+          <a:xfrm>
+            <a:off x="381000" y="685800"/>
+            <a:ext cx="6096000" cy="3429000"/>
+          </a:xfrm>
+          <a:custGeom>
+            <a:avLst/>
+            <a:gdLst/>
+            <a:ahLst/>
+            <a:cxnLst/>
+            <a:rect l="0" t="0" r="0" b="0"/>
+            <a:pathLst>
+              <a:path w="120000" h="120000" extrusionOk="0">
+                <a:moveTo>
+                  <a:pt x="0" y="0"/>
+                </a:moveTo>
+                <a:lnTo>
+                  <a:pt x="120000" y="0"/>
+                </a:lnTo>
+                <a:lnTo>
+                  <a:pt x="120000" y="120000"/>
+                </a:lnTo>
+                <a:lnTo>
+                  <a:pt x="0" y="120000"/>
+                </a:lnTo>
+                <a:close/>
+              </a:path>
+            </a:pathLst>
+          </a:custGeom>
+        </p:spPr>
+      </p:sp>
+      <p:sp>
+        <p:nvSpPr>
+          <p:cNvPr id="107" name="Shape 107"/>
+          <p:cNvSpPr txBox="1">
+            <a:spLocks noGrp="1"/>
+          </p:cNvSpPr>
+          <p:nvPr>
+            <p:ph type="body" idx="1"/>
+          </p:nvPr>
+        </p:nvSpPr>
+        <p:spPr>
+          <a:xfrm>
+            <a:off x="685800" y="4343400"/>
+            <a:ext cx="5486400" cy="4114800"/>
+          </a:xfrm>
+          <a:prstGeom prst="rect">
+            <a:avLst/>
+          </a:prstGeom>
+        </p:spPr>
+        <p:txBody>
+          <a:bodyPr lIns="91425" tIns="91425" rIns="91425" bIns="91425" anchor="t" anchorCtr="0">
+            <a:noAutofit/>
+          </a:bodyPr>
+          <a:lstStyle/>
+          <a:p>
+            <a:pPr lvl="0" rtl="0">
+              <a:spcBef>
+                <a:spcPts val="0"/>
+              </a:spcBef>
+              <a:buNone/>
+            </a:pPr>
+            <a:endParaRPr/>
+          </a:p>
+        </p:txBody>
+      </p:sp>
+    </p:spTree>
+    <p:extLst>
+      <p:ext uri="{BB962C8B-B14F-4D97-AF65-F5344CB8AC3E}">
+        <p14:creationId xmlns:p14="http://schemas.microsoft.com/office/powerpoint/2010/main" val="1359438997"/>
+      </p:ext>
+    </p:extLst>
+  </p:cSld>
+  <p:clrMapOvr>
+    <a:masterClrMapping/>
+  </p:clrMapOvr>
+</p:notes>
+</file>
+
+<file path=ppt/notesSlides/notesSlide3.xml><?xml version="1.0" encoding="utf-8"?>
+<p:notes xmlns:a="http://schemas.openxmlformats.org/drawingml/2006/main" xmlns:r="http://schemas.openxmlformats.org/officeDocument/2006/relationships" xmlns:p="http://schemas.openxmlformats.org/presentationml/2006/main" showMasterSp="0" showMasterPhAnim="0">
+  <p:cSld>
+    <p:spTree>
+      <p:nvGrpSpPr>
+        <p:cNvPr id="1" name="Shape 111"/>
+        <p:cNvGrpSpPr/>
+        <p:nvPr/>
+      </p:nvGrpSpPr>
+      <p:grpSpPr>
+        <a:xfrm>
+          <a:off x="0" y="0"/>
+          <a:ext cx="0" cy="0"/>
+          <a:chOff x="0" y="0"/>
+          <a:chExt cx="0" cy="0"/>
+        </a:xfrm>
+      </p:grpSpPr>
+      <p:sp>
+        <p:nvSpPr>
+          <p:cNvPr id="112" name="Shape 112"/>
+          <p:cNvSpPr>
+            <a:spLocks noGrp="1" noRot="1" noChangeAspect="1"/>
+          </p:cNvSpPr>
+          <p:nvPr>
+            <p:ph type="sldImg" idx="2"/>
+          </p:nvPr>
+        </p:nvSpPr>
+        <p:spPr>
+          <a:xfrm>
+            <a:off x="381000" y="685800"/>
+            <a:ext cx="6096000" cy="3429000"/>
+          </a:xfrm>
+          <a:custGeom>
+            <a:avLst/>
+            <a:gdLst/>
+            <a:ahLst/>
+            <a:cxnLst/>
+            <a:rect l="0" t="0" r="0" b="0"/>
+            <a:pathLst>
+              <a:path w="120000" h="120000" extrusionOk="0">
+                <a:moveTo>
+                  <a:pt x="0" y="0"/>
+                </a:moveTo>
+                <a:lnTo>
+                  <a:pt x="120000" y="0"/>
+                </a:lnTo>
+                <a:lnTo>
+                  <a:pt x="120000" y="120000"/>
+                </a:lnTo>
+                <a:lnTo>
+                  <a:pt x="0" y="120000"/>
+                </a:lnTo>
+                <a:close/>
+              </a:path>
+            </a:pathLst>
+          </a:custGeom>
+        </p:spPr>
+      </p:sp>
+      <p:sp>
+        <p:nvSpPr>
+          <p:cNvPr id="113" name="Shape 113"/>
+          <p:cNvSpPr txBox="1">
+            <a:spLocks noGrp="1"/>
+          </p:cNvSpPr>
+          <p:nvPr>
+            <p:ph type="body" idx="1"/>
+          </p:nvPr>
+        </p:nvSpPr>
+        <p:spPr>
+          <a:xfrm>
+            <a:off x="685800" y="4343400"/>
+            <a:ext cx="5486400" cy="4114800"/>
+          </a:xfrm>
+          <a:prstGeom prst="rect">
+            <a:avLst/>
+          </a:prstGeom>
+        </p:spPr>
+        <p:txBody>
+          <a:bodyPr lIns="91425" tIns="91425" rIns="91425" bIns="91425" anchor="t" anchorCtr="0">
+            <a:noAutofit/>
+          </a:bodyPr>
+          <a:lstStyle/>
+          <a:p>
+            <a:pPr lvl="0" rtl="0">
+              <a:spcBef>
+                <a:spcPts val="0"/>
+              </a:spcBef>
+              <a:buNone/>
+            </a:pPr>
+            <a:endParaRPr/>
+          </a:p>
+        </p:txBody>
+      </p:sp>
+    </p:spTree>
+    <p:extLst>
+      <p:ext uri="{BB962C8B-B14F-4D97-AF65-F5344CB8AC3E}">
+        <p14:creationId xmlns:p14="http://schemas.microsoft.com/office/powerpoint/2010/main" val="587291388"/>
+      </p:ext>
+    </p:extLst>
+  </p:cSld>
+  <p:clrMapOvr>
+    <a:masterClrMapping/>
+  </p:clrMapOvr>
+</p:notes>
+</file>
+
+<file path=ppt/notesSlides/notesSlide4.xml><?xml version="1.0" encoding="utf-8"?>
+<p:notes xmlns:a="http://schemas.openxmlformats.org/drawingml/2006/main" xmlns:r="http://schemas.openxmlformats.org/officeDocument/2006/relationships" xmlns:p="http://schemas.openxmlformats.org/presentationml/2006/main" showMasterSp="0" showMasterPhAnim="0">
+  <p:cSld>
+    <p:spTree>
+      <p:nvGrpSpPr>
+        <p:cNvPr id="1" name="Shape 117"/>
+        <p:cNvGrpSpPr/>
+        <p:nvPr/>
+      </p:nvGrpSpPr>
+      <p:grpSpPr>
+        <a:xfrm>
+          <a:off x="0" y="0"/>
+          <a:ext cx="0" cy="0"/>
+          <a:chOff x="0" y="0"/>
+          <a:chExt cx="0" cy="0"/>
+        </a:xfrm>
+      </p:grpSpPr>
+      <p:sp>
+        <p:nvSpPr>
+          <p:cNvPr id="118" name="Shape 118"/>
+          <p:cNvSpPr>
+            <a:spLocks noGrp="1" noRot="1" noChangeAspect="1"/>
+          </p:cNvSpPr>
+          <p:nvPr>
+            <p:ph type="sldImg" idx="2"/>
+          </p:nvPr>
+        </p:nvSpPr>
+        <p:spPr>
+          <a:xfrm>
+            <a:off x="381000" y="685800"/>
+            <a:ext cx="6096000" cy="3429000"/>
+          </a:xfrm>
+          <a:custGeom>
+            <a:avLst/>
+            <a:gdLst/>
+            <a:ahLst/>
+            <a:cxnLst/>
+            <a:rect l="0" t="0" r="0" b="0"/>
+            <a:pathLst>
+              <a:path w="120000" h="120000" extrusionOk="0">
+                <a:moveTo>
+                  <a:pt x="0" y="0"/>
+                </a:moveTo>
+                <a:lnTo>
+                  <a:pt x="120000" y="0"/>
+                </a:lnTo>
+                <a:lnTo>
+                  <a:pt x="120000" y="120000"/>
+                </a:lnTo>
+                <a:lnTo>
+                  <a:pt x="0" y="120000"/>
+                </a:lnTo>
+                <a:close/>
+              </a:path>
+            </a:pathLst>
+          </a:custGeom>
+        </p:spPr>
+      </p:sp>
+      <p:sp>
+        <p:nvSpPr>
+          <p:cNvPr id="119" name="Shape 119"/>
+          <p:cNvSpPr txBox="1">
+            <a:spLocks noGrp="1"/>
+          </p:cNvSpPr>
+          <p:nvPr>
+            <p:ph type="body" idx="1"/>
+          </p:nvPr>
+        </p:nvSpPr>
+        <p:spPr>
+          <a:xfrm>
+            <a:off x="685800" y="4343400"/>
+            <a:ext cx="5486400" cy="4114800"/>
+          </a:xfrm>
+          <a:prstGeom prst="rect">
+            <a:avLst/>
+          </a:prstGeom>
+        </p:spPr>
+        <p:txBody>
+          <a:bodyPr lIns="91425" tIns="91425" rIns="91425" bIns="91425" anchor="t" anchorCtr="0">
+            <a:noAutofit/>
+          </a:bodyPr>
+          <a:lstStyle/>
+          <a:p>
+            <a:pPr lvl="0" rtl="0">
+              <a:spcBef>
+                <a:spcPts val="0"/>
+              </a:spcBef>
+              <a:buNone/>
+            </a:pPr>
+            <a:endParaRPr/>
+          </a:p>
+        </p:txBody>
+      </p:sp>
+    </p:spTree>
+    <p:extLst>
+      <p:ext uri="{BB962C8B-B14F-4D97-AF65-F5344CB8AC3E}">
+        <p14:creationId xmlns:p14="http://schemas.microsoft.com/office/powerpoint/2010/main" val="4240809356"/>
+      </p:ext>
+    </p:extLst>
+  </p:cSld>
+  <p:clrMapOvr>
+    <a:masterClrMapping/>
+  </p:clrMapOvr>
+</p:notes>
+</file>
+
 <file path=ppt/slideLayouts/slideLayout1.xml><?xml version="1.0" encoding="utf-8"?>
 <p:sldLayout xmlns:a="http://schemas.openxmlformats.org/drawingml/2006/main" xmlns:r="http://schemas.openxmlformats.org/officeDocument/2006/relationships" xmlns:p="http://schemas.openxmlformats.org/presentationml/2006/main" type="title" preserve="1">
   <p:cSld name="Title Slide">
@@ -321,7 +1114,7 @@
           <a:p>
             <a:fld id="{4AAD347D-5ACD-4C99-B74B-A9C85AD731AF}" type="datetimeFigureOut">
               <a:rPr lang="en-US" dirty="0"/>
-              <a:t>8/16/2016</a:t>
+              <a:t>9/7/2016</a:t>
             </a:fld>
             <a:endParaRPr lang="en-US" dirty="0"/>
           </a:p>
@@ -591,7 +1384,7 @@
           <a:p>
             <a:fld id="{4509A250-FF31-4206-8172-F9D3106AACB1}" type="datetimeFigureOut">
               <a:rPr lang="en-US" dirty="0"/>
-              <a:t>8/16/2016</a:t>
+              <a:t>9/7/2016</a:t>
             </a:fld>
             <a:endParaRPr lang="en-US" dirty="0"/>
           </a:p>
@@ -780,7 +1573,7 @@
           <a:p>
             <a:fld id="{4509A250-FF31-4206-8172-F9D3106AACB1}" type="datetimeFigureOut">
               <a:rPr lang="en-US" dirty="0"/>
-              <a:t>8/16/2016</a:t>
+              <a:t>9/7/2016</a:t>
             </a:fld>
             <a:endParaRPr lang="en-US" dirty="0"/>
           </a:p>
@@ -1043,7 +1836,7 @@
           <a:p>
             <a:fld id="{4509A250-FF31-4206-8172-F9D3106AACB1}" type="datetimeFigureOut">
               <a:rPr lang="en-US" dirty="0"/>
-              <a:t>8/16/2016</a:t>
+              <a:t>9/7/2016</a:t>
             </a:fld>
             <a:endParaRPr lang="en-US" dirty="0"/>
           </a:p>
@@ -1370,7 +2163,7 @@
           <a:p>
             <a:fld id="{4509A250-FF31-4206-8172-F9D3106AACB1}" type="datetimeFigureOut">
               <a:rPr lang="en-US" dirty="0"/>
-              <a:t>8/16/2016</a:t>
+              <a:t>9/7/2016</a:t>
             </a:fld>
             <a:endParaRPr lang="en-US" dirty="0"/>
           </a:p>
@@ -1975,7 +2768,7 @@
           <a:p>
             <a:fld id="{4509A250-FF31-4206-8172-F9D3106AACB1}" type="datetimeFigureOut">
               <a:rPr lang="en-US" dirty="0"/>
-              <a:t>8/16/2016</a:t>
+              <a:t>9/7/2016</a:t>
             </a:fld>
             <a:endParaRPr lang="en-US" dirty="0"/>
           </a:p>
@@ -2817,7 +3610,7 @@
           <a:p>
             <a:fld id="{4509A250-FF31-4206-8172-F9D3106AACB1}" type="datetimeFigureOut">
               <a:rPr lang="en-US" dirty="0"/>
-              <a:t>8/16/2016</a:t>
+              <a:t>9/7/2016</a:t>
             </a:fld>
             <a:endParaRPr lang="en-US" dirty="0"/>
           </a:p>
@@ -2982,7 +3775,7 @@
           <a:p>
             <a:fld id="{4509A250-FF31-4206-8172-F9D3106AACB1}" type="datetimeFigureOut">
               <a:rPr lang="en-US" dirty="0"/>
-              <a:t>8/16/2016</a:t>
+              <a:t>9/7/2016</a:t>
             </a:fld>
             <a:endParaRPr lang="en-US" dirty="0"/>
           </a:p>
@@ -3157,7 +3950,7 @@
           <a:p>
             <a:fld id="{4509A250-FF31-4206-8172-F9D3106AACB1}" type="datetimeFigureOut">
               <a:rPr lang="en-US" dirty="0"/>
-              <a:t>8/16/2016</a:t>
+              <a:t>9/7/2016</a:t>
             </a:fld>
             <a:endParaRPr lang="en-US" dirty="0"/>
           </a:p>
@@ -3206,6 +3999,389 @@
         </p:txBody>
       </p:sp>
     </p:spTree>
+  </p:cSld>
+  <p:clrMapOvr>
+    <a:masterClrMapping/>
+  </p:clrMapOvr>
+</p:sldLayout>
+</file>
+
+<file path=ppt/slideLayouts/slideLayout18.xml><?xml version="1.0" encoding="utf-8"?>
+<p:sldLayout xmlns:a="http://schemas.openxmlformats.org/drawingml/2006/main" xmlns:r="http://schemas.openxmlformats.org/officeDocument/2006/relationships" xmlns:p="http://schemas.openxmlformats.org/presentationml/2006/main">
+  <p:cSld name="Main point">
+    <p:spTree>
+      <p:nvGrpSpPr>
+        <p:cNvPr id="1" name="Shape 77"/>
+        <p:cNvGrpSpPr/>
+        <p:nvPr/>
+      </p:nvGrpSpPr>
+      <p:grpSpPr>
+        <a:xfrm>
+          <a:off x="0" y="0"/>
+          <a:ext cx="0" cy="0"/>
+          <a:chOff x="0" y="0"/>
+          <a:chExt cx="0" cy="0"/>
+        </a:xfrm>
+      </p:grpSpPr>
+      <p:sp>
+        <p:nvSpPr>
+          <p:cNvPr id="78" name="Shape 78"/>
+          <p:cNvSpPr txBox="1">
+            <a:spLocks noGrp="1"/>
+          </p:cNvSpPr>
+          <p:nvPr>
+            <p:ph type="title"/>
+          </p:nvPr>
+        </p:nvSpPr>
+        <p:spPr>
+          <a:xfrm>
+            <a:off x="653667" y="600200"/>
+            <a:ext cx="8490400" cy="5454400"/>
+          </a:xfrm>
+          <a:prstGeom prst="rect">
+            <a:avLst/>
+          </a:prstGeom>
+        </p:spPr>
+        <p:txBody>
+          <a:bodyPr lIns="91425" tIns="91425" rIns="91425" bIns="91425" anchor="ctr" anchorCtr="0"/>
+          <a:lstStyle>
+            <a:lvl1pPr lvl="0" rtl="0">
+              <a:spcBef>
+                <a:spcPts val="0"/>
+              </a:spcBef>
+              <a:buSzPct val="100000"/>
+              <a:defRPr sz="6400"/>
+            </a:lvl1pPr>
+            <a:lvl2pPr lvl="1" rtl="0">
+              <a:spcBef>
+                <a:spcPts val="0"/>
+              </a:spcBef>
+              <a:buSzPct val="100000"/>
+              <a:defRPr sz="6400"/>
+            </a:lvl2pPr>
+            <a:lvl3pPr lvl="2" rtl="0">
+              <a:spcBef>
+                <a:spcPts val="0"/>
+              </a:spcBef>
+              <a:buSzPct val="100000"/>
+              <a:defRPr sz="6400"/>
+            </a:lvl3pPr>
+            <a:lvl4pPr lvl="3" rtl="0">
+              <a:spcBef>
+                <a:spcPts val="0"/>
+              </a:spcBef>
+              <a:buSzPct val="100000"/>
+              <a:defRPr sz="6400"/>
+            </a:lvl4pPr>
+            <a:lvl5pPr lvl="4" rtl="0">
+              <a:spcBef>
+                <a:spcPts val="0"/>
+              </a:spcBef>
+              <a:buSzPct val="100000"/>
+              <a:defRPr sz="6400"/>
+            </a:lvl5pPr>
+            <a:lvl6pPr lvl="5" rtl="0">
+              <a:spcBef>
+                <a:spcPts val="0"/>
+              </a:spcBef>
+              <a:buSzPct val="100000"/>
+              <a:defRPr sz="6400"/>
+            </a:lvl6pPr>
+            <a:lvl7pPr lvl="6" rtl="0">
+              <a:spcBef>
+                <a:spcPts val="0"/>
+              </a:spcBef>
+              <a:buSzPct val="100000"/>
+              <a:defRPr sz="6400"/>
+            </a:lvl7pPr>
+            <a:lvl8pPr lvl="7" rtl="0">
+              <a:spcBef>
+                <a:spcPts val="0"/>
+              </a:spcBef>
+              <a:buSzPct val="100000"/>
+              <a:defRPr sz="6400"/>
+            </a:lvl8pPr>
+            <a:lvl9pPr lvl="8" rtl="0">
+              <a:spcBef>
+                <a:spcPts val="0"/>
+              </a:spcBef>
+              <a:buSzPct val="100000"/>
+              <a:defRPr sz="6400"/>
+            </a:lvl9pPr>
+          </a:lstStyle>
+          <a:p>
+            <a:endParaRPr/>
+          </a:p>
+        </p:txBody>
+      </p:sp>
+      <p:sp>
+        <p:nvSpPr>
+          <p:cNvPr id="79" name="Shape 79"/>
+          <p:cNvSpPr txBox="1">
+            <a:spLocks noGrp="1"/>
+          </p:cNvSpPr>
+          <p:nvPr>
+            <p:ph type="sldNum" idx="12"/>
+          </p:nvPr>
+        </p:nvSpPr>
+        <p:spPr>
+          <a:xfrm>
+            <a:off x="11296609" y="6217621"/>
+            <a:ext cx="731600" cy="524800"/>
+          </a:xfrm>
+          <a:prstGeom prst="rect">
+            <a:avLst/>
+          </a:prstGeom>
+        </p:spPr>
+        <p:txBody>
+          <a:bodyPr lIns="91425" tIns="91425" rIns="91425" bIns="91425" anchor="ctr" anchorCtr="0">
+            <a:noAutofit/>
+          </a:bodyPr>
+          <a:lstStyle/>
+          <a:p>
+            <a:fld id="{00000000-1234-1234-1234-123412341234}" type="slidenum">
+              <a:rPr lang="en" smtClean="0"/>
+              <a:pPr/>
+              <a:t>‹#›</a:t>
+            </a:fld>
+            <a:endParaRPr lang="en"/>
+          </a:p>
+        </p:txBody>
+      </p:sp>
+    </p:spTree>
+    <p:extLst>
+      <p:ext uri="{BB962C8B-B14F-4D97-AF65-F5344CB8AC3E}">
+        <p14:creationId xmlns:p14="http://schemas.microsoft.com/office/powerpoint/2010/main" val="2276103991"/>
+      </p:ext>
+    </p:extLst>
+  </p:cSld>
+  <p:clrMapOvr>
+    <a:masterClrMapping/>
+  </p:clrMapOvr>
+</p:sldLayout>
+</file>
+
+<file path=ppt/slideLayouts/slideLayout19.xml><?xml version="1.0" encoding="utf-8"?>
+<p:sldLayout xmlns:a="http://schemas.openxmlformats.org/drawingml/2006/main" xmlns:r="http://schemas.openxmlformats.org/officeDocument/2006/relationships" xmlns:p="http://schemas.openxmlformats.org/presentationml/2006/main" type="tx">
+  <p:cSld name="Title and body">
+    <p:spTree>
+      <p:nvGrpSpPr>
+        <p:cNvPr id="1" name="Shape 61"/>
+        <p:cNvGrpSpPr/>
+        <p:nvPr/>
+      </p:nvGrpSpPr>
+      <p:grpSpPr>
+        <a:xfrm>
+          <a:off x="0" y="0"/>
+          <a:ext cx="0" cy="0"/>
+          <a:chOff x="0" y="0"/>
+          <a:chExt cx="0" cy="0"/>
+        </a:xfrm>
+      </p:grpSpPr>
+      <p:sp>
+        <p:nvSpPr>
+          <p:cNvPr id="62" name="Shape 62"/>
+          <p:cNvSpPr txBox="1">
+            <a:spLocks noGrp="1"/>
+          </p:cNvSpPr>
+          <p:nvPr>
+            <p:ph type="title"/>
+          </p:nvPr>
+        </p:nvSpPr>
+        <p:spPr>
+          <a:xfrm>
+            <a:off x="415600" y="593367"/>
+            <a:ext cx="11360800" cy="763600"/>
+          </a:xfrm>
+          <a:prstGeom prst="rect">
+            <a:avLst/>
+          </a:prstGeom>
+        </p:spPr>
+        <p:txBody>
+          <a:bodyPr lIns="91425" tIns="91425" rIns="91425" bIns="91425" anchor="t" anchorCtr="0"/>
+          <a:lstStyle>
+            <a:lvl1pPr lvl="0" rtl="0">
+              <a:spcBef>
+                <a:spcPts val="0"/>
+              </a:spcBef>
+              <a:defRPr/>
+            </a:lvl1pPr>
+            <a:lvl2pPr lvl="1" rtl="0">
+              <a:spcBef>
+                <a:spcPts val="0"/>
+              </a:spcBef>
+              <a:defRPr/>
+            </a:lvl2pPr>
+            <a:lvl3pPr lvl="2" rtl="0">
+              <a:spcBef>
+                <a:spcPts val="0"/>
+              </a:spcBef>
+              <a:defRPr/>
+            </a:lvl3pPr>
+            <a:lvl4pPr lvl="3" rtl="0">
+              <a:spcBef>
+                <a:spcPts val="0"/>
+              </a:spcBef>
+              <a:defRPr/>
+            </a:lvl4pPr>
+            <a:lvl5pPr lvl="4" rtl="0">
+              <a:spcBef>
+                <a:spcPts val="0"/>
+              </a:spcBef>
+              <a:defRPr/>
+            </a:lvl5pPr>
+            <a:lvl6pPr lvl="5" rtl="0">
+              <a:spcBef>
+                <a:spcPts val="0"/>
+              </a:spcBef>
+              <a:defRPr/>
+            </a:lvl6pPr>
+            <a:lvl7pPr lvl="6" rtl="0">
+              <a:spcBef>
+                <a:spcPts val="0"/>
+              </a:spcBef>
+              <a:defRPr/>
+            </a:lvl7pPr>
+            <a:lvl8pPr lvl="7" rtl="0">
+              <a:spcBef>
+                <a:spcPts val="0"/>
+              </a:spcBef>
+              <a:defRPr/>
+            </a:lvl8pPr>
+            <a:lvl9pPr lvl="8" rtl="0">
+              <a:spcBef>
+                <a:spcPts val="0"/>
+              </a:spcBef>
+              <a:defRPr/>
+            </a:lvl9pPr>
+          </a:lstStyle>
+          <a:p>
+            <a:endParaRPr/>
+          </a:p>
+        </p:txBody>
+      </p:sp>
+      <p:sp>
+        <p:nvSpPr>
+          <p:cNvPr id="63" name="Shape 63"/>
+          <p:cNvSpPr txBox="1">
+            <a:spLocks noGrp="1"/>
+          </p:cNvSpPr>
+          <p:nvPr>
+            <p:ph type="body" idx="1"/>
+          </p:nvPr>
+        </p:nvSpPr>
+        <p:spPr>
+          <a:xfrm>
+            <a:off x="415600" y="1536633"/>
+            <a:ext cx="11360800" cy="4555200"/>
+          </a:xfrm>
+          <a:prstGeom prst="rect">
+            <a:avLst/>
+          </a:prstGeom>
+        </p:spPr>
+        <p:txBody>
+          <a:bodyPr lIns="91425" tIns="91425" rIns="91425" bIns="91425" anchor="t" anchorCtr="0"/>
+          <a:lstStyle>
+            <a:lvl1pPr lvl="0" rtl="0">
+              <a:spcBef>
+                <a:spcPts val="0"/>
+              </a:spcBef>
+              <a:defRPr/>
+            </a:lvl1pPr>
+            <a:lvl2pPr lvl="1" rtl="0">
+              <a:spcBef>
+                <a:spcPts val="0"/>
+              </a:spcBef>
+              <a:defRPr/>
+            </a:lvl2pPr>
+            <a:lvl3pPr lvl="2" rtl="0">
+              <a:spcBef>
+                <a:spcPts val="0"/>
+              </a:spcBef>
+              <a:defRPr/>
+            </a:lvl3pPr>
+            <a:lvl4pPr lvl="3" rtl="0">
+              <a:spcBef>
+                <a:spcPts val="0"/>
+              </a:spcBef>
+              <a:defRPr/>
+            </a:lvl4pPr>
+            <a:lvl5pPr lvl="4" rtl="0">
+              <a:spcBef>
+                <a:spcPts val="0"/>
+              </a:spcBef>
+              <a:defRPr/>
+            </a:lvl5pPr>
+            <a:lvl6pPr lvl="5" rtl="0">
+              <a:spcBef>
+                <a:spcPts val="0"/>
+              </a:spcBef>
+              <a:defRPr/>
+            </a:lvl6pPr>
+            <a:lvl7pPr lvl="6" rtl="0">
+              <a:spcBef>
+                <a:spcPts val="0"/>
+              </a:spcBef>
+              <a:defRPr/>
+            </a:lvl7pPr>
+            <a:lvl8pPr lvl="7" rtl="0">
+              <a:spcBef>
+                <a:spcPts val="0"/>
+              </a:spcBef>
+              <a:defRPr/>
+            </a:lvl8pPr>
+            <a:lvl9pPr lvl="8" rtl="0">
+              <a:spcBef>
+                <a:spcPts val="0"/>
+              </a:spcBef>
+              <a:defRPr/>
+            </a:lvl9pPr>
+          </a:lstStyle>
+          <a:p>
+            <a:endParaRPr/>
+          </a:p>
+        </p:txBody>
+      </p:sp>
+      <p:sp>
+        <p:nvSpPr>
+          <p:cNvPr id="64" name="Shape 64"/>
+          <p:cNvSpPr txBox="1">
+            <a:spLocks noGrp="1"/>
+          </p:cNvSpPr>
+          <p:nvPr>
+            <p:ph type="sldNum" idx="12"/>
+          </p:nvPr>
+        </p:nvSpPr>
+        <p:spPr>
+          <a:xfrm>
+            <a:off x="11296609" y="6217621"/>
+            <a:ext cx="731600" cy="524800"/>
+          </a:xfrm>
+          <a:prstGeom prst="rect">
+            <a:avLst/>
+          </a:prstGeom>
+        </p:spPr>
+        <p:txBody>
+          <a:bodyPr lIns="91425" tIns="91425" rIns="91425" bIns="91425" anchor="ctr" anchorCtr="0">
+            <a:noAutofit/>
+          </a:bodyPr>
+          <a:lstStyle/>
+          <a:p>
+            <a:fld id="{00000000-1234-1234-1234-123412341234}" type="slidenum">
+              <a:rPr lang="en" smtClean="0"/>
+              <a:pPr/>
+              <a:t>‹#›</a:t>
+            </a:fld>
+            <a:endParaRPr lang="en"/>
+          </a:p>
+        </p:txBody>
+      </p:sp>
+    </p:spTree>
+    <p:extLst>
+      <p:ext uri="{BB962C8B-B14F-4D97-AF65-F5344CB8AC3E}">
+        <p14:creationId xmlns:p14="http://schemas.microsoft.com/office/powerpoint/2010/main" val="1837770660"/>
+      </p:ext>
+    </p:extLst>
   </p:cSld>
   <p:clrMapOvr>
     <a:masterClrMapping/>
@@ -3322,7 +4498,7 @@
           <a:p>
             <a:fld id="{4509A250-FF31-4206-8172-F9D3106AACB1}" type="datetimeFigureOut">
               <a:rPr lang="en-US" dirty="0"/>
-              <a:t>8/16/2016</a:t>
+              <a:t>9/7/2016</a:t>
             </a:fld>
             <a:endParaRPr lang="en-US" dirty="0"/>
           </a:p>
@@ -3561,7 +4737,7 @@
           <a:p>
             <a:fld id="{4509A250-FF31-4206-8172-F9D3106AACB1}" type="datetimeFigureOut">
               <a:rPr lang="en-US" dirty="0"/>
-              <a:t>8/16/2016</a:t>
+              <a:t>9/7/2016</a:t>
             </a:fld>
             <a:endParaRPr lang="en-US" dirty="0"/>
           </a:p>
@@ -3848,7 +5024,7 @@
           <a:p>
             <a:fld id="{4509A250-FF31-4206-8172-F9D3106AACB1}" type="datetimeFigureOut">
               <a:rPr lang="en-US" dirty="0"/>
-              <a:t>8/16/2016</a:t>
+              <a:t>9/7/2016</a:t>
             </a:fld>
             <a:endParaRPr lang="en-US" dirty="0"/>
           </a:p>
@@ -4281,7 +5457,7 @@
           <a:p>
             <a:fld id="{4509A250-FF31-4206-8172-F9D3106AACB1}" type="datetimeFigureOut">
               <a:rPr lang="en-US" dirty="0"/>
-              <a:t>8/16/2016</a:t>
+              <a:t>9/7/2016</a:t>
             </a:fld>
             <a:endParaRPr lang="en-US" dirty="0"/>
           </a:p>
@@ -4394,7 +5570,7 @@
           <a:p>
             <a:fld id="{4509A250-FF31-4206-8172-F9D3106AACB1}" type="datetimeFigureOut">
               <a:rPr lang="en-US" dirty="0"/>
-              <a:t>8/16/2016</a:t>
+              <a:t>9/7/2016</a:t>
             </a:fld>
             <a:endParaRPr lang="en-US" dirty="0"/>
           </a:p>
@@ -4484,7 +5660,7 @@
           <a:p>
             <a:fld id="{4509A250-FF31-4206-8172-F9D3106AACB1}" type="datetimeFigureOut">
               <a:rPr lang="en-US" dirty="0"/>
-              <a:t>8/16/2016</a:t>
+              <a:t>9/7/2016</a:t>
             </a:fld>
             <a:endParaRPr lang="en-US" dirty="0"/>
           </a:p>
@@ -4758,7 +5934,7 @@
           <a:p>
             <a:fld id="{4509A250-FF31-4206-8172-F9D3106AACB1}" type="datetimeFigureOut">
               <a:rPr lang="en-US" dirty="0"/>
-              <a:t>8/16/2016</a:t>
+              <a:t>9/7/2016</a:t>
             </a:fld>
             <a:endParaRPr lang="en-US" dirty="0"/>
           </a:p>
@@ -5028,7 +6204,7 @@
           <a:p>
             <a:fld id="{4509A250-FF31-4206-8172-F9D3106AACB1}" type="datetimeFigureOut">
               <a:rPr lang="en-US" dirty="0"/>
-              <a:t>8/16/2016</a:t>
+              <a:t>9/7/2016</a:t>
             </a:fld>
             <a:endParaRPr lang="en-US" dirty="0"/>
           </a:p>
@@ -5115,7 +6291,7 @@
           <p:nvPr/>
         </p:nvPicPr>
         <p:blipFill rotWithShape="1">
-          <a:blip r:embed="rId19">
+          <a:blip r:embed="rId21">
             <a:extLst>
               <a:ext uri="{28A0092B-C50C-407E-A947-70E740481C1C}">
                 <a14:useLocalDpi xmlns:a14="http://schemas.microsoft.com/office/drawing/2010/main" val="0"/>
@@ -5144,7 +6320,7 @@
           <p:nvPr/>
         </p:nvPicPr>
         <p:blipFill rotWithShape="1">
-          <a:blip r:embed="rId20">
+          <a:blip r:embed="rId22">
             <a:extLst>
               <a:ext uri="{28A0092B-C50C-407E-A947-70E740481C1C}">
                 <a14:useLocalDpi xmlns:a14="http://schemas.microsoft.com/office/drawing/2010/main" val="0"/>
@@ -5236,7 +6412,7 @@
           <p:nvPr/>
         </p:nvPicPr>
         <p:blipFill rotWithShape="1">
-          <a:blip r:embed="rId21">
+          <a:blip r:embed="rId23">
             <a:extLst>
               <a:ext uri="{28A0092B-C50C-407E-A947-70E740481C1C}">
                 <a14:useLocalDpi xmlns:a14="http://schemas.microsoft.com/office/drawing/2010/main" val="0"/>
@@ -5265,7 +6441,7 @@
           <p:nvPr/>
         </p:nvPicPr>
         <p:blipFill rotWithShape="1">
-          <a:blip r:embed="rId22">
+          <a:blip r:embed="rId24">
             <a:extLst>
               <a:ext uri="{28A0092B-C50C-407E-A947-70E740481C1C}">
                 <a14:useLocalDpi xmlns:a14="http://schemas.microsoft.com/office/drawing/2010/main" val="0"/>
@@ -5452,7 +6628,7 @@
           <a:p>
             <a:fld id="{4509A250-FF31-4206-8172-F9D3106AACB1}" type="datetimeFigureOut">
               <a:rPr lang="en-US" dirty="0"/>
-              <a:t>8/16/2016</a:t>
+              <a:t>9/7/2016</a:t>
             </a:fld>
             <a:endParaRPr lang="en-US" dirty="0"/>
           </a:p>
@@ -5558,6 +6734,8 @@
     <p:sldLayoutId id="2147483670" r:id="rId15"/>
     <p:sldLayoutId id="2147483658" r:id="rId16"/>
     <p:sldLayoutId id="2147483659" r:id="rId17"/>
+    <p:sldLayoutId id="2147483671" r:id="rId18"/>
+    <p:sldLayoutId id="2147483672" r:id="rId19"/>
   </p:sldLayoutIdLst>
   <p:hf sldNum="0" hdr="0" ftr="0" dt="0"/>
   <p:txStyles>
@@ -5937,7 +7115,7 @@
   <p:cSld>
     <p:spTree>
       <p:nvGrpSpPr>
-        <p:cNvPr id="1" name=""/>
+        <p:cNvPr id="1" name="Shape 98"/>
         <p:cNvGrpSpPr/>
         <p:nvPr/>
       </p:nvGrpSpPr>
@@ -5949,100 +7127,434 @@
           <a:chExt cx="0" cy="0"/>
         </a:xfrm>
       </p:grpSpPr>
-      <p:sp>
-        <p:nvSpPr>
-          <p:cNvPr id="2" name="Title 1"/>
-          <p:cNvSpPr>
-            <a:spLocks noGrp="1"/>
-          </p:cNvSpPr>
-          <p:nvPr>
-            <p:ph type="ctrTitle"/>
-          </p:nvPr>
-        </p:nvSpPr>
-        <p:spPr/>
-        <p:txBody>
-          <a:bodyPr/>
-          <a:lstStyle/>
-          <a:p>
-            <a:r>
-              <a:rPr lang="en-US" dirty="0"/>
-              <a:t>GDB and </a:t>
-            </a:r>
-            <a:r>
-              <a:rPr lang="en-US" dirty="0" err="1"/>
-              <a:t>Git</a:t>
-            </a:r>
-            <a:endParaRPr lang="en-US" dirty="0"/>
-          </a:p>
-        </p:txBody>
-      </p:sp>
-      <p:sp>
-        <p:nvSpPr>
-          <p:cNvPr id="3" name="Subtitle 2"/>
-          <p:cNvSpPr>
-            <a:spLocks noGrp="1"/>
-          </p:cNvSpPr>
-          <p:nvPr>
-            <p:ph type="subTitle" idx="1"/>
-          </p:nvPr>
-        </p:nvSpPr>
-        <p:spPr/>
-        <p:txBody>
-          <a:bodyPr/>
-          <a:lstStyle/>
-          <a:p>
-            <a:r>
-              <a:rPr lang="en-US" dirty="0"/>
-              <a:t>Michael Baccia</a:t>
-            </a:r>
-          </a:p>
-        </p:txBody>
-      </p:sp>
       <p:pic>
         <p:nvPicPr>
-          <p:cNvPr id="1026" name="Picture 2" descr="https://upload.wikimedia.org/wikipedia/commons/thumb/3/3f/Git_icon.svg/1024px-Git_icon.svg.png"/>
-          <p:cNvPicPr>
-            <a:picLocks noChangeAspect="1" noChangeArrowheads="1"/>
-          </p:cNvPicPr>
+          <p:cNvPr id="99" name="Shape 99" descr="IMG_20151023_170810.jpg"/>
+          <p:cNvPicPr preferRelativeResize="0"/>
+          <p:nvPr/>
+        </p:nvPicPr>
+        <p:blipFill rotWithShape="1">
+          <a:blip r:embed="rId3">
+            <a:alphaModFix/>
+          </a:blip>
+          <a:srcRect l="8434" t="1097" r="6876"/>
+          <a:stretch/>
+        </p:blipFill>
+        <p:spPr>
+          <a:xfrm>
+            <a:off x="8693133" y="0"/>
+            <a:ext cx="3498864" cy="3064235"/>
+          </a:xfrm>
+          <a:prstGeom prst="rect">
+            <a:avLst/>
+          </a:prstGeom>
+          <a:noFill/>
+          <a:ln>
+            <a:noFill/>
+          </a:ln>
+        </p:spPr>
+      </p:pic>
+      <p:pic>
+        <p:nvPicPr>
+          <p:cNvPr id="100" name="Shape 100" descr="images.png"/>
+          <p:cNvPicPr preferRelativeResize="0"/>
           <p:nvPr/>
         </p:nvPicPr>
         <p:blipFill>
-          <a:blip r:embed="rId2">
-            <a:extLst>
-              <a:ext uri="{28A0092B-C50C-407E-A947-70E740481C1C}">
-                <a14:useLocalDpi xmlns:a14="http://schemas.microsoft.com/office/drawing/2010/main" val="0"/>
-              </a:ext>
-            </a:extLst>
+          <a:blip r:embed="rId4">
+            <a:alphaModFix/>
           </a:blip>
-          <a:srcRect/>
           <a:stretch>
             <a:fillRect/>
           </a:stretch>
         </p:blipFill>
-        <p:spPr bwMode="auto">
-          <a:xfrm>
-            <a:off x="8167061" y="2821868"/>
-            <a:ext cx="2882544" cy="2882544"/>
+        <p:spPr>
+          <a:xfrm>
+            <a:off x="9810067" y="3632200"/>
+            <a:ext cx="2514600" cy="3225800"/>
           </a:xfrm>
           <a:prstGeom prst="rect">
             <a:avLst/>
           </a:prstGeom>
           <a:noFill/>
-          <a:extLst>
-            <a:ext uri="{909E8E84-426E-40DD-AFC4-6F175D3DCCD1}">
-              <a14:hiddenFill xmlns:a14="http://schemas.microsoft.com/office/drawing/2010/main">
+          <a:ln>
+            <a:noFill/>
+          </a:ln>
+        </p:spPr>
+      </p:pic>
+      <p:sp>
+        <p:nvSpPr>
+          <p:cNvPr id="101" name="Shape 101"/>
+          <p:cNvSpPr txBox="1">
+            <a:spLocks noGrp="1"/>
+          </p:cNvSpPr>
+          <p:nvPr>
+            <p:ph type="title"/>
+          </p:nvPr>
+        </p:nvSpPr>
+        <p:spPr>
+          <a:xfrm>
+            <a:off x="653667" y="1402867"/>
+            <a:ext cx="5841600" cy="4753200"/>
+          </a:xfrm>
+          <a:prstGeom prst="rect">
+            <a:avLst/>
+          </a:prstGeom>
+        </p:spPr>
+        <p:txBody>
+          <a:bodyPr vert="horz" lIns="121900" tIns="121900" rIns="121900" bIns="121900" rtlCol="0" anchor="t" anchorCtr="0">
+            <a:noAutofit/>
+          </a:bodyPr>
+          <a:lstStyle/>
+          <a:p>
+            <a:r>
+              <a:rPr lang="en" sz="1867" dirty="0"/>
+              <a:t>For individuals interested in </a:t>
+            </a:r>
+          </a:p>
+          <a:p>
+            <a:r>
+              <a:rPr lang="en" sz="1867" dirty="0"/>
+              <a:t>Linux, Unix, and their byproducts.</a:t>
+            </a:r>
+          </a:p>
+          <a:p>
+            <a:r>
+              <a:rPr lang="en" sz="1867" dirty="0"/>
+              <a:t>We are also in the ACM office (SEL 2264).</a:t>
+            </a:r>
+          </a:p>
+          <a:p>
+            <a:endParaRPr sz="1867" dirty="0"/>
+          </a:p>
+          <a:p>
+            <a:r>
+              <a:rPr lang="en" sz="1867" dirty="0"/>
+              <a:t>Resources:</a:t>
+            </a:r>
+          </a:p>
+          <a:p>
+            <a:pPr marL="609585" indent="-423323">
+              <a:buChar char="●"/>
+            </a:pPr>
+            <a:r>
+              <a:rPr lang="en" sz="1867" dirty="0"/>
+              <a:t>3D Printing (10 cents/gram)</a:t>
+            </a:r>
+          </a:p>
+          <a:p>
+            <a:pPr marL="609585" indent="-423323">
+              <a:buChar char="●"/>
+            </a:pPr>
+            <a:r>
+              <a:rPr lang="en" sz="1867" dirty="0"/>
+              <a:t>Arduino</a:t>
+            </a:r>
+          </a:p>
+          <a:p>
+            <a:pPr marL="609585" indent="-423323">
+              <a:buChar char="●"/>
+            </a:pPr>
+            <a:r>
+              <a:rPr lang="en" sz="1867" dirty="0"/>
+              <a:t>Raspberry Pi</a:t>
+            </a:r>
+          </a:p>
+          <a:p>
+            <a:pPr marL="609585" indent="-423323">
+              <a:buChar char="●"/>
+            </a:pPr>
+            <a:r>
+              <a:rPr lang="en" sz="1867" dirty="0"/>
+              <a:t>Test Servers</a:t>
+            </a:r>
+          </a:p>
+          <a:p>
+            <a:pPr marL="609585" indent="-423323">
+              <a:buChar char="●"/>
+            </a:pPr>
+            <a:r>
+              <a:rPr lang="en" sz="1867" dirty="0"/>
+              <a:t>Tiled Displays</a:t>
+            </a:r>
+          </a:p>
+          <a:p>
+            <a:pPr marL="609585" indent="-423323">
+              <a:buChar char="●"/>
+            </a:pPr>
+            <a:r>
+              <a:rPr lang="en" sz="1867" dirty="0"/>
+              <a:t>Linux Machines</a:t>
+            </a:r>
+          </a:p>
+          <a:p>
+            <a:endParaRPr sz="1867" dirty="0"/>
+          </a:p>
+          <a:p>
+            <a:r>
+              <a:rPr lang="en" sz="1867" dirty="0"/>
+              <a:t>Sign up for our listserv at! E-mail listserv@uic.edu </a:t>
+            </a:r>
+          </a:p>
+          <a:p>
+            <a:r>
+              <a:rPr lang="en" sz="1867" dirty="0"/>
+              <a:t>with the body “SUBSCRIBE LUG”</a:t>
+            </a:r>
+          </a:p>
+          <a:p>
+            <a:endParaRPr sz="1867" dirty="0"/>
+          </a:p>
+          <a:p>
+            <a:r>
+              <a:rPr lang="en" sz="1867" dirty="0"/>
+              <a:t>Officer E-mail: lug-uic-officers@googlegroups.com</a:t>
+            </a:r>
+          </a:p>
+        </p:txBody>
+      </p:sp>
+      <p:sp>
+        <p:nvSpPr>
+          <p:cNvPr id="102" name="Shape 102"/>
+          <p:cNvSpPr txBox="1"/>
+          <p:nvPr/>
+        </p:nvSpPr>
+        <p:spPr>
+          <a:xfrm>
+            <a:off x="633500" y="389000"/>
+            <a:ext cx="10513600" cy="1100400"/>
+          </a:xfrm>
+          <a:prstGeom prst="rect">
+            <a:avLst/>
+          </a:prstGeom>
+          <a:noFill/>
+          <a:ln>
+            <a:noFill/>
+          </a:ln>
+        </p:spPr>
+        <p:txBody>
+          <a:bodyPr lIns="121900" tIns="121900" rIns="121900" bIns="121900" anchor="t" anchorCtr="0">
+            <a:noAutofit/>
+          </a:bodyPr>
+          <a:lstStyle/>
+          <a:p>
+            <a:r>
+              <a:rPr lang="en" sz="6400" b="1">
                 <a:solidFill>
                   <a:srgbClr val="FFFFFF"/>
                 </a:solidFill>
-              </a14:hiddenFill>
-            </a:ext>
-          </a:extLst>
-        </p:spPr>
-      </p:pic>
+                <a:latin typeface="Proxima Nova"/>
+                <a:ea typeface="Proxima Nova"/>
+                <a:cs typeface="Proxima Nova"/>
+                <a:sym typeface="Proxima Nova"/>
+              </a:rPr>
+              <a:t>Linux Users Group</a:t>
+            </a:r>
+          </a:p>
+        </p:txBody>
+      </p:sp>
+      <p:cxnSp>
+        <p:nvCxnSpPr>
+          <p:cNvPr id="103" name="Shape 103"/>
+          <p:cNvCxnSpPr/>
+          <p:nvPr/>
+        </p:nvCxnSpPr>
+        <p:spPr>
+          <a:xfrm>
+            <a:off x="6495267" y="1701267"/>
+            <a:ext cx="0" cy="4360000"/>
+          </a:xfrm>
+          <a:prstGeom prst="straightConnector1">
+            <a:avLst/>
+          </a:prstGeom>
+          <a:noFill/>
+          <a:ln w="28575" cap="flat" cmpd="sng">
+            <a:solidFill>
+              <a:srgbClr val="FF0000"/>
+            </a:solidFill>
+            <a:prstDash val="solid"/>
+            <a:round/>
+            <a:headEnd type="none" w="lg" len="lg"/>
+            <a:tailEnd type="none" w="lg" len="lg"/>
+          </a:ln>
+        </p:spPr>
+      </p:cxnSp>
+      <p:sp>
+        <p:nvSpPr>
+          <p:cNvPr id="104" name="Shape 104"/>
+          <p:cNvSpPr txBox="1"/>
+          <p:nvPr/>
+        </p:nvSpPr>
+        <p:spPr>
+          <a:xfrm>
+            <a:off x="6827033" y="1489400"/>
+            <a:ext cx="4680000" cy="4666400"/>
+          </a:xfrm>
+          <a:prstGeom prst="rect">
+            <a:avLst/>
+          </a:prstGeom>
+          <a:noFill/>
+          <a:ln>
+            <a:noFill/>
+          </a:ln>
+        </p:spPr>
+        <p:txBody>
+          <a:bodyPr lIns="121900" tIns="121900" rIns="121900" bIns="121900" anchor="t" anchorCtr="0">
+            <a:noAutofit/>
+          </a:bodyPr>
+          <a:lstStyle/>
+          <a:p>
+            <a:r>
+              <a:rPr lang="en" sz="2400" dirty="0">
+                <a:solidFill>
+                  <a:srgbClr val="FFFFFF"/>
+                </a:solidFill>
+                <a:latin typeface="Proxima Nova"/>
+                <a:ea typeface="Proxima Nova"/>
+                <a:cs typeface="Proxima Nova"/>
+                <a:sym typeface="Proxima Nova"/>
+              </a:rPr>
+              <a:t>Upcoming Events</a:t>
+            </a:r>
+          </a:p>
+          <a:p>
+            <a:pPr marL="609585" indent="-457189">
+              <a:buClr>
+                <a:srgbClr val="FFFFFF"/>
+              </a:buClr>
+              <a:buSzPct val="100000"/>
+              <a:buFont typeface="Proxima Nova"/>
+              <a:buChar char="●"/>
+            </a:pPr>
+            <a:r>
+              <a:rPr lang="en" sz="2400" dirty="0">
+                <a:solidFill>
+                  <a:srgbClr val="FFFFFF"/>
+                </a:solidFill>
+                <a:latin typeface="Proxima Nova"/>
+                <a:ea typeface="Proxima Nova"/>
+                <a:cs typeface="Proxima Nova"/>
+                <a:sym typeface="Proxima Nova"/>
+              </a:rPr>
+              <a:t>Newbie Week</a:t>
+            </a:r>
+          </a:p>
+          <a:p>
+            <a:pPr marL="1219170" lvl="1" indent="-457189">
+              <a:buClr>
+                <a:srgbClr val="FFFFFF"/>
+              </a:buClr>
+              <a:buSzPct val="100000"/>
+              <a:buFont typeface="Proxima Nova"/>
+              <a:buChar char="○"/>
+            </a:pPr>
+            <a:r>
+              <a:rPr lang="en" sz="2400" dirty="0">
+                <a:solidFill>
+                  <a:srgbClr val="FFFFFF"/>
+                </a:solidFill>
+                <a:latin typeface="Proxima Nova"/>
+                <a:ea typeface="Proxima Nova"/>
+                <a:cs typeface="Proxima Nova"/>
+                <a:sym typeface="Proxima Nova"/>
+              </a:rPr>
+              <a:t>9/6, 9/7, 9/9, 9/12, 9/13 5-6 PM</a:t>
+            </a:r>
+          </a:p>
+          <a:p>
+            <a:pPr marL="1219170" lvl="1" indent="-457189">
+              <a:buClr>
+                <a:srgbClr val="FFFFFF"/>
+              </a:buClr>
+              <a:buSzPct val="100000"/>
+              <a:buFont typeface="Proxima Nova"/>
+              <a:buChar char="○"/>
+            </a:pPr>
+            <a:r>
+              <a:rPr lang="en" sz="2400" dirty="0">
+                <a:solidFill>
+                  <a:srgbClr val="FFFFFF"/>
+                </a:solidFill>
+                <a:latin typeface="Proxima Nova"/>
+                <a:ea typeface="Proxima Nova"/>
+                <a:cs typeface="Proxima Nova"/>
+                <a:sym typeface="Proxima Nova"/>
+              </a:rPr>
+              <a:t>SEL 2254</a:t>
+            </a:r>
+          </a:p>
+          <a:p>
+            <a:pPr marL="609585" indent="-457189">
+              <a:buClr>
+                <a:srgbClr val="FFFFFF"/>
+              </a:buClr>
+              <a:buSzPct val="100000"/>
+              <a:buFont typeface="Proxima Nova"/>
+              <a:buChar char="●"/>
+            </a:pPr>
+            <a:r>
+              <a:rPr lang="en" sz="2400" dirty="0">
+                <a:solidFill>
+                  <a:srgbClr val="FFFFFF"/>
+                </a:solidFill>
+                <a:latin typeface="Proxima Nova"/>
+                <a:ea typeface="Proxima Nova"/>
+                <a:cs typeface="Proxima Nova"/>
+                <a:sym typeface="Proxima Nova"/>
+              </a:rPr>
+              <a:t>Install Fest</a:t>
+            </a:r>
+          </a:p>
+          <a:p>
+            <a:pPr marL="1219170" lvl="1" indent="-457189">
+              <a:buClr>
+                <a:srgbClr val="FFFFFF"/>
+              </a:buClr>
+              <a:buSzPct val="100000"/>
+              <a:buFont typeface="Proxima Nova"/>
+              <a:buChar char="○"/>
+            </a:pPr>
+            <a:r>
+              <a:rPr lang="en" sz="2400" dirty="0">
+                <a:solidFill>
+                  <a:srgbClr val="FFFFFF"/>
+                </a:solidFill>
+                <a:latin typeface="Proxima Nova"/>
+                <a:ea typeface="Proxima Nova"/>
+                <a:cs typeface="Proxima Nova"/>
+                <a:sym typeface="Proxima Nova"/>
+              </a:rPr>
+              <a:t>9/14 5-7 PM</a:t>
+            </a:r>
+          </a:p>
+          <a:p>
+            <a:pPr marL="1219170" lvl="1" indent="-457189">
+              <a:buClr>
+                <a:srgbClr val="FFFFFF"/>
+              </a:buClr>
+              <a:buSzPct val="100000"/>
+              <a:buFont typeface="Proxima Nova"/>
+              <a:buChar char="○"/>
+            </a:pPr>
+            <a:r>
+              <a:rPr lang="en" sz="2400" dirty="0">
+                <a:solidFill>
+                  <a:srgbClr val="FFFFFF"/>
+                </a:solidFill>
+                <a:latin typeface="Proxima Nova"/>
+                <a:ea typeface="Proxima Nova"/>
+                <a:cs typeface="Proxima Nova"/>
+                <a:sym typeface="Proxima Nova"/>
+              </a:rPr>
+              <a:t>SEL 2254</a:t>
+            </a:r>
+          </a:p>
+        </p:txBody>
+      </p:sp>
     </p:spTree>
     <p:extLst>
       <p:ext uri="{BB962C8B-B14F-4D97-AF65-F5344CB8AC3E}">
-        <p14:creationId xmlns:p14="http://schemas.microsoft.com/office/powerpoint/2010/main" val="1716299429"/>
+        <p14:creationId xmlns:p14="http://schemas.microsoft.com/office/powerpoint/2010/main" val="3208084094"/>
       </p:ext>
     </p:extLst>
   </p:cSld>
@@ -6086,86 +7598,47 @@
           <a:p>
             <a:r>
               <a:rPr lang="en-US" dirty="0"/>
-              <a:t>Flow Control</a:t>
-            </a:r>
-          </a:p>
-        </p:txBody>
-      </p:sp>
-      <p:sp>
-        <p:nvSpPr>
-          <p:cNvPr id="3" name="Content Placeholder 2"/>
-          <p:cNvSpPr>
-            <a:spLocks noGrp="1"/>
-          </p:cNvSpPr>
-          <p:nvPr>
-            <p:ph idx="1"/>
-          </p:nvPr>
-        </p:nvSpPr>
-        <p:spPr>
-          <a:xfrm>
-            <a:off x="1104293" y="1489392"/>
-            <a:ext cx="8946541" cy="4195481"/>
-          </a:xfrm>
-        </p:spPr>
-        <p:txBody>
-          <a:bodyPr/>
-          <a:lstStyle/>
-          <a:p>
-            <a:r>
-              <a:rPr lang="en-US" b="1" dirty="0">
-                <a:solidFill>
-                  <a:srgbClr val="FF0000"/>
-                </a:solidFill>
-              </a:rPr>
-              <a:t>clear</a:t>
-            </a:r>
-            <a:r>
-              <a:rPr lang="en-US" dirty="0">
-                <a:solidFill>
-                  <a:srgbClr val="FF0000"/>
-                </a:solidFill>
-              </a:rPr>
-              <a:t> </a:t>
-            </a:r>
-            <a:r>
-              <a:rPr lang="en-US" dirty="0"/>
-              <a:t>&lt;location&gt;</a:t>
-            </a:r>
-          </a:p>
-          <a:p>
-            <a:pPr lvl="1"/>
-            <a:r>
-              <a:rPr lang="en-US" dirty="0"/>
-              <a:t>Clears a previously set breakpoint</a:t>
-            </a:r>
-          </a:p>
-          <a:p>
-            <a:pPr lvl="1"/>
-            <a:endParaRPr lang="en-US" dirty="0"/>
-          </a:p>
-          <a:p>
-            <a:r>
-              <a:rPr lang="en-US" b="1" dirty="0">
-                <a:solidFill>
-                  <a:srgbClr val="FF0000"/>
-                </a:solidFill>
-              </a:rPr>
-              <a:t>continue</a:t>
-            </a:r>
-          </a:p>
-          <a:p>
-            <a:pPr lvl="1"/>
-            <a:r>
-              <a:rPr lang="en-US" dirty="0"/>
-              <a:t>Resumes execution after a breakpoint</a:t>
-            </a:r>
-          </a:p>
-        </p:txBody>
-      </p:sp>
+              <a:t>How does </a:t>
+            </a:r>
+            <a:r>
+              <a:rPr lang="en-US" dirty="0" err="1"/>
+              <a:t>Git</a:t>
+            </a:r>
+            <a:r>
+              <a:rPr lang="en-US" dirty="0"/>
+              <a:t> work?</a:t>
+            </a:r>
+          </a:p>
+        </p:txBody>
+      </p:sp>
+      <p:pic>
+        <p:nvPicPr>
+          <p:cNvPr id="16" name="Picture 15"/>
+          <p:cNvPicPr>
+            <a:picLocks noChangeAspect="1"/>
+          </p:cNvPicPr>
+          <p:nvPr/>
+        </p:nvPicPr>
+        <p:blipFill>
+          <a:blip r:embed="rId2"/>
+          <a:stretch>
+            <a:fillRect/>
+          </a:stretch>
+        </p:blipFill>
+        <p:spPr>
+          <a:xfrm>
+            <a:off x="864705" y="1983868"/>
+            <a:ext cx="10316817" cy="4151788"/>
+          </a:xfrm>
+          <a:prstGeom prst="rect">
+            <a:avLst/>
+          </a:prstGeom>
+        </p:spPr>
+      </p:pic>
     </p:spTree>
     <p:extLst>
       <p:ext uri="{BB962C8B-B14F-4D97-AF65-F5344CB8AC3E}">
-        <p14:creationId xmlns:p14="http://schemas.microsoft.com/office/powerpoint/2010/main" val="1918550757"/>
+        <p14:creationId xmlns:p14="http://schemas.microsoft.com/office/powerpoint/2010/main" val="2071549465"/>
       </p:ext>
     </p:extLst>
   </p:cSld>
@@ -6194,7 +7667,7 @@
       </p:grpSpPr>
       <p:sp>
         <p:nvSpPr>
-          <p:cNvPr id="4" name="Title 1"/>
+          <p:cNvPr id="2" name="Title 1"/>
           <p:cNvSpPr>
             <a:spLocks noGrp="1"/>
           </p:cNvSpPr>
@@ -6202,154 +7675,46 @@
             <p:ph type="title"/>
           </p:nvPr>
         </p:nvSpPr>
-        <p:spPr>
-          <a:xfrm>
-            <a:off x="646111" y="452718"/>
-            <a:ext cx="9404723" cy="1400530"/>
-          </a:xfrm>
-        </p:spPr>
+        <p:spPr/>
         <p:txBody>
           <a:bodyPr/>
           <a:lstStyle/>
           <a:p>
             <a:r>
               <a:rPr lang="en-US" dirty="0"/>
-              <a:t>Flow Control</a:t>
-            </a:r>
-          </a:p>
-        </p:txBody>
-      </p:sp>
-      <p:sp>
-        <p:nvSpPr>
-          <p:cNvPr id="5" name="Content Placeholder 2"/>
-          <p:cNvSpPr>
-            <a:spLocks noGrp="1"/>
-          </p:cNvSpPr>
-          <p:nvPr>
-            <p:ph idx="1"/>
-          </p:nvPr>
-        </p:nvSpPr>
-        <p:spPr>
-          <a:xfrm>
-            <a:off x="1104293" y="1489392"/>
-            <a:ext cx="8946541" cy="4195481"/>
-          </a:xfrm>
-        </p:spPr>
-        <p:txBody>
-          <a:bodyPr/>
-          <a:lstStyle/>
-          <a:p>
-            <a:r>
-              <a:rPr lang="en-US" b="1" dirty="0">
-                <a:solidFill>
-                  <a:srgbClr val="FF0000"/>
-                </a:solidFill>
-              </a:rPr>
-              <a:t>step</a:t>
-            </a:r>
-            <a:r>
-              <a:rPr lang="en-US" dirty="0"/>
-              <a:t> [n]</a:t>
-            </a:r>
-          </a:p>
-          <a:p>
-            <a:pPr lvl="1"/>
-            <a:r>
-              <a:rPr lang="en-US" dirty="0"/>
-              <a:t>Step through n (default 1) lines in the source code.</a:t>
-            </a:r>
-          </a:p>
-          <a:p>
-            <a:pPr lvl="1"/>
-            <a:r>
-              <a:rPr lang="en-US" dirty="0"/>
-              <a:t>Note: step will step </a:t>
-            </a:r>
-            <a:r>
-              <a:rPr lang="en-US" i="1" dirty="0"/>
-              <a:t>into</a:t>
-            </a:r>
-            <a:r>
-              <a:rPr lang="en-US" dirty="0"/>
-              <a:t> any embedded functions</a:t>
-            </a:r>
-          </a:p>
-          <a:p>
-            <a:pPr lvl="2"/>
-            <a:r>
-              <a:rPr lang="en-US" dirty="0"/>
-              <a:t>Example: foo(</a:t>
-            </a:r>
-            <a:r>
-              <a:rPr lang="en-US" dirty="0">
-                <a:solidFill>
-                  <a:srgbClr val="92D050"/>
-                </a:solidFill>
-              </a:rPr>
-              <a:t>bar(</a:t>
-            </a:r>
-            <a:r>
-              <a:rPr lang="en-US" dirty="0" err="1">
-                <a:solidFill>
-                  <a:srgbClr val="92D050"/>
-                </a:solidFill>
-              </a:rPr>
-              <a:t>var</a:t>
-            </a:r>
-            <a:r>
-              <a:rPr lang="en-US" dirty="0">
-                <a:solidFill>
-                  <a:srgbClr val="92D050"/>
-                </a:solidFill>
-              </a:rPr>
-              <a:t>)</a:t>
-            </a:r>
-            <a:r>
-              <a:rPr lang="en-US" dirty="0"/>
-              <a:t>);</a:t>
-            </a:r>
-          </a:p>
-          <a:p>
-            <a:pPr marL="914400" lvl="2" indent="0">
-              <a:buNone/>
-            </a:pPr>
-            <a:endParaRPr lang="en-US" dirty="0"/>
-          </a:p>
-          <a:p>
-            <a:r>
-              <a:rPr lang="en-US" b="1" dirty="0">
-                <a:solidFill>
-                  <a:srgbClr val="FF0000"/>
-                </a:solidFill>
-              </a:rPr>
-              <a:t>next</a:t>
-            </a:r>
-            <a:r>
-              <a:rPr lang="en-US" dirty="0"/>
-              <a:t> [n]</a:t>
-            </a:r>
-          </a:p>
-          <a:p>
-            <a:pPr lvl="1"/>
-            <a:r>
-              <a:rPr lang="en-US" dirty="0"/>
-              <a:t>Similar to step, but will </a:t>
-            </a:r>
-            <a:r>
-              <a:rPr lang="en-US" i="1" dirty="0"/>
-              <a:t>not</a:t>
-            </a:r>
-            <a:r>
-              <a:rPr lang="en-US" dirty="0"/>
-              <a:t> step into embedded functions.</a:t>
-            </a:r>
-          </a:p>
-        </p:txBody>
-      </p:sp>
+              <a:t>Workflow</a:t>
+            </a:r>
+          </a:p>
+        </p:txBody>
+      </p:sp>
+      <p:pic>
+        <p:nvPicPr>
+          <p:cNvPr id="4" name="Picture 3"/>
+          <p:cNvPicPr>
+            <a:picLocks noChangeAspect="1"/>
+          </p:cNvPicPr>
+          <p:nvPr/>
+        </p:nvPicPr>
+        <p:blipFill>
+          <a:blip r:embed="rId2"/>
+          <a:stretch>
+            <a:fillRect/>
+          </a:stretch>
+        </p:blipFill>
+        <p:spPr>
+          <a:xfrm>
+            <a:off x="576468" y="2105166"/>
+            <a:ext cx="10631557" cy="3580732"/>
+          </a:xfrm>
+          <a:prstGeom prst="rect">
+            <a:avLst/>
+          </a:prstGeom>
+        </p:spPr>
+      </p:pic>
     </p:spTree>
     <p:extLst>
       <p:ext uri="{BB962C8B-B14F-4D97-AF65-F5344CB8AC3E}">
-        <p14:creationId xmlns:p14="http://schemas.microsoft.com/office/powerpoint/2010/main" val="2519910134"/>
+        <p14:creationId xmlns:p14="http://schemas.microsoft.com/office/powerpoint/2010/main" val="935605480"/>
       </p:ext>
     </p:extLst>
   </p:cSld>
@@ -6378,7 +7743,7 @@
       </p:grpSpPr>
       <p:sp>
         <p:nvSpPr>
-          <p:cNvPr id="4" name="Title 1"/>
+          <p:cNvPr id="2" name="Title 1"/>
           <p:cNvSpPr>
             <a:spLocks noGrp="1"/>
           </p:cNvSpPr>
@@ -6386,246 +7751,46 @@
             <p:ph type="title"/>
           </p:nvPr>
         </p:nvSpPr>
-        <p:spPr>
-          <a:xfrm>
-            <a:off x="646111" y="452718"/>
-            <a:ext cx="9404723" cy="1400530"/>
-          </a:xfrm>
-        </p:spPr>
+        <p:spPr/>
         <p:txBody>
           <a:bodyPr/>
           <a:lstStyle/>
           <a:p>
             <a:r>
               <a:rPr lang="en-US" dirty="0"/>
-              <a:t>Printing</a:t>
-            </a:r>
-          </a:p>
-        </p:txBody>
-      </p:sp>
-      <p:sp>
-        <p:nvSpPr>
-          <p:cNvPr id="5" name="Content Placeholder 2"/>
-          <p:cNvSpPr>
-            <a:spLocks noGrp="1"/>
-          </p:cNvSpPr>
-          <p:nvPr>
-            <p:ph idx="1"/>
-          </p:nvPr>
-        </p:nvSpPr>
-        <p:spPr>
-          <a:xfrm>
-            <a:off x="1104293" y="1489392"/>
-            <a:ext cx="8946541" cy="4847613"/>
-          </a:xfrm>
-        </p:spPr>
-        <p:txBody>
-          <a:bodyPr>
-            <a:noAutofit/>
-          </a:bodyPr>
-          <a:lstStyle/>
-          <a:p>
-            <a:r>
-              <a:rPr lang="en-US" sz="1500" b="1" dirty="0">
-                <a:solidFill>
-                  <a:srgbClr val="FF0000"/>
-                </a:solidFill>
-              </a:rPr>
-              <a:t>list</a:t>
-            </a:r>
-            <a:r>
-              <a:rPr lang="en-US" sz="1500" dirty="0"/>
-              <a:t> &lt;location&gt;</a:t>
-            </a:r>
-          </a:p>
-          <a:p>
-            <a:pPr lvl="1"/>
-            <a:r>
-              <a:rPr lang="en-US" sz="1500" dirty="0"/>
-              <a:t>Lists lines (default 10) of source code starting at location.</a:t>
-            </a:r>
-          </a:p>
-          <a:p>
-            <a:pPr lvl="2"/>
-            <a:r>
-              <a:rPr lang="en-US" sz="1500" dirty="0"/>
-              <a:t>Use </a:t>
-            </a:r>
-            <a:r>
-              <a:rPr lang="en-US" sz="1500" dirty="0">
-                <a:solidFill>
-                  <a:srgbClr val="FF0000"/>
-                </a:solidFill>
-              </a:rPr>
-              <a:t>set </a:t>
-            </a:r>
-            <a:r>
-              <a:rPr lang="en-US" sz="1500" dirty="0" err="1">
-                <a:solidFill>
-                  <a:srgbClr val="FF0000"/>
-                </a:solidFill>
-              </a:rPr>
-              <a:t>listsize</a:t>
-            </a:r>
-            <a:r>
-              <a:rPr lang="en-US" sz="1500" dirty="0">
-                <a:solidFill>
-                  <a:srgbClr val="FF0000"/>
-                </a:solidFill>
-              </a:rPr>
-              <a:t> </a:t>
-            </a:r>
-            <a:r>
-              <a:rPr lang="en-US" sz="1500" dirty="0"/>
-              <a:t>to change the default.</a:t>
-            </a:r>
-          </a:p>
-          <a:p>
-            <a:pPr lvl="1"/>
-            <a:r>
-              <a:rPr lang="en-US" sz="1500" dirty="0"/>
-              <a:t>Location is specified similar to </a:t>
-            </a:r>
-            <a:r>
-              <a:rPr lang="en-US" sz="1500" b="1" dirty="0">
-                <a:solidFill>
-                  <a:srgbClr val="FF0000"/>
-                </a:solidFill>
-              </a:rPr>
-              <a:t>break</a:t>
-            </a:r>
-            <a:r>
-              <a:rPr lang="en-US" sz="1500" dirty="0"/>
-              <a:t>.</a:t>
-            </a:r>
-          </a:p>
-          <a:p>
-            <a:r>
-              <a:rPr lang="en-US" sz="1500" b="1" dirty="0">
-                <a:solidFill>
-                  <a:srgbClr val="FF0000"/>
-                </a:solidFill>
-              </a:rPr>
-              <a:t>disassemble</a:t>
-            </a:r>
-            <a:r>
-              <a:rPr lang="en-US" sz="1500" dirty="0"/>
-              <a:t> [location]</a:t>
-            </a:r>
-          </a:p>
-          <a:p>
-            <a:pPr lvl="1"/>
-            <a:r>
-              <a:rPr lang="en-US" sz="1500" dirty="0"/>
-              <a:t>Lists assembly instructions focused around location (or current execution line if none specified).</a:t>
-            </a:r>
-          </a:p>
-          <a:p>
-            <a:r>
-              <a:rPr lang="en-US" sz="1500" b="1" dirty="0">
-                <a:solidFill>
-                  <a:srgbClr val="FF0000"/>
-                </a:solidFill>
-              </a:rPr>
-              <a:t>info</a:t>
-            </a:r>
-            <a:r>
-              <a:rPr lang="en-US" sz="1500" dirty="0"/>
-              <a:t> &lt;command&gt;</a:t>
-            </a:r>
-          </a:p>
-          <a:p>
-            <a:pPr lvl="1"/>
-            <a:r>
-              <a:rPr lang="en-US" sz="1500" dirty="0"/>
-              <a:t>Many subcommands available, although most used one will probably be </a:t>
-            </a:r>
-            <a:r>
-              <a:rPr lang="en-US" sz="1500" dirty="0" err="1"/>
-              <a:t>reg</a:t>
-            </a:r>
-            <a:r>
-              <a:rPr lang="en-US" sz="1500" dirty="0"/>
-              <a:t> (info registers).</a:t>
-            </a:r>
-          </a:p>
-          <a:p>
-            <a:r>
-              <a:rPr lang="en-US" sz="1500" b="1" dirty="0">
-                <a:solidFill>
-                  <a:srgbClr val="FF0000"/>
-                </a:solidFill>
-              </a:rPr>
-              <a:t>p</a:t>
-            </a:r>
-            <a:r>
-              <a:rPr lang="en-US" sz="1500" dirty="0"/>
-              <a:t> &lt;expression&gt;</a:t>
-            </a:r>
-          </a:p>
-          <a:p>
-            <a:pPr lvl="1"/>
-            <a:r>
-              <a:rPr lang="en-US" sz="1500" dirty="0"/>
-              <a:t>Prints the value of the expression. </a:t>
-            </a:r>
-          </a:p>
-          <a:p>
-            <a:pPr lvl="2"/>
-            <a:r>
-              <a:rPr lang="en-US" sz="1300" dirty="0"/>
-              <a:t>p </a:t>
-            </a:r>
-            <a:r>
-              <a:rPr lang="en-US" sz="1300" dirty="0" err="1"/>
-              <a:t>buf</a:t>
-            </a:r>
-            <a:r>
-              <a:rPr lang="en-US" sz="1300" dirty="0"/>
-              <a:t> (print the value of </a:t>
-            </a:r>
-            <a:r>
-              <a:rPr lang="en-US" sz="1300" dirty="0" err="1"/>
-              <a:t>buf</a:t>
-            </a:r>
-            <a:r>
-              <a:rPr lang="en-US" sz="1300" dirty="0"/>
-              <a:t>)</a:t>
-            </a:r>
-          </a:p>
-          <a:p>
-            <a:pPr lvl="2"/>
-            <a:r>
-              <a:rPr lang="en-US" sz="1300" dirty="0"/>
-              <a:t>p &amp;</a:t>
-            </a:r>
-            <a:r>
-              <a:rPr lang="en-US" sz="1300" dirty="0" err="1"/>
-              <a:t>buf</a:t>
-            </a:r>
-            <a:r>
-              <a:rPr lang="en-US" sz="1300" dirty="0"/>
-              <a:t> (print the address of </a:t>
-            </a:r>
-            <a:r>
-              <a:rPr lang="en-US" sz="1300" dirty="0" err="1"/>
-              <a:t>buf</a:t>
-            </a:r>
-            <a:r>
-              <a:rPr lang="en-US" sz="1300" dirty="0"/>
-              <a:t>)</a:t>
-            </a:r>
-          </a:p>
-          <a:p>
-            <a:pPr lvl="2"/>
-            <a:endParaRPr lang="en-US" sz="1300" dirty="0"/>
-          </a:p>
-        </p:txBody>
-      </p:sp>
+              <a:t>Collaboration!</a:t>
+            </a:r>
+          </a:p>
+        </p:txBody>
+      </p:sp>
+      <p:pic>
+        <p:nvPicPr>
+          <p:cNvPr id="4" name="Picture 3"/>
+          <p:cNvPicPr>
+            <a:picLocks noChangeAspect="1"/>
+          </p:cNvPicPr>
+          <p:nvPr/>
+        </p:nvPicPr>
+        <p:blipFill>
+          <a:blip r:embed="rId2"/>
+          <a:stretch>
+            <a:fillRect/>
+          </a:stretch>
+        </p:blipFill>
+        <p:spPr>
+          <a:xfrm>
+            <a:off x="964096" y="1570746"/>
+            <a:ext cx="9786730" cy="4795762"/>
+          </a:xfrm>
+          <a:prstGeom prst="rect">
+            <a:avLst/>
+          </a:prstGeom>
+        </p:spPr>
+      </p:pic>
     </p:spTree>
     <p:extLst>
       <p:ext uri="{BB962C8B-B14F-4D97-AF65-F5344CB8AC3E}">
-        <p14:creationId xmlns:p14="http://schemas.microsoft.com/office/powerpoint/2010/main" val="2846323816"/>
+        <p14:creationId xmlns:p14="http://schemas.microsoft.com/office/powerpoint/2010/main" val="3205433466"/>
       </p:ext>
     </p:extLst>
   </p:cSld>
@@ -6654,7 +7819,7 @@
       </p:grpSpPr>
       <p:sp>
         <p:nvSpPr>
-          <p:cNvPr id="4" name="Title 1"/>
+          <p:cNvPr id="2" name="Title 1"/>
           <p:cNvSpPr>
             <a:spLocks noGrp="1"/>
           </p:cNvSpPr>
@@ -6662,68 +7827,21 @@
             <p:ph type="title"/>
           </p:nvPr>
         </p:nvSpPr>
-        <p:spPr>
-          <a:xfrm>
-            <a:off x="646111" y="452718"/>
-            <a:ext cx="9404723" cy="1400530"/>
-          </a:xfrm>
-        </p:spPr>
+        <p:spPr/>
         <p:txBody>
           <a:bodyPr/>
           <a:lstStyle/>
           <a:p>
             <a:r>
               <a:rPr lang="en-US" dirty="0"/>
-              <a:t>Printing</a:t>
-            </a:r>
-          </a:p>
-        </p:txBody>
-      </p:sp>
-      <p:sp>
-        <p:nvSpPr>
-          <p:cNvPr id="5" name="Content Placeholder 2"/>
-          <p:cNvSpPr>
-            <a:spLocks noGrp="1"/>
-          </p:cNvSpPr>
-          <p:nvPr>
-            <p:ph idx="1"/>
-          </p:nvPr>
-        </p:nvSpPr>
-        <p:spPr>
-          <a:xfrm>
-            <a:off x="1104293" y="1489392"/>
-            <a:ext cx="8946541" cy="5081529"/>
-          </a:xfrm>
-        </p:spPr>
-        <p:txBody>
-          <a:bodyPr/>
-          <a:lstStyle/>
-          <a:p>
-            <a:r>
-              <a:rPr lang="en-US" b="1" dirty="0">
-                <a:solidFill>
-                  <a:srgbClr val="FF0000"/>
-                </a:solidFill>
-              </a:rPr>
-              <a:t>x</a:t>
-            </a:r>
-            <a:r>
-              <a:rPr lang="en-US" dirty="0"/>
-              <a:t>/&lt;format&gt; &lt;address&gt;</a:t>
-            </a:r>
-          </a:p>
-          <a:p>
-            <a:pPr lvl="1"/>
-            <a:r>
-              <a:rPr lang="en-US" dirty="0"/>
-              <a:t>Print out value in the specified format at address.</a:t>
+              <a:t>Merging with Master</a:t>
             </a:r>
           </a:p>
         </p:txBody>
       </p:sp>
       <p:pic>
         <p:nvPicPr>
-          <p:cNvPr id="7" name="Picture 6"/>
+          <p:cNvPr id="8" name="Picture 7"/>
           <p:cNvPicPr>
             <a:picLocks noChangeAspect="1"/>
           </p:cNvPicPr>
@@ -6737,8 +7855,8 @@
         </p:blipFill>
         <p:spPr>
           <a:xfrm>
-            <a:off x="1908866" y="2307265"/>
-            <a:ext cx="7343935" cy="3604437"/>
+            <a:off x="964094" y="1978861"/>
+            <a:ext cx="9990483" cy="3974993"/>
           </a:xfrm>
           <a:prstGeom prst="rect">
             <a:avLst/>
@@ -6748,7 +7866,7 @@
     </p:spTree>
     <p:extLst>
       <p:ext uri="{BB962C8B-B14F-4D97-AF65-F5344CB8AC3E}">
-        <p14:creationId xmlns:p14="http://schemas.microsoft.com/office/powerpoint/2010/main" val="1891320432"/>
+        <p14:creationId xmlns:p14="http://schemas.microsoft.com/office/powerpoint/2010/main" val="2813372664"/>
       </p:ext>
     </p:extLst>
   </p:cSld>
@@ -6777,7 +7895,7 @@
       </p:grpSpPr>
       <p:sp>
         <p:nvSpPr>
-          <p:cNvPr id="9" name="Title 8"/>
+          <p:cNvPr id="2" name="Title 1"/>
           <p:cNvSpPr>
             <a:spLocks noGrp="1"/>
           </p:cNvSpPr>
@@ -6792,60 +7910,14 @@
           <a:p>
             <a:r>
               <a:rPr lang="en-US" dirty="0"/>
-              <a:t>Manipulating Memory</a:t>
-            </a:r>
-          </a:p>
-        </p:txBody>
-      </p:sp>
-      <p:sp>
-        <p:nvSpPr>
-          <p:cNvPr id="11" name="Content Placeholder 2"/>
-          <p:cNvSpPr>
-            <a:spLocks noGrp="1"/>
-          </p:cNvSpPr>
-          <p:nvPr>
-            <p:ph idx="1"/>
-          </p:nvPr>
-        </p:nvSpPr>
-        <p:spPr>
-          <a:xfrm>
-            <a:off x="1104293" y="1489392"/>
-            <a:ext cx="8946541" cy="4195481"/>
-          </a:xfrm>
-        </p:spPr>
-        <p:txBody>
-          <a:bodyPr/>
-          <a:lstStyle/>
-          <a:p>
-            <a:r>
-              <a:rPr lang="en-US" b="1" dirty="0">
-                <a:solidFill>
-                  <a:srgbClr val="FF0000"/>
-                </a:solidFill>
-              </a:rPr>
-              <a:t>set</a:t>
-            </a:r>
-            <a:endParaRPr lang="en-US" dirty="0"/>
-          </a:p>
-          <a:p>
-            <a:pPr lvl="1"/>
-            <a:r>
-              <a:rPr lang="en-US" dirty="0"/>
-              <a:t>Sets a variable, address, register etc. to the specified value</a:t>
-            </a:r>
-          </a:p>
-          <a:p>
-            <a:pPr lvl="1"/>
-            <a:r>
-              <a:rPr lang="en-US" dirty="0"/>
-              <a:t>Can look a little messy</a:t>
+              <a:t>What if Master is ahead?</a:t>
             </a:r>
           </a:p>
         </p:txBody>
       </p:sp>
       <p:pic>
         <p:nvPicPr>
-          <p:cNvPr id="13" name="Picture 12"/>
+          <p:cNvPr id="4" name="Picture 3"/>
           <p:cNvPicPr>
             <a:picLocks noChangeAspect="1"/>
           </p:cNvPicPr>
@@ -6859,8 +7931,8 @@
         </p:blipFill>
         <p:spPr>
           <a:xfrm>
-            <a:off x="1104293" y="3148032"/>
-            <a:ext cx="8562975" cy="2200275"/>
+            <a:off x="745435" y="1736038"/>
+            <a:ext cx="10094843" cy="4399236"/>
           </a:xfrm>
           <a:prstGeom prst="rect">
             <a:avLst/>
@@ -6870,7 +7942,7 @@
     </p:spTree>
     <p:extLst>
       <p:ext uri="{BB962C8B-B14F-4D97-AF65-F5344CB8AC3E}">
-        <p14:creationId xmlns:p14="http://schemas.microsoft.com/office/powerpoint/2010/main" val="2977349481"/>
+        <p14:creationId xmlns:p14="http://schemas.microsoft.com/office/powerpoint/2010/main" val="857855302"/>
       </p:ext>
     </p:extLst>
   </p:cSld>
@@ -6914,173 +7986,7 @@
           <a:p>
             <a:r>
               <a:rPr lang="en-US" dirty="0"/>
-              <a:t>Layouts</a:t>
-            </a:r>
-          </a:p>
-        </p:txBody>
-      </p:sp>
-      <p:sp>
-        <p:nvSpPr>
-          <p:cNvPr id="3" name="Content Placeholder 2"/>
-          <p:cNvSpPr>
-            <a:spLocks noGrp="1"/>
-          </p:cNvSpPr>
-          <p:nvPr>
-            <p:ph idx="1"/>
-          </p:nvPr>
-        </p:nvSpPr>
-        <p:spPr>
-          <a:xfrm>
-            <a:off x="1103312" y="1424763"/>
-            <a:ext cx="8946541" cy="5188687"/>
-          </a:xfrm>
-        </p:spPr>
-        <p:txBody>
-          <a:bodyPr>
-            <a:normAutofit/>
-          </a:bodyPr>
-          <a:lstStyle/>
-          <a:p>
-            <a:r>
-              <a:rPr lang="en-US" b="1" dirty="0">
-                <a:solidFill>
-                  <a:srgbClr val="FF0000"/>
-                </a:solidFill>
-              </a:rPr>
-              <a:t>layout</a:t>
-            </a:r>
-            <a:r>
-              <a:rPr lang="en-US" dirty="0"/>
-              <a:t> &lt;</a:t>
-            </a:r>
-            <a:r>
-              <a:rPr lang="en-US" dirty="0" err="1"/>
-              <a:t>asm</a:t>
-            </a:r>
-            <a:r>
-              <a:rPr lang="en-US" dirty="0"/>
-              <a:t> | </a:t>
-            </a:r>
-            <a:r>
-              <a:rPr lang="en-US" dirty="0" err="1"/>
-              <a:t>regs</a:t>
-            </a:r>
-            <a:r>
-              <a:rPr lang="en-US" dirty="0"/>
-              <a:t> | </a:t>
-            </a:r>
-            <a:r>
-              <a:rPr lang="en-US" dirty="0" err="1"/>
-              <a:t>src</a:t>
-            </a:r>
-            <a:r>
-              <a:rPr lang="en-US" dirty="0"/>
-              <a:t> | split&gt;</a:t>
-            </a:r>
-          </a:p>
-          <a:p>
-            <a:pPr lvl="1"/>
-            <a:r>
-              <a:rPr lang="en-US" dirty="0"/>
-              <a:t>Displays assembly, registers, source code or a combination of them!</a:t>
-            </a:r>
-            <a:br>
-              <a:rPr lang="en-US" dirty="0"/>
-            </a:br>
-            <a:br>
-              <a:rPr lang="en-US" dirty="0"/>
-            </a:br>
-            <a:br>
-              <a:rPr lang="en-US" dirty="0"/>
-            </a:br>
-            <a:br>
-              <a:rPr lang="en-US" dirty="0"/>
-            </a:br>
-            <a:br>
-              <a:rPr lang="en-US" dirty="0"/>
-            </a:br>
-            <a:br>
-              <a:rPr lang="en-US" dirty="0"/>
-            </a:br>
-            <a:br>
-              <a:rPr lang="en-US" dirty="0"/>
-            </a:br>
-            <a:br>
-              <a:rPr lang="en-US" dirty="0"/>
-            </a:br>
-            <a:br>
-              <a:rPr lang="en-US" dirty="0"/>
-            </a:br>
-            <a:br>
-              <a:rPr lang="en-US" dirty="0"/>
-            </a:br>
-            <a:br>
-              <a:rPr lang="en-US" dirty="0"/>
-            </a:br>
-            <a:br>
-              <a:rPr lang="en-US" dirty="0"/>
-            </a:br>
-            <a:endParaRPr lang="en-US" dirty="0"/>
-          </a:p>
-          <a:p>
-            <a:r>
-              <a:rPr lang="en-US" b="1" dirty="0">
-                <a:solidFill>
-                  <a:srgbClr val="FF0000"/>
-                </a:solidFill>
-              </a:rPr>
-              <a:t>focus</a:t>
-            </a:r>
-            <a:r>
-              <a:rPr lang="en-US" dirty="0"/>
-              <a:t> &lt;</a:t>
-            </a:r>
-            <a:r>
-              <a:rPr lang="en-US" dirty="0" err="1"/>
-              <a:t>asm</a:t>
-            </a:r>
-            <a:r>
-              <a:rPr lang="en-US" dirty="0"/>
-              <a:t> | </a:t>
-            </a:r>
-            <a:r>
-              <a:rPr lang="en-US" dirty="0" err="1"/>
-              <a:t>regs</a:t>
-            </a:r>
-            <a:r>
-              <a:rPr lang="en-US" dirty="0"/>
-              <a:t> | </a:t>
-            </a:r>
-            <a:r>
-              <a:rPr lang="en-US" dirty="0" err="1"/>
-              <a:t>src</a:t>
-            </a:r>
-            <a:r>
-              <a:rPr lang="en-US" dirty="0"/>
-              <a:t> | </a:t>
-            </a:r>
-            <a:r>
-              <a:rPr lang="en-US" dirty="0" err="1"/>
-              <a:t>cmd</a:t>
-            </a:r>
-            <a:r>
-              <a:rPr lang="en-US" dirty="0"/>
-              <a:t> | next | </a:t>
-            </a:r>
-            <a:r>
-              <a:rPr lang="en-US" dirty="0" err="1"/>
-              <a:t>prev</a:t>
-            </a:r>
-            <a:r>
-              <a:rPr lang="en-US" dirty="0"/>
-              <a:t>&gt;</a:t>
-            </a:r>
-          </a:p>
-          <a:p>
-            <a:pPr lvl="1"/>
-            <a:r>
-              <a:rPr lang="en-US" dirty="0"/>
-              <a:t>Change focus to specified pane. </a:t>
+              <a:t>Merge then push!</a:t>
             </a:r>
           </a:p>
         </p:txBody>
@@ -7101,95 +8007,18 @@
         </p:blipFill>
         <p:spPr>
           <a:xfrm>
-            <a:off x="2592434" y="2258006"/>
-            <a:ext cx="5512076" cy="3302046"/>
+            <a:off x="735495" y="2167844"/>
+            <a:ext cx="10323443" cy="3455955"/>
           </a:xfrm>
           <a:prstGeom prst="rect">
             <a:avLst/>
           </a:prstGeom>
         </p:spPr>
       </p:pic>
-      <p:sp>
-        <p:nvSpPr>
-          <p:cNvPr id="5" name="Rectangle 4"/>
-          <p:cNvSpPr/>
-          <p:nvPr/>
-        </p:nvSpPr>
-        <p:spPr>
-          <a:xfrm>
-            <a:off x="8771860" y="3306726"/>
-            <a:ext cx="2307266" cy="1573617"/>
-          </a:xfrm>
-          <a:prstGeom prst="rect">
-            <a:avLst/>
-          </a:prstGeom>
-        </p:spPr>
-        <p:style>
-          <a:lnRef idx="2">
-            <a:schemeClr val="accent1">
-              <a:shade val="50000"/>
-            </a:schemeClr>
-          </a:lnRef>
-          <a:fillRef idx="1">
-            <a:schemeClr val="accent1"/>
-          </a:fillRef>
-          <a:effectRef idx="0">
-            <a:schemeClr val="accent1"/>
-          </a:effectRef>
-          <a:fontRef idx="minor">
-            <a:schemeClr val="lt1"/>
-          </a:fontRef>
-        </p:style>
-        <p:txBody>
-          <a:bodyPr rtlCol="0" anchor="ctr"/>
-          <a:lstStyle/>
-          <a:p>
-            <a:pPr algn="ctr"/>
-            <a:endParaRPr lang="en-US"/>
-          </a:p>
-        </p:txBody>
-      </p:sp>
-      <p:sp>
-        <p:nvSpPr>
-          <p:cNvPr id="6" name="TextBox 5"/>
-          <p:cNvSpPr txBox="1"/>
-          <p:nvPr/>
-        </p:nvSpPr>
-        <p:spPr>
-          <a:xfrm>
-            <a:off x="8761228" y="3306726"/>
-            <a:ext cx="2317898" cy="1477328"/>
-          </a:xfrm>
-          <a:prstGeom prst="rect">
-            <a:avLst/>
-          </a:prstGeom>
-          <a:noFill/>
-        </p:spPr>
-        <p:txBody>
-          <a:bodyPr wrap="square" rtlCol="0">
-            <a:spAutoFit/>
-          </a:bodyPr>
-          <a:lstStyle/>
-          <a:p>
-            <a:pPr algn="ctr"/>
-            <a:r>
-              <a:rPr lang="en-US" dirty="0"/>
-              <a:t>Tip:</a:t>
-            </a:r>
-          </a:p>
-          <a:p>
-            <a:pPr algn="ctr"/>
-            <a:r>
-              <a:rPr lang="en-US" dirty="0"/>
-              <a:t>Use ‘Ctrl + x’ followed by ‘a’ to return to the normal interface.</a:t>
-            </a:r>
-          </a:p>
-        </p:txBody>
-      </p:sp>
     </p:spTree>
     <p:extLst>
       <p:ext uri="{BB962C8B-B14F-4D97-AF65-F5344CB8AC3E}">
-        <p14:creationId xmlns:p14="http://schemas.microsoft.com/office/powerpoint/2010/main" val="2644054811"/>
+        <p14:creationId xmlns:p14="http://schemas.microsoft.com/office/powerpoint/2010/main" val="3457511767"/>
       </p:ext>
     </p:extLst>
   </p:cSld>
@@ -7199,7 +8028,7 @@
 </p:sld>
 </file>
 
-<file path=ppt/slides/slide2.xml><?xml version="1.0" encoding="utf-8"?>
+<file path=ppt/slides/slide16.xml><?xml version="1.0" encoding="utf-8"?>
 <p:sld xmlns:a="http://schemas.openxmlformats.org/drawingml/2006/main" xmlns:r="http://schemas.openxmlformats.org/officeDocument/2006/relationships" xmlns:p="http://schemas.openxmlformats.org/presentationml/2006/main">
   <p:cSld>
     <p:spTree>
@@ -7232,9 +8061,18 @@
           <a:lstStyle/>
           <a:p>
             <a:r>
-              <a:rPr lang="en-US" dirty="0"/>
-              <a:t>Who am I?</a:t>
-            </a:r>
+              <a:rPr lang="en-US" dirty="0" err="1"/>
+              <a:t>git</a:t>
+            </a:r>
+            <a:r>
+              <a:rPr lang="en-US" dirty="0"/>
+              <a:t> </a:t>
+            </a:r>
+            <a:r>
+              <a:rPr lang="en-US" dirty="0" err="1"/>
+              <a:t>config</a:t>
+            </a:r>
+            <a:endParaRPr lang="en-US" dirty="0"/>
           </a:p>
         </p:txBody>
       </p:sp>
@@ -7254,59 +8092,106 @@
           <a:lstStyle/>
           <a:p>
             <a:r>
-              <a:rPr lang="en-US" dirty="0"/>
-              <a:t>Vice President of LUG</a:t>
-            </a:r>
-          </a:p>
-          <a:p>
-            <a:r>
-              <a:rPr lang="en-US" dirty="0"/>
-              <a:t>Final year at UIC! ;(</a:t>
-            </a:r>
-          </a:p>
-          <a:p>
-            <a:r>
-              <a:rPr lang="en-US" dirty="0"/>
-              <a:t>Interest in Security</a:t>
+              <a:rPr lang="en-US" dirty="0" err="1"/>
+              <a:t>Git</a:t>
+            </a:r>
+            <a:r>
+              <a:rPr lang="en-US" dirty="0"/>
+              <a:t> needs to know who to associate with your commits!</a:t>
             </a:r>
           </a:p>
           <a:p>
             <a:pPr lvl="1"/>
             <a:r>
-              <a:rPr lang="en-US" dirty="0"/>
-              <a:t>Shameless plug for my SIG</a:t>
-            </a:r>
-          </a:p>
-        </p:txBody>
-      </p:sp>
-      <p:pic>
-        <p:nvPicPr>
-          <p:cNvPr id="4" name="Picture 3"/>
-          <p:cNvPicPr>
-            <a:picLocks noChangeAspect="1"/>
-          </p:cNvPicPr>
-          <p:nvPr/>
-        </p:nvPicPr>
-        <p:blipFill>
-          <a:blip r:embed="rId2"/>
-          <a:stretch>
-            <a:fillRect/>
-          </a:stretch>
-        </p:blipFill>
-        <p:spPr>
-          <a:xfrm>
-            <a:off x="1839672" y="3937577"/>
-            <a:ext cx="7473820" cy="1655276"/>
-          </a:xfrm>
-          <a:prstGeom prst="rect">
-            <a:avLst/>
-          </a:prstGeom>
-        </p:spPr>
-      </p:pic>
+              <a:rPr lang="en-US" b="1" dirty="0" err="1">
+                <a:solidFill>
+                  <a:srgbClr val="FF0000"/>
+                </a:solidFill>
+              </a:rPr>
+              <a:t>git</a:t>
+            </a:r>
+            <a:r>
+              <a:rPr lang="en-US" b="1" dirty="0">
+                <a:solidFill>
+                  <a:srgbClr val="FF0000"/>
+                </a:solidFill>
+              </a:rPr>
+              <a:t> </a:t>
+            </a:r>
+            <a:r>
+              <a:rPr lang="en-US" b="1" dirty="0" err="1">
+                <a:solidFill>
+                  <a:srgbClr val="FF0000"/>
+                </a:solidFill>
+              </a:rPr>
+              <a:t>config</a:t>
+            </a:r>
+            <a:r>
+              <a:rPr lang="en-US" b="1" dirty="0">
+                <a:solidFill>
+                  <a:srgbClr val="FF0000"/>
+                </a:solidFill>
+              </a:rPr>
+              <a:t> </a:t>
+            </a:r>
+            <a:r>
+              <a:rPr lang="en-US" dirty="0"/>
+              <a:t>--global user.name “Michael Baccia”</a:t>
+            </a:r>
+          </a:p>
+          <a:p>
+            <a:pPr lvl="1"/>
+            <a:r>
+              <a:rPr lang="en-US" b="1" dirty="0" err="1">
+                <a:solidFill>
+                  <a:srgbClr val="FF0000"/>
+                </a:solidFill>
+              </a:rPr>
+              <a:t>git</a:t>
+            </a:r>
+            <a:r>
+              <a:rPr lang="en-US" b="1" dirty="0">
+                <a:solidFill>
+                  <a:srgbClr val="FF0000"/>
+                </a:solidFill>
+              </a:rPr>
+              <a:t> </a:t>
+            </a:r>
+            <a:r>
+              <a:rPr lang="en-US" b="1" dirty="0" err="1">
+                <a:solidFill>
+                  <a:srgbClr val="FF0000"/>
+                </a:solidFill>
+              </a:rPr>
+              <a:t>config</a:t>
+            </a:r>
+            <a:r>
+              <a:rPr lang="en-US" b="1" dirty="0">
+                <a:solidFill>
+                  <a:srgbClr val="FF0000"/>
+                </a:solidFill>
+              </a:rPr>
+              <a:t> </a:t>
+            </a:r>
+            <a:r>
+              <a:rPr lang="en-US" dirty="0"/>
+              <a:t>--global </a:t>
+            </a:r>
+            <a:r>
+              <a:rPr lang="en-US" dirty="0" err="1"/>
+              <a:t>user.email</a:t>
+            </a:r>
+            <a:r>
+              <a:rPr lang="en-US" dirty="0"/>
+              <a:t> “mbacci3@uic.edu”</a:t>
+            </a:r>
+          </a:p>
+        </p:txBody>
+      </p:sp>
     </p:spTree>
     <p:extLst>
       <p:ext uri="{BB962C8B-B14F-4D97-AF65-F5344CB8AC3E}">
-        <p14:creationId xmlns:p14="http://schemas.microsoft.com/office/powerpoint/2010/main" val="4231303475"/>
+        <p14:creationId xmlns:p14="http://schemas.microsoft.com/office/powerpoint/2010/main" val="464973647"/>
       </p:ext>
     </p:extLst>
   </p:cSld>
@@ -7316,7 +8201,7 @@
 </p:sld>
 </file>
 
-<file path=ppt/slides/slide3.xml><?xml version="1.0" encoding="utf-8"?>
+<file path=ppt/slides/slide17.xml><?xml version="1.0" encoding="utf-8"?>
 <p:sld xmlns:a="http://schemas.openxmlformats.org/drawingml/2006/main" xmlns:r="http://schemas.openxmlformats.org/officeDocument/2006/relationships" xmlns:p="http://schemas.openxmlformats.org/presentationml/2006/main">
   <p:cSld>
     <p:spTree>
@@ -7350,7 +8235,7 @@
           <a:p>
             <a:r>
               <a:rPr lang="en-US" dirty="0"/>
-              <a:t>No Linux? No problem!</a:t>
+              <a:t>Basic Commands</a:t>
             </a:r>
           </a:p>
         </p:txBody>
@@ -7365,76 +8250,220 @@
             <p:ph idx="1"/>
           </p:nvPr>
         </p:nvSpPr>
-        <p:spPr/>
-        <p:txBody>
-          <a:bodyPr/>
-          <a:lstStyle/>
-          <a:p>
-            <a:r>
-              <a:rPr lang="en-US" dirty="0"/>
-              <a:t>Windows 10 recently added Bash for Windows with the Anniversary update!</a:t>
-            </a:r>
-          </a:p>
-          <a:p>
-            <a:r>
-              <a:rPr lang="en-US" dirty="0"/>
-              <a:t>Enable in control panel under Programs and Features -&gt; Turn features on or off:</a:t>
-            </a:r>
-          </a:p>
-        </p:txBody>
-      </p:sp>
-      <p:pic>
-        <p:nvPicPr>
-          <p:cNvPr id="4" name="Picture 3"/>
-          <p:cNvPicPr>
-            <a:picLocks noChangeAspect="1"/>
-          </p:cNvPicPr>
-          <p:nvPr/>
-        </p:nvPicPr>
-        <p:blipFill>
-          <a:blip r:embed="rId2"/>
-          <a:stretch>
-            <a:fillRect/>
-          </a:stretch>
-        </p:blipFill>
-        <p:spPr>
-          <a:xfrm>
-            <a:off x="1543996" y="3640822"/>
-            <a:ext cx="2288608" cy="3024231"/>
-          </a:xfrm>
-          <a:prstGeom prst="rect">
-            <a:avLst/>
-          </a:prstGeom>
-        </p:spPr>
-      </p:pic>
-      <p:pic>
-        <p:nvPicPr>
-          <p:cNvPr id="5" name="Picture 4"/>
-          <p:cNvPicPr>
-            <a:picLocks noChangeAspect="1"/>
-          </p:cNvPicPr>
-          <p:nvPr/>
-        </p:nvPicPr>
-        <p:blipFill>
-          <a:blip r:embed="rId3"/>
-          <a:stretch>
-            <a:fillRect/>
-          </a:stretch>
-        </p:blipFill>
-        <p:spPr>
-          <a:xfrm>
-            <a:off x="5121086" y="3727880"/>
-            <a:ext cx="4688735" cy="2850113"/>
-          </a:xfrm>
-          <a:prstGeom prst="rect">
-            <a:avLst/>
-          </a:prstGeom>
-        </p:spPr>
-      </p:pic>
+        <p:spPr>
+          <a:xfrm>
+            <a:off x="1104293" y="1411844"/>
+            <a:ext cx="8946541" cy="4195481"/>
+          </a:xfrm>
+        </p:spPr>
+        <p:txBody>
+          <a:bodyPr>
+            <a:noAutofit/>
+          </a:bodyPr>
+          <a:lstStyle/>
+          <a:p>
+            <a:r>
+              <a:rPr lang="en-US" sz="1600" b="1" dirty="0" err="1">
+                <a:solidFill>
+                  <a:srgbClr val="FF0000"/>
+                </a:solidFill>
+              </a:rPr>
+              <a:t>git</a:t>
+            </a:r>
+            <a:r>
+              <a:rPr lang="en-US" sz="1600" b="1" dirty="0">
+                <a:solidFill>
+                  <a:srgbClr val="FF0000"/>
+                </a:solidFill>
+              </a:rPr>
+              <a:t> </a:t>
+            </a:r>
+            <a:r>
+              <a:rPr lang="en-US" sz="1600" b="1" dirty="0" err="1">
+                <a:solidFill>
+                  <a:srgbClr val="FF0000"/>
+                </a:solidFill>
+              </a:rPr>
+              <a:t>init</a:t>
+            </a:r>
+            <a:endParaRPr lang="en-US" sz="1600" b="1" dirty="0">
+              <a:solidFill>
+                <a:srgbClr val="FF0000"/>
+              </a:solidFill>
+            </a:endParaRPr>
+          </a:p>
+          <a:p>
+            <a:pPr lvl="1"/>
+            <a:r>
+              <a:rPr lang="en-US" sz="1600" dirty="0"/>
+              <a:t>Initialize an empty repository</a:t>
+            </a:r>
+          </a:p>
+          <a:p>
+            <a:r>
+              <a:rPr lang="en-US" sz="1600" b="1" dirty="0" err="1">
+                <a:solidFill>
+                  <a:srgbClr val="FF0000"/>
+                </a:solidFill>
+              </a:rPr>
+              <a:t>git</a:t>
+            </a:r>
+            <a:r>
+              <a:rPr lang="en-US" sz="1600" b="1" dirty="0">
+                <a:solidFill>
+                  <a:srgbClr val="FF0000"/>
+                </a:solidFill>
+              </a:rPr>
+              <a:t> status</a:t>
+            </a:r>
+          </a:p>
+          <a:p>
+            <a:pPr lvl="1"/>
+            <a:r>
+              <a:rPr lang="en-US" sz="1600" dirty="0"/>
+              <a:t>shows what’s currently in the staging area</a:t>
+            </a:r>
+          </a:p>
+          <a:p>
+            <a:r>
+              <a:rPr lang="en-US" sz="1600" b="1" dirty="0" err="1">
+                <a:solidFill>
+                  <a:srgbClr val="FF0000"/>
+                </a:solidFill>
+              </a:rPr>
+              <a:t>git</a:t>
+            </a:r>
+            <a:r>
+              <a:rPr lang="en-US" sz="1600" b="1" dirty="0">
+                <a:solidFill>
+                  <a:srgbClr val="FF0000"/>
+                </a:solidFill>
+              </a:rPr>
+              <a:t> log</a:t>
+            </a:r>
+          </a:p>
+          <a:p>
+            <a:pPr lvl="1"/>
+            <a:r>
+              <a:rPr lang="en-US" sz="1600" dirty="0"/>
+              <a:t>shows commit history</a:t>
+            </a:r>
+          </a:p>
+          <a:p>
+            <a:r>
+              <a:rPr lang="en-US" sz="1600" b="1" dirty="0" err="1">
+                <a:solidFill>
+                  <a:srgbClr val="FF0000"/>
+                </a:solidFill>
+              </a:rPr>
+              <a:t>git</a:t>
+            </a:r>
+            <a:r>
+              <a:rPr lang="en-US" sz="1600" b="1" dirty="0">
+                <a:solidFill>
+                  <a:srgbClr val="FF0000"/>
+                </a:solidFill>
+              </a:rPr>
+              <a:t> add </a:t>
+            </a:r>
+            <a:r>
+              <a:rPr lang="en-US" sz="1600" dirty="0"/>
+              <a:t>&lt;filenames&gt; </a:t>
+            </a:r>
+          </a:p>
+          <a:p>
+            <a:pPr lvl="1"/>
+            <a:r>
+              <a:rPr lang="en-US" sz="1600" dirty="0"/>
+              <a:t>add files to the staging area</a:t>
+            </a:r>
+          </a:p>
+          <a:p>
+            <a:pPr lvl="1"/>
+            <a:r>
+              <a:rPr lang="en-US" sz="1600" dirty="0"/>
+              <a:t>can use * to add all files</a:t>
+            </a:r>
+          </a:p>
+          <a:p>
+            <a:pPr lvl="2"/>
+            <a:r>
+              <a:rPr lang="en-US" dirty="0"/>
+              <a:t>will ignore files in your .</a:t>
+            </a:r>
+            <a:r>
+              <a:rPr lang="en-US" dirty="0" err="1"/>
+              <a:t>gitignore</a:t>
+            </a:r>
+            <a:r>
+              <a:rPr lang="en-US" dirty="0"/>
+              <a:t> file</a:t>
+            </a:r>
+          </a:p>
+          <a:p>
+            <a:r>
+              <a:rPr lang="en-US" sz="1600" b="1" dirty="0" err="1">
+                <a:solidFill>
+                  <a:srgbClr val="FF0000"/>
+                </a:solidFill>
+              </a:rPr>
+              <a:t>git</a:t>
+            </a:r>
+            <a:r>
+              <a:rPr lang="en-US" sz="1600" b="1" dirty="0">
+                <a:solidFill>
+                  <a:srgbClr val="FF0000"/>
+                </a:solidFill>
+              </a:rPr>
+              <a:t> commit </a:t>
+            </a:r>
+            <a:r>
+              <a:rPr lang="en-US" sz="1600" dirty="0"/>
+              <a:t>[-m “message”]</a:t>
+            </a:r>
+          </a:p>
+          <a:p>
+            <a:pPr lvl="1"/>
+            <a:r>
+              <a:rPr lang="en-US" sz="1600" dirty="0"/>
+              <a:t>commit what’s currently in the staging area</a:t>
+            </a:r>
+          </a:p>
+          <a:p>
+            <a:r>
+              <a:rPr lang="en-US" sz="1600" b="1" dirty="0" err="1">
+                <a:solidFill>
+                  <a:srgbClr val="FF0000"/>
+                </a:solidFill>
+              </a:rPr>
+              <a:t>git</a:t>
+            </a:r>
+            <a:r>
+              <a:rPr lang="en-US" sz="1600" b="1" dirty="0">
+                <a:solidFill>
+                  <a:srgbClr val="FF0000"/>
+                </a:solidFill>
+              </a:rPr>
+              <a:t> reset </a:t>
+            </a:r>
+            <a:r>
+              <a:rPr lang="en-US" sz="1600" dirty="0"/>
+              <a:t>[--soft | --mixed | --hard]</a:t>
+            </a:r>
+          </a:p>
+          <a:p>
+            <a:pPr lvl="1"/>
+            <a:r>
+              <a:rPr lang="en-US" sz="1600" dirty="0"/>
+              <a:t>resets to a prior commit</a:t>
+            </a:r>
+          </a:p>
+        </p:txBody>
+      </p:sp>
     </p:spTree>
     <p:extLst>
       <p:ext uri="{BB962C8B-B14F-4D97-AF65-F5344CB8AC3E}">
-        <p14:creationId xmlns:p14="http://schemas.microsoft.com/office/powerpoint/2010/main" val="1074766701"/>
+        <p14:creationId xmlns:p14="http://schemas.microsoft.com/office/powerpoint/2010/main" val="2395450636"/>
       </p:ext>
     </p:extLst>
   </p:cSld>
@@ -7444,7 +8473,7 @@
 </p:sld>
 </file>
 
-<file path=ppt/slides/slide4.xml><?xml version="1.0" encoding="utf-8"?>
+<file path=ppt/slides/slide18.xml><?xml version="1.0" encoding="utf-8"?>
 <p:sld xmlns:a="http://schemas.openxmlformats.org/drawingml/2006/main" xmlns:r="http://schemas.openxmlformats.org/officeDocument/2006/relationships" xmlns:p="http://schemas.openxmlformats.org/presentationml/2006/main">
   <p:cSld>
     <p:spTree>
@@ -7478,7 +8507,7 @@
           <a:p>
             <a:r>
               <a:rPr lang="en-US" dirty="0"/>
-              <a:t>What is GDB?</a:t>
+              <a:t>Remote Repo Commands</a:t>
             </a:r>
           </a:p>
         </p:txBody>
@@ -7499,105 +8528,171 @@
           <a:lstStyle/>
           <a:p>
             <a:r>
-              <a:rPr lang="en-US" dirty="0">
+              <a:rPr lang="en-US" b="1" dirty="0" err="1">
                 <a:solidFill>
-                  <a:srgbClr val="FFFF00"/>
+                  <a:srgbClr val="FF0000"/>
                 </a:solidFill>
               </a:rPr>
-              <a:t>G</a:t>
-            </a:r>
-            <a:r>
-              <a:rPr lang="en-US" dirty="0"/>
-              <a:t>NU Project </a:t>
-            </a:r>
-            <a:r>
-              <a:rPr lang="en-US" dirty="0" err="1">
+              <a:t>git</a:t>
+            </a:r>
+            <a:r>
+              <a:rPr lang="en-US" b="1" dirty="0">
                 <a:solidFill>
-                  <a:srgbClr val="FFFF00"/>
+                  <a:srgbClr val="FF0000"/>
                 </a:solidFill>
               </a:rPr>
-              <a:t>D</a:t>
-            </a:r>
-            <a:r>
-              <a:rPr lang="en-US" dirty="0" err="1"/>
-              <a:t>e</a:t>
-            </a:r>
-            <a:r>
-              <a:rPr lang="en-US" dirty="0" err="1">
+              <a:t> clone </a:t>
+            </a:r>
+            <a:r>
+              <a:rPr lang="en-US" dirty="0"/>
+              <a:t>&lt; remote repository &gt; </a:t>
+            </a:r>
+          </a:p>
+          <a:p>
+            <a:pPr lvl="1"/>
+            <a:r>
+              <a:rPr lang="en-US" dirty="0"/>
+              <a:t>Creates a local copy of the given repository</a:t>
+            </a:r>
+          </a:p>
+          <a:p>
+            <a:r>
+              <a:rPr lang="en-US" b="1" dirty="0" err="1">
                 <a:solidFill>
-                  <a:srgbClr val="FFFF00"/>
+                  <a:srgbClr val="FF0000"/>
                 </a:solidFill>
               </a:rPr>
-              <a:t>B</a:t>
+              <a:t>git</a:t>
+            </a:r>
+            <a:r>
+              <a:rPr lang="en-US" b="1" dirty="0">
+                <a:solidFill>
+                  <a:srgbClr val="FF0000"/>
+                </a:solidFill>
+              </a:rPr>
+              <a:t> fetch </a:t>
+            </a:r>
+            <a:r>
+              <a:rPr lang="en-US" dirty="0"/>
+              <a:t>[ repository ] [ branch ]</a:t>
+            </a:r>
+          </a:p>
+          <a:p>
+            <a:pPr lvl="1"/>
+            <a:r>
+              <a:rPr lang="en-US" dirty="0"/>
+              <a:t>Grabs new remote branches and tags WITHOUT merging</a:t>
+            </a:r>
+          </a:p>
+          <a:p>
+            <a:r>
+              <a:rPr lang="en-US" b="1" dirty="0" err="1">
+                <a:solidFill>
+                  <a:srgbClr val="FF0000"/>
+                </a:solidFill>
+              </a:rPr>
+              <a:t>git</a:t>
+            </a:r>
+            <a:r>
+              <a:rPr lang="en-US" b="1" dirty="0">
+                <a:solidFill>
+                  <a:srgbClr val="FF0000"/>
+                </a:solidFill>
+              </a:rPr>
+              <a:t> merge </a:t>
+            </a:r>
+            <a:r>
+              <a:rPr lang="en-US" dirty="0"/>
+              <a:t>[ remote ] [ branch ]</a:t>
+            </a:r>
+          </a:p>
+          <a:p>
+            <a:pPr lvl="1"/>
+            <a:r>
+              <a:rPr lang="en-US" dirty="0"/>
+              <a:t>Merge the remote tracked branch into the local branch</a:t>
+            </a:r>
+          </a:p>
+          <a:p>
+            <a:r>
+              <a:rPr lang="en-US" b="1" dirty="0" err="1">
+                <a:solidFill>
+                  <a:srgbClr val="FF0000"/>
+                </a:solidFill>
+              </a:rPr>
+              <a:t>git</a:t>
+            </a:r>
+            <a:r>
+              <a:rPr lang="en-US" b="1" dirty="0">
+                <a:solidFill>
+                  <a:srgbClr val="FF0000"/>
+                </a:solidFill>
+              </a:rPr>
+              <a:t> pull </a:t>
+            </a:r>
+            <a:r>
+              <a:rPr lang="en-US" dirty="0"/>
+              <a:t>[ remote ] [ branch ]</a:t>
+            </a:r>
+          </a:p>
+          <a:p>
+            <a:pPr lvl="1"/>
+            <a:r>
+              <a:rPr lang="en-US" dirty="0"/>
+              <a:t>Performs a </a:t>
             </a:r>
             <a:r>
               <a:rPr lang="en-US" dirty="0" err="1"/>
-              <a:t>ugger</a:t>
-            </a:r>
-            <a:endParaRPr lang="en-US" dirty="0"/>
-          </a:p>
-          <a:p>
-            <a:r>
-              <a:rPr lang="en-US" dirty="0"/>
-              <a:t>Multi-Platform debugger for C, C++, Objective-C and others.</a:t>
-            </a:r>
-          </a:p>
-          <a:p>
-            <a:r>
-              <a:rPr lang="en-US" dirty="0"/>
-              <a:t>Command-line interface</a:t>
-            </a:r>
-          </a:p>
-          <a:p>
-            <a:r>
-              <a:rPr lang="en-US" dirty="0"/>
-              <a:t>Many debugger act as a graphical interface to GDB, while others can interface with it!</a:t>
+              <a:t>git</a:t>
+            </a:r>
+            <a:r>
+              <a:rPr lang="en-US" dirty="0"/>
+              <a:t> fetch followed by a </a:t>
+            </a:r>
+            <a:r>
+              <a:rPr lang="en-US" dirty="0" err="1"/>
+              <a:t>git</a:t>
+            </a:r>
+            <a:r>
+              <a:rPr lang="en-US" dirty="0"/>
+              <a:t> merge</a:t>
+            </a:r>
+          </a:p>
+          <a:p>
+            <a:r>
+              <a:rPr lang="en-US" b="1" dirty="0" err="1">
+                <a:solidFill>
+                  <a:srgbClr val="FF0000"/>
+                </a:solidFill>
+              </a:rPr>
+              <a:t>git</a:t>
+            </a:r>
+            <a:r>
+              <a:rPr lang="en-US" b="1" dirty="0">
+                <a:solidFill>
+                  <a:srgbClr val="FF0000"/>
+                </a:solidFill>
+              </a:rPr>
+              <a:t> push </a:t>
+            </a:r>
+            <a:r>
+              <a:rPr lang="en-US" dirty="0"/>
+              <a:t>[ remote ] [ branch ]</a:t>
             </a:r>
           </a:p>
           <a:p>
             <a:pPr lvl="1"/>
             <a:r>
-              <a:rPr lang="en-US" dirty="0" err="1"/>
-              <a:t>Xcode</a:t>
-            </a:r>
-            <a:r>
-              <a:rPr lang="en-US" dirty="0"/>
-              <a:t> debugger (front-end)</a:t>
-            </a:r>
-          </a:p>
-          <a:p>
-            <a:pPr lvl="1"/>
-            <a:r>
-              <a:rPr lang="en-US" dirty="0"/>
-              <a:t>Eclipse, </a:t>
-            </a:r>
-            <a:r>
-              <a:rPr lang="en-US" dirty="0" err="1"/>
-              <a:t>Netbeans</a:t>
-            </a:r>
-            <a:r>
-              <a:rPr lang="en-US" dirty="0"/>
-              <a:t>, </a:t>
-            </a:r>
-            <a:r>
-              <a:rPr lang="en-US" dirty="0" err="1"/>
-              <a:t>Qt</a:t>
-            </a:r>
-            <a:r>
-              <a:rPr lang="en-US" dirty="0"/>
-              <a:t> Creator, Visual Studio (interface)</a:t>
-            </a:r>
-          </a:p>
-          <a:p>
-            <a:pPr lvl="1"/>
-            <a:endParaRPr lang="en-US" dirty="0"/>
+              <a:rPr lang="en-US" dirty="0"/>
+              <a:t>Pushes local commits to the remote repository</a:t>
+            </a:r>
           </a:p>
         </p:txBody>
       </p:sp>
     </p:spTree>
     <p:extLst>
       <p:ext uri="{BB962C8B-B14F-4D97-AF65-F5344CB8AC3E}">
-        <p14:creationId xmlns:p14="http://schemas.microsoft.com/office/powerpoint/2010/main" val="3919814423"/>
+        <p14:creationId xmlns:p14="http://schemas.microsoft.com/office/powerpoint/2010/main" val="802792521"/>
       </p:ext>
     </p:extLst>
   </p:cSld>
@@ -7607,7 +8702,7 @@
 </p:sld>
 </file>
 
-<file path=ppt/slides/slide5.xml><?xml version="1.0" encoding="utf-8"?>
+<file path=ppt/slides/slide19.xml><?xml version="1.0" encoding="utf-8"?>
 <p:sld xmlns:a="http://schemas.openxmlformats.org/drawingml/2006/main" xmlns:r="http://schemas.openxmlformats.org/officeDocument/2006/relationships" xmlns:p="http://schemas.openxmlformats.org/presentationml/2006/main">
   <p:cSld>
     <p:spTree>
@@ -7640,47 +8735,12 @@
           <a:lstStyle/>
           <a:p>
             <a:r>
-              <a:rPr lang="en-US" dirty="0"/>
-              <a:t>#1 Takeaway</a:t>
-            </a:r>
-          </a:p>
-        </p:txBody>
-      </p:sp>
-      <p:sp>
-        <p:nvSpPr>
-          <p:cNvPr id="3" name="Content Placeholder 2"/>
-          <p:cNvSpPr>
-            <a:spLocks noGrp="1"/>
-          </p:cNvSpPr>
-          <p:nvPr>
-            <p:ph idx="1"/>
-          </p:nvPr>
-        </p:nvSpPr>
-        <p:spPr/>
-        <p:txBody>
-          <a:bodyPr/>
-          <a:lstStyle/>
-          <a:p>
-            <a:r>
-              <a:rPr lang="en-US" dirty="0"/>
-              <a:t>For more help on a command, use the help command!</a:t>
-            </a:r>
-          </a:p>
-          <a:p>
-            <a:pPr lvl="1"/>
-            <a:r>
-              <a:rPr lang="en-US" dirty="0"/>
-              <a:t>help &lt;command&gt;</a:t>
-            </a:r>
-          </a:p>
-          <a:p>
-            <a:pPr lvl="1"/>
-            <a:endParaRPr lang="en-US" dirty="0"/>
-          </a:p>
-          <a:p>
-            <a:r>
-              <a:rPr lang="en-US" dirty="0"/>
-              <a:t>Read the manual!!!</a:t>
+              <a:rPr lang="en-US" dirty="0" err="1"/>
+              <a:t>Git</a:t>
+            </a:r>
+            <a:r>
+              <a:rPr lang="en-US" dirty="0"/>
+              <a:t> Demo!</a:t>
             </a:r>
           </a:p>
         </p:txBody>
@@ -7688,7 +8748,7 @@
     </p:spTree>
     <p:extLst>
       <p:ext uri="{BB962C8B-B14F-4D97-AF65-F5344CB8AC3E}">
-        <p14:creationId xmlns:p14="http://schemas.microsoft.com/office/powerpoint/2010/main" val="634672584"/>
+        <p14:creationId xmlns:p14="http://schemas.microsoft.com/office/powerpoint/2010/main" val="33299805"/>
       </p:ext>
     </p:extLst>
   </p:cSld>
@@ -7698,7 +8758,123 @@
 </p:sld>
 </file>
 
-<file path=ppt/slides/slide6.xml><?xml version="1.0" encoding="utf-8"?>
+<file path=ppt/slides/slide2.xml><?xml version="1.0" encoding="utf-8"?>
+<p:sld xmlns:a="http://schemas.openxmlformats.org/drawingml/2006/main" xmlns:r="http://schemas.openxmlformats.org/officeDocument/2006/relationships" xmlns:p="http://schemas.openxmlformats.org/presentationml/2006/main">
+  <p:cSld>
+    <p:spTree>
+      <p:nvGrpSpPr>
+        <p:cNvPr id="1" name="Shape 108"/>
+        <p:cNvGrpSpPr/>
+        <p:nvPr/>
+      </p:nvGrpSpPr>
+      <p:grpSpPr>
+        <a:xfrm>
+          <a:off x="0" y="0"/>
+          <a:ext cx="0" cy="0"/>
+          <a:chOff x="0" y="0"/>
+          <a:chExt cx="0" cy="0"/>
+        </a:xfrm>
+      </p:grpSpPr>
+      <p:sp>
+        <p:nvSpPr>
+          <p:cNvPr id="109" name="Shape 109"/>
+          <p:cNvSpPr txBox="1">
+            <a:spLocks noGrp="1"/>
+          </p:cNvSpPr>
+          <p:nvPr>
+            <p:ph type="title"/>
+          </p:nvPr>
+        </p:nvSpPr>
+        <p:spPr>
+          <a:xfrm>
+            <a:off x="415600" y="593367"/>
+            <a:ext cx="11360800" cy="763600"/>
+          </a:xfrm>
+          <a:prstGeom prst="rect">
+            <a:avLst/>
+          </a:prstGeom>
+        </p:spPr>
+        <p:txBody>
+          <a:bodyPr vert="horz" lIns="121900" tIns="121900" rIns="121900" bIns="121900" rtlCol="0" anchor="t" anchorCtr="0">
+            <a:noAutofit/>
+          </a:bodyPr>
+          <a:lstStyle/>
+          <a:p>
+            <a:r>
+              <a:rPr lang="en"/>
+              <a:t>Welcome to NEWBIE Week</a:t>
+            </a:r>
+          </a:p>
+        </p:txBody>
+      </p:sp>
+      <p:sp>
+        <p:nvSpPr>
+          <p:cNvPr id="110" name="Shape 110"/>
+          <p:cNvSpPr txBox="1">
+            <a:spLocks noGrp="1"/>
+          </p:cNvSpPr>
+          <p:nvPr>
+            <p:ph type="body" idx="1"/>
+          </p:nvPr>
+        </p:nvSpPr>
+        <p:spPr>
+          <a:xfrm>
+            <a:off x="415600" y="1536633"/>
+            <a:ext cx="11360800" cy="4555200"/>
+          </a:xfrm>
+          <a:prstGeom prst="rect">
+            <a:avLst/>
+          </a:prstGeom>
+        </p:spPr>
+        <p:txBody>
+          <a:bodyPr vert="horz" lIns="121900" tIns="121900" rIns="121900" bIns="121900" rtlCol="0" anchor="t" anchorCtr="0">
+            <a:noAutofit/>
+          </a:bodyPr>
+          <a:lstStyle/>
+          <a:p>
+            <a:pPr marL="609585" indent="-304792"/>
+            <a:r>
+              <a:rPr lang="en"/>
+              <a:t>Welcome everyone to the first Linux User’s Group event of the year.</a:t>
+            </a:r>
+          </a:p>
+          <a:p>
+            <a:pPr marL="609585" indent="-304792"/>
+            <a:r>
+              <a:rPr lang="en"/>
+              <a:t>This is mostly going to be geared towards students who want to use Linux, but do not know how.</a:t>
+            </a:r>
+          </a:p>
+          <a:p>
+            <a:pPr marL="609585" indent="-304792"/>
+            <a:r>
+              <a:rPr lang="en"/>
+              <a:t>There will be more events during the year geared towards more advanced users of Linux as well.</a:t>
+            </a:r>
+          </a:p>
+          <a:p>
+            <a:pPr marL="609585" indent="-304792"/>
+            <a:r>
+              <a:rPr lang="en"/>
+              <a:t>After NEWBIE week, we will be holding an event called install fest. This will give opportunities to students to install LINUX as a dualboot or however they would like. We will have many different distros to choose from.</a:t>
+            </a:r>
+          </a:p>
+        </p:txBody>
+      </p:sp>
+    </p:spTree>
+    <p:extLst>
+      <p:ext uri="{BB962C8B-B14F-4D97-AF65-F5344CB8AC3E}">
+        <p14:creationId xmlns:p14="http://schemas.microsoft.com/office/powerpoint/2010/main" val="3031837592"/>
+      </p:ext>
+    </p:extLst>
+  </p:cSld>
+  <p:clrMapOvr>
+    <a:masterClrMapping/>
+  </p:clrMapOvr>
+</p:sld>
+</file>
+
+<file path=ppt/slides/slide20.xml><?xml version="1.0" encoding="utf-8"?>
 <p:sld xmlns:a="http://schemas.openxmlformats.org/drawingml/2006/main" xmlns:r="http://schemas.openxmlformats.org/officeDocument/2006/relationships" xmlns:p="http://schemas.openxmlformats.org/presentationml/2006/main">
   <p:cSld>
     <p:spTree>
@@ -7732,6 +8908,276 @@
           <a:p>
             <a:r>
               <a:rPr lang="en-US" dirty="0"/>
+              <a:t>What is GDB?</a:t>
+            </a:r>
+          </a:p>
+        </p:txBody>
+      </p:sp>
+      <p:sp>
+        <p:nvSpPr>
+          <p:cNvPr id="3" name="Content Placeholder 2"/>
+          <p:cNvSpPr>
+            <a:spLocks noGrp="1"/>
+          </p:cNvSpPr>
+          <p:nvPr>
+            <p:ph idx="1"/>
+          </p:nvPr>
+        </p:nvSpPr>
+        <p:spPr/>
+        <p:txBody>
+          <a:bodyPr/>
+          <a:lstStyle/>
+          <a:p>
+            <a:r>
+              <a:rPr lang="en-US" dirty="0">
+                <a:solidFill>
+                  <a:srgbClr val="FFFF00"/>
+                </a:solidFill>
+              </a:rPr>
+              <a:t>G</a:t>
+            </a:r>
+            <a:r>
+              <a:rPr lang="en-US" dirty="0"/>
+              <a:t>NU Project </a:t>
+            </a:r>
+            <a:r>
+              <a:rPr lang="en-US" dirty="0" err="1">
+                <a:solidFill>
+                  <a:srgbClr val="FFFF00"/>
+                </a:solidFill>
+              </a:rPr>
+              <a:t>D</a:t>
+            </a:r>
+            <a:r>
+              <a:rPr lang="en-US" dirty="0" err="1"/>
+              <a:t>e</a:t>
+            </a:r>
+            <a:r>
+              <a:rPr lang="en-US" dirty="0" err="1">
+                <a:solidFill>
+                  <a:srgbClr val="FFFF00"/>
+                </a:solidFill>
+              </a:rPr>
+              <a:t>B</a:t>
+            </a:r>
+            <a:r>
+              <a:rPr lang="en-US" dirty="0" err="1"/>
+              <a:t>ugger</a:t>
+            </a:r>
+            <a:endParaRPr lang="en-US" dirty="0"/>
+          </a:p>
+          <a:p>
+            <a:r>
+              <a:rPr lang="en-US" dirty="0"/>
+              <a:t>Multi-Platform debugger for C, C++, Objective-C and others.</a:t>
+            </a:r>
+          </a:p>
+          <a:p>
+            <a:r>
+              <a:rPr lang="en-US" dirty="0"/>
+              <a:t>Command-line interface</a:t>
+            </a:r>
+          </a:p>
+          <a:p>
+            <a:r>
+              <a:rPr lang="en-US" dirty="0"/>
+              <a:t>Many debugger act as a graphical interface to GDB, while others can interface with it!</a:t>
+            </a:r>
+          </a:p>
+          <a:p>
+            <a:pPr lvl="1"/>
+            <a:r>
+              <a:rPr lang="en-US" dirty="0" err="1"/>
+              <a:t>Xcode</a:t>
+            </a:r>
+            <a:r>
+              <a:rPr lang="en-US" dirty="0"/>
+              <a:t> debugger (front-end)</a:t>
+            </a:r>
+          </a:p>
+          <a:p>
+            <a:pPr lvl="1"/>
+            <a:r>
+              <a:rPr lang="en-US" dirty="0"/>
+              <a:t>Eclipse, </a:t>
+            </a:r>
+            <a:r>
+              <a:rPr lang="en-US" dirty="0" err="1"/>
+              <a:t>Netbeans</a:t>
+            </a:r>
+            <a:r>
+              <a:rPr lang="en-US" dirty="0"/>
+              <a:t>, </a:t>
+            </a:r>
+            <a:r>
+              <a:rPr lang="en-US" dirty="0" err="1"/>
+              <a:t>Qt</a:t>
+            </a:r>
+            <a:r>
+              <a:rPr lang="en-US" dirty="0"/>
+              <a:t> Creator, Visual Studio (interface)</a:t>
+            </a:r>
+          </a:p>
+          <a:p>
+            <a:pPr lvl="1"/>
+            <a:endParaRPr lang="en-US" dirty="0"/>
+          </a:p>
+        </p:txBody>
+      </p:sp>
+    </p:spTree>
+    <p:extLst>
+      <p:ext uri="{BB962C8B-B14F-4D97-AF65-F5344CB8AC3E}">
+        <p14:creationId xmlns:p14="http://schemas.microsoft.com/office/powerpoint/2010/main" val="3919814423"/>
+      </p:ext>
+    </p:extLst>
+  </p:cSld>
+  <p:clrMapOvr>
+    <a:masterClrMapping/>
+  </p:clrMapOvr>
+</p:sld>
+</file>
+
+<file path=ppt/slides/slide21.xml><?xml version="1.0" encoding="utf-8"?>
+<p:sld xmlns:a="http://schemas.openxmlformats.org/drawingml/2006/main" xmlns:r="http://schemas.openxmlformats.org/officeDocument/2006/relationships" xmlns:p="http://schemas.openxmlformats.org/presentationml/2006/main">
+  <p:cSld>
+    <p:spTree>
+      <p:nvGrpSpPr>
+        <p:cNvPr id="1" name=""/>
+        <p:cNvGrpSpPr/>
+        <p:nvPr/>
+      </p:nvGrpSpPr>
+      <p:grpSpPr>
+        <a:xfrm>
+          <a:off x="0" y="0"/>
+          <a:ext cx="0" cy="0"/>
+          <a:chOff x="0" y="0"/>
+          <a:chExt cx="0" cy="0"/>
+        </a:xfrm>
+      </p:grpSpPr>
+      <p:sp>
+        <p:nvSpPr>
+          <p:cNvPr id="2" name="Title 1"/>
+          <p:cNvSpPr>
+            <a:spLocks noGrp="1"/>
+          </p:cNvSpPr>
+          <p:nvPr>
+            <p:ph type="title"/>
+          </p:nvPr>
+        </p:nvSpPr>
+        <p:spPr/>
+        <p:txBody>
+          <a:bodyPr/>
+          <a:lstStyle/>
+          <a:p>
+            <a:r>
+              <a:rPr lang="en-US" dirty="0"/>
+              <a:t>#1 Takeaway</a:t>
+            </a:r>
+          </a:p>
+        </p:txBody>
+      </p:sp>
+      <p:sp>
+        <p:nvSpPr>
+          <p:cNvPr id="3" name="Content Placeholder 2"/>
+          <p:cNvSpPr>
+            <a:spLocks noGrp="1"/>
+          </p:cNvSpPr>
+          <p:nvPr>
+            <p:ph idx="1"/>
+          </p:nvPr>
+        </p:nvSpPr>
+        <p:spPr/>
+        <p:txBody>
+          <a:bodyPr/>
+          <a:lstStyle/>
+          <a:p>
+            <a:r>
+              <a:rPr lang="en-US" dirty="0"/>
+              <a:t>For more help on a command, use the help command!</a:t>
+            </a:r>
+          </a:p>
+          <a:p>
+            <a:pPr lvl="1"/>
+            <a:r>
+              <a:rPr lang="en-US" b="1" dirty="0">
+                <a:solidFill>
+                  <a:srgbClr val="FF0000"/>
+                </a:solidFill>
+              </a:rPr>
+              <a:t>help</a:t>
+            </a:r>
+            <a:r>
+              <a:rPr lang="en-US" dirty="0">
+                <a:solidFill>
+                  <a:srgbClr val="FF0000"/>
+                </a:solidFill>
+              </a:rPr>
+              <a:t> </a:t>
+            </a:r>
+            <a:r>
+              <a:rPr lang="en-US" dirty="0"/>
+              <a:t>&lt;command&gt;</a:t>
+            </a:r>
+          </a:p>
+          <a:p>
+            <a:pPr lvl="1"/>
+            <a:endParaRPr lang="en-US" dirty="0"/>
+          </a:p>
+          <a:p>
+            <a:r>
+              <a:rPr lang="en-US" dirty="0"/>
+              <a:t>Read the manual!!!</a:t>
+            </a:r>
+          </a:p>
+        </p:txBody>
+      </p:sp>
+    </p:spTree>
+    <p:extLst>
+      <p:ext uri="{BB962C8B-B14F-4D97-AF65-F5344CB8AC3E}">
+        <p14:creationId xmlns:p14="http://schemas.microsoft.com/office/powerpoint/2010/main" val="634672584"/>
+      </p:ext>
+    </p:extLst>
+  </p:cSld>
+  <p:clrMapOvr>
+    <a:masterClrMapping/>
+  </p:clrMapOvr>
+</p:sld>
+</file>
+
+<file path=ppt/slides/slide22.xml><?xml version="1.0" encoding="utf-8"?>
+<p:sld xmlns:a="http://schemas.openxmlformats.org/drawingml/2006/main" xmlns:r="http://schemas.openxmlformats.org/officeDocument/2006/relationships" xmlns:p="http://schemas.openxmlformats.org/presentationml/2006/main">
+  <p:cSld>
+    <p:spTree>
+      <p:nvGrpSpPr>
+        <p:cNvPr id="1" name=""/>
+        <p:cNvGrpSpPr/>
+        <p:nvPr/>
+      </p:nvGrpSpPr>
+      <p:grpSpPr>
+        <a:xfrm>
+          <a:off x="0" y="0"/>
+          <a:ext cx="0" cy="0"/>
+          <a:chOff x="0" y="0"/>
+          <a:chExt cx="0" cy="0"/>
+        </a:xfrm>
+      </p:grpSpPr>
+      <p:sp>
+        <p:nvSpPr>
+          <p:cNvPr id="2" name="Title 1"/>
+          <p:cNvSpPr>
+            <a:spLocks noGrp="1"/>
+          </p:cNvSpPr>
+          <p:nvPr>
+            <p:ph type="title"/>
+          </p:nvPr>
+        </p:nvSpPr>
+        <p:spPr/>
+        <p:txBody>
+          <a:bodyPr/>
+          <a:lstStyle/>
+          <a:p>
+            <a:r>
+              <a:rPr lang="en-US" dirty="0"/>
               <a:t>Interface</a:t>
             </a:r>
           </a:p>
@@ -7774,7 +9220,7 @@
 </p:sld>
 </file>
 
-<file path=ppt/slides/slide7.xml><?xml version="1.0" encoding="utf-8"?>
+<file path=ppt/slides/slide23.xml><?xml version="1.0" encoding="utf-8"?>
 <p:sld xmlns:a="http://schemas.openxmlformats.org/drawingml/2006/main" xmlns:r="http://schemas.openxmlformats.org/officeDocument/2006/relationships" xmlns:p="http://schemas.openxmlformats.org/presentationml/2006/main">
   <p:cSld>
     <p:spTree>
@@ -8043,6 +9489,2209 @@
 </p:sld>
 </file>
 
+<file path=ppt/slides/slide24.xml><?xml version="1.0" encoding="utf-8"?>
+<p:sld xmlns:a="http://schemas.openxmlformats.org/drawingml/2006/main" xmlns:r="http://schemas.openxmlformats.org/officeDocument/2006/relationships" xmlns:p="http://schemas.openxmlformats.org/presentationml/2006/main">
+  <p:cSld>
+    <p:spTree>
+      <p:nvGrpSpPr>
+        <p:cNvPr id="1" name=""/>
+        <p:cNvGrpSpPr/>
+        <p:nvPr/>
+      </p:nvGrpSpPr>
+      <p:grpSpPr>
+        <a:xfrm>
+          <a:off x="0" y="0"/>
+          <a:ext cx="0" cy="0"/>
+          <a:chOff x="0" y="0"/>
+          <a:chExt cx="0" cy="0"/>
+        </a:xfrm>
+      </p:grpSpPr>
+      <p:sp>
+        <p:nvSpPr>
+          <p:cNvPr id="2" name="Title 1"/>
+          <p:cNvSpPr>
+            <a:spLocks noGrp="1"/>
+          </p:cNvSpPr>
+          <p:nvPr>
+            <p:ph type="title"/>
+          </p:nvPr>
+        </p:nvSpPr>
+        <p:spPr/>
+        <p:txBody>
+          <a:bodyPr/>
+          <a:lstStyle/>
+          <a:p>
+            <a:r>
+              <a:rPr lang="en-US" dirty="0"/>
+              <a:t>Basic Commands</a:t>
+            </a:r>
+          </a:p>
+        </p:txBody>
+      </p:sp>
+      <p:sp>
+        <p:nvSpPr>
+          <p:cNvPr id="3" name="Content Placeholder 2"/>
+          <p:cNvSpPr>
+            <a:spLocks noGrp="1"/>
+          </p:cNvSpPr>
+          <p:nvPr>
+            <p:ph idx="1"/>
+          </p:nvPr>
+        </p:nvSpPr>
+        <p:spPr>
+          <a:xfrm>
+            <a:off x="1104293" y="1489390"/>
+            <a:ext cx="8946541" cy="4195481"/>
+          </a:xfrm>
+        </p:spPr>
+        <p:txBody>
+          <a:bodyPr/>
+          <a:lstStyle/>
+          <a:p>
+            <a:r>
+              <a:rPr lang="en-US" b="1" dirty="0">
+                <a:solidFill>
+                  <a:srgbClr val="FF0000"/>
+                </a:solidFill>
+              </a:rPr>
+              <a:t>run</a:t>
+            </a:r>
+            <a:r>
+              <a:rPr lang="en-US" b="1" dirty="0"/>
+              <a:t> </a:t>
+            </a:r>
+            <a:r>
+              <a:rPr lang="en-US" dirty="0"/>
+              <a:t>[param1 ] […</a:t>
+            </a:r>
+            <a:r>
+              <a:rPr lang="en-US" dirty="0" err="1"/>
+              <a:t>param</a:t>
+            </a:r>
+            <a:r>
+              <a:rPr lang="en-US" dirty="0"/>
+              <a:t> n]</a:t>
+            </a:r>
+          </a:p>
+          <a:p>
+            <a:pPr lvl="1"/>
+            <a:r>
+              <a:rPr lang="en-US" dirty="0"/>
+              <a:t>begin execution of program with optional arguments.</a:t>
+            </a:r>
+            <a:endParaRPr lang="en-US" b="1" dirty="0"/>
+          </a:p>
+        </p:txBody>
+      </p:sp>
+      <p:pic>
+        <p:nvPicPr>
+          <p:cNvPr id="5" name="Picture 4"/>
+          <p:cNvPicPr>
+            <a:picLocks noChangeAspect="1"/>
+          </p:cNvPicPr>
+          <p:nvPr/>
+        </p:nvPicPr>
+        <p:blipFill>
+          <a:blip r:embed="rId2"/>
+          <a:stretch>
+            <a:fillRect/>
+          </a:stretch>
+        </p:blipFill>
+        <p:spPr>
+          <a:xfrm>
+            <a:off x="1777088" y="2402680"/>
+            <a:ext cx="7600950" cy="3629025"/>
+          </a:xfrm>
+          <a:prstGeom prst="rect">
+            <a:avLst/>
+          </a:prstGeom>
+        </p:spPr>
+      </p:pic>
+      <p:sp>
+        <p:nvSpPr>
+          <p:cNvPr id="6" name="Rectangle 5"/>
+          <p:cNvSpPr/>
+          <p:nvPr/>
+        </p:nvSpPr>
+        <p:spPr>
+          <a:xfrm>
+            <a:off x="9553066" y="2636871"/>
+            <a:ext cx="2339163" cy="923331"/>
+          </a:xfrm>
+          <a:prstGeom prst="rect">
+            <a:avLst/>
+          </a:prstGeom>
+        </p:spPr>
+        <p:style>
+          <a:lnRef idx="2">
+            <a:schemeClr val="accent1">
+              <a:shade val="50000"/>
+            </a:schemeClr>
+          </a:lnRef>
+          <a:fillRef idx="1">
+            <a:schemeClr val="accent1"/>
+          </a:fillRef>
+          <a:effectRef idx="0">
+            <a:schemeClr val="accent1"/>
+          </a:effectRef>
+          <a:fontRef idx="minor">
+            <a:schemeClr val="lt1"/>
+          </a:fontRef>
+        </p:style>
+        <p:txBody>
+          <a:bodyPr rtlCol="0" anchor="ctr"/>
+          <a:lstStyle/>
+          <a:p>
+            <a:pPr algn="ctr"/>
+            <a:endParaRPr lang="en-US"/>
+          </a:p>
+        </p:txBody>
+      </p:sp>
+      <p:sp>
+        <p:nvSpPr>
+          <p:cNvPr id="7" name="TextBox 6"/>
+          <p:cNvSpPr txBox="1"/>
+          <p:nvPr/>
+        </p:nvSpPr>
+        <p:spPr>
+          <a:xfrm>
+            <a:off x="9553066" y="2636872"/>
+            <a:ext cx="2339163" cy="923330"/>
+          </a:xfrm>
+          <a:prstGeom prst="rect">
+            <a:avLst/>
+          </a:prstGeom>
+          <a:noFill/>
+        </p:spPr>
+        <p:txBody>
+          <a:bodyPr wrap="square" rtlCol="0">
+            <a:spAutoFit/>
+          </a:bodyPr>
+          <a:lstStyle/>
+          <a:p>
+            <a:pPr algn="ctr"/>
+            <a:r>
+              <a:rPr lang="en-US" dirty="0"/>
+              <a:t>Tip:</a:t>
+            </a:r>
+          </a:p>
+          <a:p>
+            <a:pPr algn="ctr"/>
+            <a:r>
+              <a:rPr lang="en-US" dirty="0"/>
+              <a:t>Use Ctrl + L to refresh your screen!</a:t>
+            </a:r>
+          </a:p>
+        </p:txBody>
+      </p:sp>
+    </p:spTree>
+    <p:extLst>
+      <p:ext uri="{BB962C8B-B14F-4D97-AF65-F5344CB8AC3E}">
+        <p14:creationId xmlns:p14="http://schemas.microsoft.com/office/powerpoint/2010/main" val="3846943865"/>
+      </p:ext>
+    </p:extLst>
+  </p:cSld>
+  <p:clrMapOvr>
+    <a:masterClrMapping/>
+  </p:clrMapOvr>
+</p:sld>
+</file>
+
+<file path=ppt/slides/slide25.xml><?xml version="1.0" encoding="utf-8"?>
+<p:sld xmlns:a="http://schemas.openxmlformats.org/drawingml/2006/main" xmlns:r="http://schemas.openxmlformats.org/officeDocument/2006/relationships" xmlns:p="http://schemas.openxmlformats.org/presentationml/2006/main">
+  <p:cSld>
+    <p:spTree>
+      <p:nvGrpSpPr>
+        <p:cNvPr id="1" name=""/>
+        <p:cNvGrpSpPr/>
+        <p:nvPr/>
+      </p:nvGrpSpPr>
+      <p:grpSpPr>
+        <a:xfrm>
+          <a:off x="0" y="0"/>
+          <a:ext cx="0" cy="0"/>
+          <a:chOff x="0" y="0"/>
+          <a:chExt cx="0" cy="0"/>
+        </a:xfrm>
+      </p:grpSpPr>
+      <p:sp>
+        <p:nvSpPr>
+          <p:cNvPr id="2" name="Title 1"/>
+          <p:cNvSpPr>
+            <a:spLocks noGrp="1"/>
+          </p:cNvSpPr>
+          <p:nvPr>
+            <p:ph type="title"/>
+          </p:nvPr>
+        </p:nvSpPr>
+        <p:spPr/>
+        <p:txBody>
+          <a:bodyPr/>
+          <a:lstStyle/>
+          <a:p>
+            <a:r>
+              <a:rPr lang="en-US" dirty="0"/>
+              <a:t>Flow Control</a:t>
+            </a:r>
+          </a:p>
+        </p:txBody>
+      </p:sp>
+      <p:sp>
+        <p:nvSpPr>
+          <p:cNvPr id="3" name="Content Placeholder 2"/>
+          <p:cNvSpPr>
+            <a:spLocks noGrp="1"/>
+          </p:cNvSpPr>
+          <p:nvPr>
+            <p:ph idx="1"/>
+          </p:nvPr>
+        </p:nvSpPr>
+        <p:spPr>
+          <a:xfrm>
+            <a:off x="1104293" y="1489393"/>
+            <a:ext cx="8946541" cy="4195481"/>
+          </a:xfrm>
+        </p:spPr>
+        <p:txBody>
+          <a:bodyPr/>
+          <a:lstStyle/>
+          <a:p>
+            <a:r>
+              <a:rPr lang="en-US" b="1" dirty="0">
+                <a:solidFill>
+                  <a:srgbClr val="FF0000"/>
+                </a:solidFill>
+              </a:rPr>
+              <a:t>break </a:t>
+            </a:r>
+            <a:r>
+              <a:rPr lang="en-US" dirty="0"/>
+              <a:t>&lt;location&gt;</a:t>
+            </a:r>
+          </a:p>
+          <a:p>
+            <a:pPr lvl="1"/>
+            <a:r>
+              <a:rPr lang="en-US" dirty="0"/>
+              <a:t>Creates a breakpoint in the program, halting when execution reaches &lt;location&gt;.</a:t>
+            </a:r>
+          </a:p>
+          <a:p>
+            <a:pPr lvl="1"/>
+            <a:r>
+              <a:rPr lang="en-US" dirty="0"/>
+              <a:t>The breakpoint can be specified in a couple of formats</a:t>
+            </a:r>
+          </a:p>
+          <a:p>
+            <a:pPr lvl="2"/>
+            <a:r>
+              <a:rPr lang="en-US" dirty="0"/>
+              <a:t>By function name (ex. break main)</a:t>
+            </a:r>
+          </a:p>
+          <a:p>
+            <a:pPr lvl="2"/>
+            <a:r>
+              <a:rPr lang="en-US" dirty="0"/>
+              <a:t>By source code line (ex. break 15)</a:t>
+            </a:r>
+          </a:p>
+          <a:p>
+            <a:pPr lvl="2"/>
+            <a:endParaRPr lang="en-US" dirty="0"/>
+          </a:p>
+          <a:p>
+            <a:r>
+              <a:rPr lang="en-US" dirty="0"/>
+              <a:t>Break is actually more flexible than this, see the help for more information.</a:t>
+            </a:r>
+          </a:p>
+        </p:txBody>
+      </p:sp>
+    </p:spTree>
+    <p:extLst>
+      <p:ext uri="{BB962C8B-B14F-4D97-AF65-F5344CB8AC3E}">
+        <p14:creationId xmlns:p14="http://schemas.microsoft.com/office/powerpoint/2010/main" val="1358186120"/>
+      </p:ext>
+    </p:extLst>
+  </p:cSld>
+  <p:clrMapOvr>
+    <a:masterClrMapping/>
+  </p:clrMapOvr>
+</p:sld>
+</file>
+
+<file path=ppt/slides/slide26.xml><?xml version="1.0" encoding="utf-8"?>
+<p:sld xmlns:a="http://schemas.openxmlformats.org/drawingml/2006/main" xmlns:r="http://schemas.openxmlformats.org/officeDocument/2006/relationships" xmlns:p="http://schemas.openxmlformats.org/presentationml/2006/main">
+  <p:cSld>
+    <p:spTree>
+      <p:nvGrpSpPr>
+        <p:cNvPr id="1" name=""/>
+        <p:cNvGrpSpPr/>
+        <p:nvPr/>
+      </p:nvGrpSpPr>
+      <p:grpSpPr>
+        <a:xfrm>
+          <a:off x="0" y="0"/>
+          <a:ext cx="0" cy="0"/>
+          <a:chOff x="0" y="0"/>
+          <a:chExt cx="0" cy="0"/>
+        </a:xfrm>
+      </p:grpSpPr>
+      <p:sp>
+        <p:nvSpPr>
+          <p:cNvPr id="2" name="Title 1"/>
+          <p:cNvSpPr>
+            <a:spLocks noGrp="1"/>
+          </p:cNvSpPr>
+          <p:nvPr>
+            <p:ph type="title"/>
+          </p:nvPr>
+        </p:nvSpPr>
+        <p:spPr/>
+        <p:txBody>
+          <a:bodyPr/>
+          <a:lstStyle/>
+          <a:p>
+            <a:r>
+              <a:rPr lang="en-US" dirty="0"/>
+              <a:t>Flow Control</a:t>
+            </a:r>
+          </a:p>
+        </p:txBody>
+      </p:sp>
+      <p:sp>
+        <p:nvSpPr>
+          <p:cNvPr id="3" name="Content Placeholder 2"/>
+          <p:cNvSpPr>
+            <a:spLocks noGrp="1"/>
+          </p:cNvSpPr>
+          <p:nvPr>
+            <p:ph idx="1"/>
+          </p:nvPr>
+        </p:nvSpPr>
+        <p:spPr>
+          <a:xfrm>
+            <a:off x="1104293" y="1489392"/>
+            <a:ext cx="8946541" cy="4195481"/>
+          </a:xfrm>
+        </p:spPr>
+        <p:txBody>
+          <a:bodyPr/>
+          <a:lstStyle/>
+          <a:p>
+            <a:r>
+              <a:rPr lang="en-US" b="1" dirty="0">
+                <a:solidFill>
+                  <a:srgbClr val="FF0000"/>
+                </a:solidFill>
+              </a:rPr>
+              <a:t>clear</a:t>
+            </a:r>
+            <a:r>
+              <a:rPr lang="en-US" dirty="0">
+                <a:solidFill>
+                  <a:srgbClr val="FF0000"/>
+                </a:solidFill>
+              </a:rPr>
+              <a:t> </a:t>
+            </a:r>
+            <a:r>
+              <a:rPr lang="en-US" dirty="0"/>
+              <a:t>&lt;location&gt;</a:t>
+            </a:r>
+          </a:p>
+          <a:p>
+            <a:pPr lvl="1"/>
+            <a:r>
+              <a:rPr lang="en-US" dirty="0"/>
+              <a:t>Clears a previously set breakpoint</a:t>
+            </a:r>
+          </a:p>
+          <a:p>
+            <a:pPr lvl="1"/>
+            <a:endParaRPr lang="en-US" dirty="0"/>
+          </a:p>
+          <a:p>
+            <a:r>
+              <a:rPr lang="en-US" b="1" dirty="0">
+                <a:solidFill>
+                  <a:srgbClr val="FF0000"/>
+                </a:solidFill>
+              </a:rPr>
+              <a:t>continue</a:t>
+            </a:r>
+          </a:p>
+          <a:p>
+            <a:pPr lvl="1"/>
+            <a:r>
+              <a:rPr lang="en-US" dirty="0"/>
+              <a:t>Resumes execution after a breakpoint</a:t>
+            </a:r>
+          </a:p>
+        </p:txBody>
+      </p:sp>
+    </p:spTree>
+    <p:extLst>
+      <p:ext uri="{BB962C8B-B14F-4D97-AF65-F5344CB8AC3E}">
+        <p14:creationId xmlns:p14="http://schemas.microsoft.com/office/powerpoint/2010/main" val="1918550757"/>
+      </p:ext>
+    </p:extLst>
+  </p:cSld>
+  <p:clrMapOvr>
+    <a:masterClrMapping/>
+  </p:clrMapOvr>
+</p:sld>
+</file>
+
+<file path=ppt/slides/slide27.xml><?xml version="1.0" encoding="utf-8"?>
+<p:sld xmlns:a="http://schemas.openxmlformats.org/drawingml/2006/main" xmlns:r="http://schemas.openxmlformats.org/officeDocument/2006/relationships" xmlns:p="http://schemas.openxmlformats.org/presentationml/2006/main">
+  <p:cSld>
+    <p:spTree>
+      <p:nvGrpSpPr>
+        <p:cNvPr id="1" name=""/>
+        <p:cNvGrpSpPr/>
+        <p:nvPr/>
+      </p:nvGrpSpPr>
+      <p:grpSpPr>
+        <a:xfrm>
+          <a:off x="0" y="0"/>
+          <a:ext cx="0" cy="0"/>
+          <a:chOff x="0" y="0"/>
+          <a:chExt cx="0" cy="0"/>
+        </a:xfrm>
+      </p:grpSpPr>
+      <p:sp>
+        <p:nvSpPr>
+          <p:cNvPr id="4" name="Title 1"/>
+          <p:cNvSpPr>
+            <a:spLocks noGrp="1"/>
+          </p:cNvSpPr>
+          <p:nvPr>
+            <p:ph type="title"/>
+          </p:nvPr>
+        </p:nvSpPr>
+        <p:spPr>
+          <a:xfrm>
+            <a:off x="646111" y="452718"/>
+            <a:ext cx="9404723" cy="1400530"/>
+          </a:xfrm>
+        </p:spPr>
+        <p:txBody>
+          <a:bodyPr/>
+          <a:lstStyle/>
+          <a:p>
+            <a:r>
+              <a:rPr lang="en-US" dirty="0"/>
+              <a:t>Flow Control</a:t>
+            </a:r>
+          </a:p>
+        </p:txBody>
+      </p:sp>
+      <p:sp>
+        <p:nvSpPr>
+          <p:cNvPr id="5" name="Content Placeholder 2"/>
+          <p:cNvSpPr>
+            <a:spLocks noGrp="1"/>
+          </p:cNvSpPr>
+          <p:nvPr>
+            <p:ph idx="1"/>
+          </p:nvPr>
+        </p:nvSpPr>
+        <p:spPr>
+          <a:xfrm>
+            <a:off x="1104293" y="1489392"/>
+            <a:ext cx="8946541" cy="4195481"/>
+          </a:xfrm>
+        </p:spPr>
+        <p:txBody>
+          <a:bodyPr/>
+          <a:lstStyle/>
+          <a:p>
+            <a:r>
+              <a:rPr lang="en-US" b="1" dirty="0">
+                <a:solidFill>
+                  <a:srgbClr val="FF0000"/>
+                </a:solidFill>
+              </a:rPr>
+              <a:t>step</a:t>
+            </a:r>
+            <a:r>
+              <a:rPr lang="en-US" dirty="0"/>
+              <a:t> [n]</a:t>
+            </a:r>
+          </a:p>
+          <a:p>
+            <a:pPr lvl="1"/>
+            <a:r>
+              <a:rPr lang="en-US" dirty="0"/>
+              <a:t>Step through n (default 1) lines in the source code.</a:t>
+            </a:r>
+          </a:p>
+          <a:p>
+            <a:pPr lvl="1"/>
+            <a:r>
+              <a:rPr lang="en-US" dirty="0"/>
+              <a:t>Note: step will step </a:t>
+            </a:r>
+            <a:r>
+              <a:rPr lang="en-US" i="1" dirty="0"/>
+              <a:t>into</a:t>
+            </a:r>
+            <a:r>
+              <a:rPr lang="en-US" dirty="0"/>
+              <a:t> any embedded functions</a:t>
+            </a:r>
+          </a:p>
+          <a:p>
+            <a:pPr lvl="2"/>
+            <a:r>
+              <a:rPr lang="en-US" dirty="0"/>
+              <a:t>Example: foo(</a:t>
+            </a:r>
+            <a:r>
+              <a:rPr lang="en-US" dirty="0">
+                <a:solidFill>
+                  <a:srgbClr val="92D050"/>
+                </a:solidFill>
+              </a:rPr>
+              <a:t>bar(</a:t>
+            </a:r>
+            <a:r>
+              <a:rPr lang="en-US" dirty="0" err="1">
+                <a:solidFill>
+                  <a:srgbClr val="92D050"/>
+                </a:solidFill>
+              </a:rPr>
+              <a:t>var</a:t>
+            </a:r>
+            <a:r>
+              <a:rPr lang="en-US" dirty="0">
+                <a:solidFill>
+                  <a:srgbClr val="92D050"/>
+                </a:solidFill>
+              </a:rPr>
+              <a:t>)</a:t>
+            </a:r>
+            <a:r>
+              <a:rPr lang="en-US" dirty="0"/>
+              <a:t>);</a:t>
+            </a:r>
+          </a:p>
+          <a:p>
+            <a:pPr marL="914400" lvl="2" indent="0">
+              <a:buNone/>
+            </a:pPr>
+            <a:endParaRPr lang="en-US" dirty="0"/>
+          </a:p>
+          <a:p>
+            <a:r>
+              <a:rPr lang="en-US" b="1" dirty="0">
+                <a:solidFill>
+                  <a:srgbClr val="FF0000"/>
+                </a:solidFill>
+              </a:rPr>
+              <a:t>next</a:t>
+            </a:r>
+            <a:r>
+              <a:rPr lang="en-US" dirty="0"/>
+              <a:t> [n]</a:t>
+            </a:r>
+          </a:p>
+          <a:p>
+            <a:pPr lvl="1"/>
+            <a:r>
+              <a:rPr lang="en-US" dirty="0"/>
+              <a:t>Similar to step, but will </a:t>
+            </a:r>
+            <a:r>
+              <a:rPr lang="en-US" i="1" dirty="0"/>
+              <a:t>not</a:t>
+            </a:r>
+            <a:r>
+              <a:rPr lang="en-US" dirty="0"/>
+              <a:t> step into embedded functions.</a:t>
+            </a:r>
+          </a:p>
+        </p:txBody>
+      </p:sp>
+    </p:spTree>
+    <p:extLst>
+      <p:ext uri="{BB962C8B-B14F-4D97-AF65-F5344CB8AC3E}">
+        <p14:creationId xmlns:p14="http://schemas.microsoft.com/office/powerpoint/2010/main" val="2519910134"/>
+      </p:ext>
+    </p:extLst>
+  </p:cSld>
+  <p:clrMapOvr>
+    <a:masterClrMapping/>
+  </p:clrMapOvr>
+</p:sld>
+</file>
+
+<file path=ppt/slides/slide28.xml><?xml version="1.0" encoding="utf-8"?>
+<p:sld xmlns:a="http://schemas.openxmlformats.org/drawingml/2006/main" xmlns:r="http://schemas.openxmlformats.org/officeDocument/2006/relationships" xmlns:p="http://schemas.openxmlformats.org/presentationml/2006/main">
+  <p:cSld>
+    <p:spTree>
+      <p:nvGrpSpPr>
+        <p:cNvPr id="1" name=""/>
+        <p:cNvGrpSpPr/>
+        <p:nvPr/>
+      </p:nvGrpSpPr>
+      <p:grpSpPr>
+        <a:xfrm>
+          <a:off x="0" y="0"/>
+          <a:ext cx="0" cy="0"/>
+          <a:chOff x="0" y="0"/>
+          <a:chExt cx="0" cy="0"/>
+        </a:xfrm>
+      </p:grpSpPr>
+      <p:sp>
+        <p:nvSpPr>
+          <p:cNvPr id="4" name="Title 1"/>
+          <p:cNvSpPr>
+            <a:spLocks noGrp="1"/>
+          </p:cNvSpPr>
+          <p:nvPr>
+            <p:ph type="title"/>
+          </p:nvPr>
+        </p:nvSpPr>
+        <p:spPr>
+          <a:xfrm>
+            <a:off x="646111" y="452718"/>
+            <a:ext cx="9404723" cy="1400530"/>
+          </a:xfrm>
+        </p:spPr>
+        <p:txBody>
+          <a:bodyPr/>
+          <a:lstStyle/>
+          <a:p>
+            <a:r>
+              <a:rPr lang="en-US" dirty="0"/>
+              <a:t>Printing</a:t>
+            </a:r>
+          </a:p>
+        </p:txBody>
+      </p:sp>
+      <p:sp>
+        <p:nvSpPr>
+          <p:cNvPr id="5" name="Content Placeholder 2"/>
+          <p:cNvSpPr>
+            <a:spLocks noGrp="1"/>
+          </p:cNvSpPr>
+          <p:nvPr>
+            <p:ph idx="1"/>
+          </p:nvPr>
+        </p:nvSpPr>
+        <p:spPr>
+          <a:xfrm>
+            <a:off x="1104293" y="1489392"/>
+            <a:ext cx="8946541" cy="4847613"/>
+          </a:xfrm>
+        </p:spPr>
+        <p:txBody>
+          <a:bodyPr>
+            <a:noAutofit/>
+          </a:bodyPr>
+          <a:lstStyle/>
+          <a:p>
+            <a:r>
+              <a:rPr lang="en-US" sz="1500" b="1" dirty="0">
+                <a:solidFill>
+                  <a:srgbClr val="FF0000"/>
+                </a:solidFill>
+              </a:rPr>
+              <a:t>list</a:t>
+            </a:r>
+            <a:r>
+              <a:rPr lang="en-US" sz="1500" dirty="0"/>
+              <a:t> &lt;location&gt;</a:t>
+            </a:r>
+          </a:p>
+          <a:p>
+            <a:pPr lvl="1"/>
+            <a:r>
+              <a:rPr lang="en-US" sz="1500" dirty="0"/>
+              <a:t>Lists lines (default 10) of source code starting at location.</a:t>
+            </a:r>
+          </a:p>
+          <a:p>
+            <a:pPr lvl="2"/>
+            <a:r>
+              <a:rPr lang="en-US" sz="1500" dirty="0"/>
+              <a:t>Use </a:t>
+            </a:r>
+            <a:r>
+              <a:rPr lang="en-US" sz="1500" dirty="0">
+                <a:solidFill>
+                  <a:srgbClr val="FF0000"/>
+                </a:solidFill>
+              </a:rPr>
+              <a:t>set </a:t>
+            </a:r>
+            <a:r>
+              <a:rPr lang="en-US" sz="1500" dirty="0" err="1">
+                <a:solidFill>
+                  <a:srgbClr val="FF0000"/>
+                </a:solidFill>
+              </a:rPr>
+              <a:t>listsize</a:t>
+            </a:r>
+            <a:r>
+              <a:rPr lang="en-US" sz="1500" dirty="0">
+                <a:solidFill>
+                  <a:srgbClr val="FF0000"/>
+                </a:solidFill>
+              </a:rPr>
+              <a:t> </a:t>
+            </a:r>
+            <a:r>
+              <a:rPr lang="en-US" sz="1500" dirty="0"/>
+              <a:t>to change the default.</a:t>
+            </a:r>
+          </a:p>
+          <a:p>
+            <a:pPr lvl="1"/>
+            <a:r>
+              <a:rPr lang="en-US" sz="1500" dirty="0"/>
+              <a:t>Location is specified similar to </a:t>
+            </a:r>
+            <a:r>
+              <a:rPr lang="en-US" sz="1500" b="1" dirty="0">
+                <a:solidFill>
+                  <a:srgbClr val="FF0000"/>
+                </a:solidFill>
+              </a:rPr>
+              <a:t>break</a:t>
+            </a:r>
+            <a:r>
+              <a:rPr lang="en-US" sz="1500" dirty="0"/>
+              <a:t>.</a:t>
+            </a:r>
+          </a:p>
+          <a:p>
+            <a:r>
+              <a:rPr lang="en-US" sz="1500" b="1" dirty="0">
+                <a:solidFill>
+                  <a:srgbClr val="FF0000"/>
+                </a:solidFill>
+              </a:rPr>
+              <a:t>disassemble</a:t>
+            </a:r>
+            <a:r>
+              <a:rPr lang="en-US" sz="1500" dirty="0"/>
+              <a:t> [location]</a:t>
+            </a:r>
+          </a:p>
+          <a:p>
+            <a:pPr lvl="1"/>
+            <a:r>
+              <a:rPr lang="en-US" sz="1500" dirty="0"/>
+              <a:t>Lists assembly instructions focused around location (or current execution line if none specified).</a:t>
+            </a:r>
+          </a:p>
+          <a:p>
+            <a:r>
+              <a:rPr lang="en-US" sz="1500" b="1" dirty="0">
+                <a:solidFill>
+                  <a:srgbClr val="FF0000"/>
+                </a:solidFill>
+              </a:rPr>
+              <a:t>info</a:t>
+            </a:r>
+            <a:r>
+              <a:rPr lang="en-US" sz="1500" dirty="0"/>
+              <a:t> &lt;command&gt;</a:t>
+            </a:r>
+          </a:p>
+          <a:p>
+            <a:pPr lvl="1"/>
+            <a:r>
+              <a:rPr lang="en-US" sz="1500" dirty="0"/>
+              <a:t>Many subcommands available, although most used one will probably be </a:t>
+            </a:r>
+            <a:r>
+              <a:rPr lang="en-US" sz="1500" dirty="0" err="1"/>
+              <a:t>reg</a:t>
+            </a:r>
+            <a:r>
+              <a:rPr lang="en-US" sz="1500" dirty="0"/>
+              <a:t> (info registers).</a:t>
+            </a:r>
+          </a:p>
+          <a:p>
+            <a:r>
+              <a:rPr lang="en-US" sz="1500" b="1" dirty="0">
+                <a:solidFill>
+                  <a:srgbClr val="FF0000"/>
+                </a:solidFill>
+              </a:rPr>
+              <a:t>p</a:t>
+            </a:r>
+            <a:r>
+              <a:rPr lang="en-US" sz="1500" dirty="0"/>
+              <a:t> &lt;expression&gt;</a:t>
+            </a:r>
+          </a:p>
+          <a:p>
+            <a:pPr lvl="1"/>
+            <a:r>
+              <a:rPr lang="en-US" sz="1500" dirty="0"/>
+              <a:t>Prints the value of the expression. </a:t>
+            </a:r>
+          </a:p>
+          <a:p>
+            <a:pPr lvl="2"/>
+            <a:r>
+              <a:rPr lang="en-US" sz="1300" dirty="0"/>
+              <a:t>p </a:t>
+            </a:r>
+            <a:r>
+              <a:rPr lang="en-US" sz="1300" dirty="0" err="1"/>
+              <a:t>buf</a:t>
+            </a:r>
+            <a:r>
+              <a:rPr lang="en-US" sz="1300" dirty="0"/>
+              <a:t> (print the value of </a:t>
+            </a:r>
+            <a:r>
+              <a:rPr lang="en-US" sz="1300" dirty="0" err="1"/>
+              <a:t>buf</a:t>
+            </a:r>
+            <a:r>
+              <a:rPr lang="en-US" sz="1300" dirty="0"/>
+              <a:t>)</a:t>
+            </a:r>
+          </a:p>
+          <a:p>
+            <a:pPr lvl="2"/>
+            <a:r>
+              <a:rPr lang="en-US" sz="1300" dirty="0"/>
+              <a:t>p &amp;</a:t>
+            </a:r>
+            <a:r>
+              <a:rPr lang="en-US" sz="1300" dirty="0" err="1"/>
+              <a:t>buf</a:t>
+            </a:r>
+            <a:r>
+              <a:rPr lang="en-US" sz="1300" dirty="0"/>
+              <a:t> (print the address of </a:t>
+            </a:r>
+            <a:r>
+              <a:rPr lang="en-US" sz="1300" dirty="0" err="1"/>
+              <a:t>buf</a:t>
+            </a:r>
+            <a:r>
+              <a:rPr lang="en-US" sz="1300" dirty="0"/>
+              <a:t>)</a:t>
+            </a:r>
+          </a:p>
+          <a:p>
+            <a:pPr lvl="2"/>
+            <a:endParaRPr lang="en-US" sz="1300" dirty="0"/>
+          </a:p>
+        </p:txBody>
+      </p:sp>
+    </p:spTree>
+    <p:extLst>
+      <p:ext uri="{BB962C8B-B14F-4D97-AF65-F5344CB8AC3E}">
+        <p14:creationId xmlns:p14="http://schemas.microsoft.com/office/powerpoint/2010/main" val="2846323816"/>
+      </p:ext>
+    </p:extLst>
+  </p:cSld>
+  <p:clrMapOvr>
+    <a:masterClrMapping/>
+  </p:clrMapOvr>
+</p:sld>
+</file>
+
+<file path=ppt/slides/slide29.xml><?xml version="1.0" encoding="utf-8"?>
+<p:sld xmlns:a="http://schemas.openxmlformats.org/drawingml/2006/main" xmlns:r="http://schemas.openxmlformats.org/officeDocument/2006/relationships" xmlns:p="http://schemas.openxmlformats.org/presentationml/2006/main">
+  <p:cSld>
+    <p:spTree>
+      <p:nvGrpSpPr>
+        <p:cNvPr id="1" name=""/>
+        <p:cNvGrpSpPr/>
+        <p:nvPr/>
+      </p:nvGrpSpPr>
+      <p:grpSpPr>
+        <a:xfrm>
+          <a:off x="0" y="0"/>
+          <a:ext cx="0" cy="0"/>
+          <a:chOff x="0" y="0"/>
+          <a:chExt cx="0" cy="0"/>
+        </a:xfrm>
+      </p:grpSpPr>
+      <p:sp>
+        <p:nvSpPr>
+          <p:cNvPr id="4" name="Title 1"/>
+          <p:cNvSpPr>
+            <a:spLocks noGrp="1"/>
+          </p:cNvSpPr>
+          <p:nvPr>
+            <p:ph type="title"/>
+          </p:nvPr>
+        </p:nvSpPr>
+        <p:spPr>
+          <a:xfrm>
+            <a:off x="646111" y="452718"/>
+            <a:ext cx="9404723" cy="1400530"/>
+          </a:xfrm>
+        </p:spPr>
+        <p:txBody>
+          <a:bodyPr/>
+          <a:lstStyle/>
+          <a:p>
+            <a:r>
+              <a:rPr lang="en-US" dirty="0"/>
+              <a:t>Printing</a:t>
+            </a:r>
+          </a:p>
+        </p:txBody>
+      </p:sp>
+      <p:sp>
+        <p:nvSpPr>
+          <p:cNvPr id="5" name="Content Placeholder 2"/>
+          <p:cNvSpPr>
+            <a:spLocks noGrp="1"/>
+          </p:cNvSpPr>
+          <p:nvPr>
+            <p:ph idx="1"/>
+          </p:nvPr>
+        </p:nvSpPr>
+        <p:spPr>
+          <a:xfrm>
+            <a:off x="1104293" y="1489392"/>
+            <a:ext cx="8946541" cy="5081529"/>
+          </a:xfrm>
+        </p:spPr>
+        <p:txBody>
+          <a:bodyPr/>
+          <a:lstStyle/>
+          <a:p>
+            <a:r>
+              <a:rPr lang="en-US" b="1" dirty="0">
+                <a:solidFill>
+                  <a:srgbClr val="FF0000"/>
+                </a:solidFill>
+              </a:rPr>
+              <a:t>x</a:t>
+            </a:r>
+            <a:r>
+              <a:rPr lang="en-US" dirty="0"/>
+              <a:t>/&lt;format&gt; &lt;address&gt;</a:t>
+            </a:r>
+          </a:p>
+          <a:p>
+            <a:pPr lvl="1"/>
+            <a:r>
+              <a:rPr lang="en-US" dirty="0"/>
+              <a:t>Print out value in the specified format at address.</a:t>
+            </a:r>
+          </a:p>
+        </p:txBody>
+      </p:sp>
+      <p:pic>
+        <p:nvPicPr>
+          <p:cNvPr id="7" name="Picture 6"/>
+          <p:cNvPicPr>
+            <a:picLocks noChangeAspect="1"/>
+          </p:cNvPicPr>
+          <p:nvPr/>
+        </p:nvPicPr>
+        <p:blipFill>
+          <a:blip r:embed="rId2"/>
+          <a:stretch>
+            <a:fillRect/>
+          </a:stretch>
+        </p:blipFill>
+        <p:spPr>
+          <a:xfrm>
+            <a:off x="1908866" y="2307265"/>
+            <a:ext cx="7343935" cy="3604437"/>
+          </a:xfrm>
+          <a:prstGeom prst="rect">
+            <a:avLst/>
+          </a:prstGeom>
+        </p:spPr>
+      </p:pic>
+    </p:spTree>
+    <p:extLst>
+      <p:ext uri="{BB962C8B-B14F-4D97-AF65-F5344CB8AC3E}">
+        <p14:creationId xmlns:p14="http://schemas.microsoft.com/office/powerpoint/2010/main" val="1891320432"/>
+      </p:ext>
+    </p:extLst>
+  </p:cSld>
+  <p:clrMapOvr>
+    <a:masterClrMapping/>
+  </p:clrMapOvr>
+</p:sld>
+</file>
+
+<file path=ppt/slides/slide3.xml><?xml version="1.0" encoding="utf-8"?>
+<p:sld xmlns:a="http://schemas.openxmlformats.org/drawingml/2006/main" xmlns:r="http://schemas.openxmlformats.org/officeDocument/2006/relationships" xmlns:p="http://schemas.openxmlformats.org/presentationml/2006/main">
+  <p:cSld>
+    <p:spTree>
+      <p:nvGrpSpPr>
+        <p:cNvPr id="1" name="Shape 114"/>
+        <p:cNvGrpSpPr/>
+        <p:nvPr/>
+      </p:nvGrpSpPr>
+      <p:grpSpPr>
+        <a:xfrm>
+          <a:off x="0" y="0"/>
+          <a:ext cx="0" cy="0"/>
+          <a:chOff x="0" y="0"/>
+          <a:chExt cx="0" cy="0"/>
+        </a:xfrm>
+      </p:grpSpPr>
+      <p:sp>
+        <p:nvSpPr>
+          <p:cNvPr id="115" name="Shape 115"/>
+          <p:cNvSpPr txBox="1">
+            <a:spLocks noGrp="1"/>
+          </p:cNvSpPr>
+          <p:nvPr>
+            <p:ph type="title"/>
+          </p:nvPr>
+        </p:nvSpPr>
+        <p:spPr>
+          <a:xfrm>
+            <a:off x="415600" y="593367"/>
+            <a:ext cx="11360800" cy="763600"/>
+          </a:xfrm>
+          <a:prstGeom prst="rect">
+            <a:avLst/>
+          </a:prstGeom>
+        </p:spPr>
+        <p:txBody>
+          <a:bodyPr vert="horz" lIns="121900" tIns="121900" rIns="121900" bIns="121900" rtlCol="0" anchor="t" anchorCtr="0">
+            <a:noAutofit/>
+          </a:bodyPr>
+          <a:lstStyle/>
+          <a:p>
+            <a:r>
+              <a:rPr lang="en"/>
+              <a:t>Possible LUG Events</a:t>
+            </a:r>
+          </a:p>
+        </p:txBody>
+      </p:sp>
+      <p:sp>
+        <p:nvSpPr>
+          <p:cNvPr id="116" name="Shape 116"/>
+          <p:cNvSpPr txBox="1">
+            <a:spLocks noGrp="1"/>
+          </p:cNvSpPr>
+          <p:nvPr>
+            <p:ph type="body" idx="1"/>
+          </p:nvPr>
+        </p:nvSpPr>
+        <p:spPr>
+          <a:xfrm>
+            <a:off x="415600" y="1536633"/>
+            <a:ext cx="11360800" cy="4555200"/>
+          </a:xfrm>
+          <a:prstGeom prst="rect">
+            <a:avLst/>
+          </a:prstGeom>
+        </p:spPr>
+        <p:txBody>
+          <a:bodyPr vert="horz" lIns="121900" tIns="121900" rIns="121900" bIns="121900" rtlCol="0" anchor="t" anchorCtr="0">
+            <a:noAutofit/>
+          </a:bodyPr>
+          <a:lstStyle/>
+          <a:p>
+            <a:pPr marL="609585" indent="-304792"/>
+            <a:r>
+              <a:rPr lang="en"/>
+              <a:t>Command of the Week</a:t>
+            </a:r>
+          </a:p>
+          <a:p>
+            <a:pPr marL="1219170" lvl="1" indent="-304792"/>
+            <a:r>
+              <a:rPr lang="en"/>
+              <a:t>Go over a new linux command every week.</a:t>
+            </a:r>
+          </a:p>
+          <a:p>
+            <a:pPr marL="1828754" lvl="2" indent="-304792"/>
+            <a:r>
+              <a:rPr lang="en"/>
+              <a:t>A bit more easygoing.</a:t>
+            </a:r>
+          </a:p>
+          <a:p>
+            <a:pPr marL="609585" indent="-304792"/>
+            <a:r>
+              <a:rPr lang="en"/>
+              <a:t>Linux From Scratch</a:t>
+            </a:r>
+          </a:p>
+          <a:p>
+            <a:pPr marL="1219170" lvl="1" indent="-304792"/>
+            <a:r>
+              <a:rPr lang="en"/>
+              <a:t>Create a linux kernel from scratch.</a:t>
+            </a:r>
+          </a:p>
+          <a:p>
+            <a:pPr marL="1828754" lvl="2" indent="-304792"/>
+            <a:r>
+              <a:rPr lang="en"/>
+              <a:t>Exciting, but be prepared to be challenged.</a:t>
+            </a:r>
+          </a:p>
+          <a:p>
+            <a:pPr marL="609585" indent="-304792"/>
+            <a:r>
+              <a:rPr lang="en"/>
+              <a:t>Debugging Competition</a:t>
+            </a:r>
+          </a:p>
+          <a:p>
+            <a:pPr marL="1219170" lvl="1" indent="-304792"/>
+            <a:r>
+              <a:rPr lang="en"/>
+              <a:t>Debug common linux problems. There will be varying levels of difficulty.</a:t>
+            </a:r>
+          </a:p>
+        </p:txBody>
+      </p:sp>
+    </p:spTree>
+    <p:extLst>
+      <p:ext uri="{BB962C8B-B14F-4D97-AF65-F5344CB8AC3E}">
+        <p14:creationId xmlns:p14="http://schemas.microsoft.com/office/powerpoint/2010/main" val="4166247031"/>
+      </p:ext>
+    </p:extLst>
+  </p:cSld>
+  <p:clrMapOvr>
+    <a:masterClrMapping/>
+  </p:clrMapOvr>
+</p:sld>
+</file>
+
+<file path=ppt/slides/slide30.xml><?xml version="1.0" encoding="utf-8"?>
+<p:sld xmlns:a="http://schemas.openxmlformats.org/drawingml/2006/main" xmlns:r="http://schemas.openxmlformats.org/officeDocument/2006/relationships" xmlns:p="http://schemas.openxmlformats.org/presentationml/2006/main">
+  <p:cSld>
+    <p:spTree>
+      <p:nvGrpSpPr>
+        <p:cNvPr id="1" name=""/>
+        <p:cNvGrpSpPr/>
+        <p:nvPr/>
+      </p:nvGrpSpPr>
+      <p:grpSpPr>
+        <a:xfrm>
+          <a:off x="0" y="0"/>
+          <a:ext cx="0" cy="0"/>
+          <a:chOff x="0" y="0"/>
+          <a:chExt cx="0" cy="0"/>
+        </a:xfrm>
+      </p:grpSpPr>
+      <p:sp>
+        <p:nvSpPr>
+          <p:cNvPr id="9" name="Title 8"/>
+          <p:cNvSpPr>
+            <a:spLocks noGrp="1"/>
+          </p:cNvSpPr>
+          <p:nvPr>
+            <p:ph type="title"/>
+          </p:nvPr>
+        </p:nvSpPr>
+        <p:spPr/>
+        <p:txBody>
+          <a:bodyPr/>
+          <a:lstStyle/>
+          <a:p>
+            <a:r>
+              <a:rPr lang="en-US" dirty="0"/>
+              <a:t>Manipulating Memory</a:t>
+            </a:r>
+          </a:p>
+        </p:txBody>
+      </p:sp>
+      <p:sp>
+        <p:nvSpPr>
+          <p:cNvPr id="11" name="Content Placeholder 2"/>
+          <p:cNvSpPr>
+            <a:spLocks noGrp="1"/>
+          </p:cNvSpPr>
+          <p:nvPr>
+            <p:ph idx="1"/>
+          </p:nvPr>
+        </p:nvSpPr>
+        <p:spPr>
+          <a:xfrm>
+            <a:off x="1104293" y="1489392"/>
+            <a:ext cx="8946541" cy="4195481"/>
+          </a:xfrm>
+        </p:spPr>
+        <p:txBody>
+          <a:bodyPr/>
+          <a:lstStyle/>
+          <a:p>
+            <a:r>
+              <a:rPr lang="en-US" b="1" dirty="0">
+                <a:solidFill>
+                  <a:srgbClr val="FF0000"/>
+                </a:solidFill>
+              </a:rPr>
+              <a:t>set</a:t>
+            </a:r>
+            <a:endParaRPr lang="en-US" dirty="0"/>
+          </a:p>
+          <a:p>
+            <a:pPr lvl="1"/>
+            <a:r>
+              <a:rPr lang="en-US" dirty="0"/>
+              <a:t>Sets a variable, address, register etc. to the specified value</a:t>
+            </a:r>
+          </a:p>
+          <a:p>
+            <a:pPr lvl="1"/>
+            <a:r>
+              <a:rPr lang="en-US" dirty="0"/>
+              <a:t>Can look a little messy</a:t>
+            </a:r>
+          </a:p>
+        </p:txBody>
+      </p:sp>
+      <p:pic>
+        <p:nvPicPr>
+          <p:cNvPr id="13" name="Picture 12"/>
+          <p:cNvPicPr>
+            <a:picLocks noChangeAspect="1"/>
+          </p:cNvPicPr>
+          <p:nvPr/>
+        </p:nvPicPr>
+        <p:blipFill>
+          <a:blip r:embed="rId2"/>
+          <a:stretch>
+            <a:fillRect/>
+          </a:stretch>
+        </p:blipFill>
+        <p:spPr>
+          <a:xfrm>
+            <a:off x="1104293" y="3148032"/>
+            <a:ext cx="8562975" cy="2200275"/>
+          </a:xfrm>
+          <a:prstGeom prst="rect">
+            <a:avLst/>
+          </a:prstGeom>
+        </p:spPr>
+      </p:pic>
+    </p:spTree>
+    <p:extLst>
+      <p:ext uri="{BB962C8B-B14F-4D97-AF65-F5344CB8AC3E}">
+        <p14:creationId xmlns:p14="http://schemas.microsoft.com/office/powerpoint/2010/main" val="2977349481"/>
+      </p:ext>
+    </p:extLst>
+  </p:cSld>
+  <p:clrMapOvr>
+    <a:masterClrMapping/>
+  </p:clrMapOvr>
+</p:sld>
+</file>
+
+<file path=ppt/slides/slide31.xml><?xml version="1.0" encoding="utf-8"?>
+<p:sld xmlns:a="http://schemas.openxmlformats.org/drawingml/2006/main" xmlns:r="http://schemas.openxmlformats.org/officeDocument/2006/relationships" xmlns:p="http://schemas.openxmlformats.org/presentationml/2006/main">
+  <p:cSld>
+    <p:spTree>
+      <p:nvGrpSpPr>
+        <p:cNvPr id="1" name=""/>
+        <p:cNvGrpSpPr/>
+        <p:nvPr/>
+      </p:nvGrpSpPr>
+      <p:grpSpPr>
+        <a:xfrm>
+          <a:off x="0" y="0"/>
+          <a:ext cx="0" cy="0"/>
+          <a:chOff x="0" y="0"/>
+          <a:chExt cx="0" cy="0"/>
+        </a:xfrm>
+      </p:grpSpPr>
+      <p:sp>
+        <p:nvSpPr>
+          <p:cNvPr id="2" name="Title 1"/>
+          <p:cNvSpPr>
+            <a:spLocks noGrp="1"/>
+          </p:cNvSpPr>
+          <p:nvPr>
+            <p:ph type="title"/>
+          </p:nvPr>
+        </p:nvSpPr>
+        <p:spPr/>
+        <p:txBody>
+          <a:bodyPr/>
+          <a:lstStyle/>
+          <a:p>
+            <a:r>
+              <a:rPr lang="en-US" dirty="0"/>
+              <a:t>Layouts</a:t>
+            </a:r>
+          </a:p>
+        </p:txBody>
+      </p:sp>
+      <p:sp>
+        <p:nvSpPr>
+          <p:cNvPr id="3" name="Content Placeholder 2"/>
+          <p:cNvSpPr>
+            <a:spLocks noGrp="1"/>
+          </p:cNvSpPr>
+          <p:nvPr>
+            <p:ph idx="1"/>
+          </p:nvPr>
+        </p:nvSpPr>
+        <p:spPr>
+          <a:xfrm>
+            <a:off x="1103312" y="1424763"/>
+            <a:ext cx="8946541" cy="5188687"/>
+          </a:xfrm>
+        </p:spPr>
+        <p:txBody>
+          <a:bodyPr>
+            <a:normAutofit/>
+          </a:bodyPr>
+          <a:lstStyle/>
+          <a:p>
+            <a:r>
+              <a:rPr lang="en-US" b="1" dirty="0">
+                <a:solidFill>
+                  <a:srgbClr val="FF0000"/>
+                </a:solidFill>
+              </a:rPr>
+              <a:t>layout</a:t>
+            </a:r>
+            <a:r>
+              <a:rPr lang="en-US" dirty="0"/>
+              <a:t> &lt;</a:t>
+            </a:r>
+            <a:r>
+              <a:rPr lang="en-US" dirty="0" err="1"/>
+              <a:t>asm</a:t>
+            </a:r>
+            <a:r>
+              <a:rPr lang="en-US" dirty="0"/>
+              <a:t> | </a:t>
+            </a:r>
+            <a:r>
+              <a:rPr lang="en-US" dirty="0" err="1"/>
+              <a:t>regs</a:t>
+            </a:r>
+            <a:r>
+              <a:rPr lang="en-US" dirty="0"/>
+              <a:t> | </a:t>
+            </a:r>
+            <a:r>
+              <a:rPr lang="en-US" dirty="0" err="1"/>
+              <a:t>src</a:t>
+            </a:r>
+            <a:r>
+              <a:rPr lang="en-US" dirty="0"/>
+              <a:t> | split&gt;</a:t>
+            </a:r>
+          </a:p>
+          <a:p>
+            <a:pPr lvl="1"/>
+            <a:r>
+              <a:rPr lang="en-US" dirty="0"/>
+              <a:t>Displays assembly, registers, source code or a combination of them!</a:t>
+            </a:r>
+            <a:br>
+              <a:rPr lang="en-US" dirty="0"/>
+            </a:br>
+            <a:br>
+              <a:rPr lang="en-US" dirty="0"/>
+            </a:br>
+            <a:br>
+              <a:rPr lang="en-US" dirty="0"/>
+            </a:br>
+            <a:br>
+              <a:rPr lang="en-US" dirty="0"/>
+            </a:br>
+            <a:br>
+              <a:rPr lang="en-US" dirty="0"/>
+            </a:br>
+            <a:br>
+              <a:rPr lang="en-US" dirty="0"/>
+            </a:br>
+            <a:br>
+              <a:rPr lang="en-US" dirty="0"/>
+            </a:br>
+            <a:br>
+              <a:rPr lang="en-US" dirty="0"/>
+            </a:br>
+            <a:br>
+              <a:rPr lang="en-US" dirty="0"/>
+            </a:br>
+            <a:br>
+              <a:rPr lang="en-US" dirty="0"/>
+            </a:br>
+            <a:br>
+              <a:rPr lang="en-US" dirty="0"/>
+            </a:br>
+            <a:br>
+              <a:rPr lang="en-US" dirty="0"/>
+            </a:br>
+            <a:endParaRPr lang="en-US" dirty="0"/>
+          </a:p>
+          <a:p>
+            <a:r>
+              <a:rPr lang="en-US" b="1" dirty="0">
+                <a:solidFill>
+                  <a:srgbClr val="FF0000"/>
+                </a:solidFill>
+              </a:rPr>
+              <a:t>focus</a:t>
+            </a:r>
+            <a:r>
+              <a:rPr lang="en-US" dirty="0"/>
+              <a:t> &lt;</a:t>
+            </a:r>
+            <a:r>
+              <a:rPr lang="en-US" dirty="0" err="1"/>
+              <a:t>asm</a:t>
+            </a:r>
+            <a:r>
+              <a:rPr lang="en-US" dirty="0"/>
+              <a:t> | </a:t>
+            </a:r>
+            <a:r>
+              <a:rPr lang="en-US" dirty="0" err="1"/>
+              <a:t>regs</a:t>
+            </a:r>
+            <a:r>
+              <a:rPr lang="en-US" dirty="0"/>
+              <a:t> | </a:t>
+            </a:r>
+            <a:r>
+              <a:rPr lang="en-US" dirty="0" err="1"/>
+              <a:t>src</a:t>
+            </a:r>
+            <a:r>
+              <a:rPr lang="en-US" dirty="0"/>
+              <a:t> | </a:t>
+            </a:r>
+            <a:r>
+              <a:rPr lang="en-US" dirty="0" err="1"/>
+              <a:t>cmd</a:t>
+            </a:r>
+            <a:r>
+              <a:rPr lang="en-US" dirty="0"/>
+              <a:t> | next | </a:t>
+            </a:r>
+            <a:r>
+              <a:rPr lang="en-US" dirty="0" err="1"/>
+              <a:t>prev</a:t>
+            </a:r>
+            <a:r>
+              <a:rPr lang="en-US" dirty="0"/>
+              <a:t>&gt;</a:t>
+            </a:r>
+          </a:p>
+          <a:p>
+            <a:pPr lvl="1"/>
+            <a:r>
+              <a:rPr lang="en-US" dirty="0"/>
+              <a:t>Change focus to specified pane. </a:t>
+            </a:r>
+          </a:p>
+        </p:txBody>
+      </p:sp>
+      <p:pic>
+        <p:nvPicPr>
+          <p:cNvPr id="4" name="Picture 3"/>
+          <p:cNvPicPr>
+            <a:picLocks noChangeAspect="1"/>
+          </p:cNvPicPr>
+          <p:nvPr/>
+        </p:nvPicPr>
+        <p:blipFill>
+          <a:blip r:embed="rId2"/>
+          <a:stretch>
+            <a:fillRect/>
+          </a:stretch>
+        </p:blipFill>
+        <p:spPr>
+          <a:xfrm>
+            <a:off x="2592434" y="2258006"/>
+            <a:ext cx="5512076" cy="3302046"/>
+          </a:xfrm>
+          <a:prstGeom prst="rect">
+            <a:avLst/>
+          </a:prstGeom>
+        </p:spPr>
+      </p:pic>
+      <p:sp>
+        <p:nvSpPr>
+          <p:cNvPr id="5" name="Rectangle 4"/>
+          <p:cNvSpPr/>
+          <p:nvPr/>
+        </p:nvSpPr>
+        <p:spPr>
+          <a:xfrm>
+            <a:off x="8771860" y="3306726"/>
+            <a:ext cx="2307266" cy="1573617"/>
+          </a:xfrm>
+          <a:prstGeom prst="rect">
+            <a:avLst/>
+          </a:prstGeom>
+        </p:spPr>
+        <p:style>
+          <a:lnRef idx="2">
+            <a:schemeClr val="accent1">
+              <a:shade val="50000"/>
+            </a:schemeClr>
+          </a:lnRef>
+          <a:fillRef idx="1">
+            <a:schemeClr val="accent1"/>
+          </a:fillRef>
+          <a:effectRef idx="0">
+            <a:schemeClr val="accent1"/>
+          </a:effectRef>
+          <a:fontRef idx="minor">
+            <a:schemeClr val="lt1"/>
+          </a:fontRef>
+        </p:style>
+        <p:txBody>
+          <a:bodyPr rtlCol="0" anchor="ctr"/>
+          <a:lstStyle/>
+          <a:p>
+            <a:pPr algn="ctr"/>
+            <a:endParaRPr lang="en-US"/>
+          </a:p>
+        </p:txBody>
+      </p:sp>
+      <p:sp>
+        <p:nvSpPr>
+          <p:cNvPr id="6" name="TextBox 5"/>
+          <p:cNvSpPr txBox="1"/>
+          <p:nvPr/>
+        </p:nvSpPr>
+        <p:spPr>
+          <a:xfrm>
+            <a:off x="8761228" y="3306726"/>
+            <a:ext cx="2317898" cy="1477328"/>
+          </a:xfrm>
+          <a:prstGeom prst="rect">
+            <a:avLst/>
+          </a:prstGeom>
+          <a:noFill/>
+        </p:spPr>
+        <p:txBody>
+          <a:bodyPr wrap="square" rtlCol="0">
+            <a:spAutoFit/>
+          </a:bodyPr>
+          <a:lstStyle/>
+          <a:p>
+            <a:pPr algn="ctr"/>
+            <a:r>
+              <a:rPr lang="en-US" dirty="0"/>
+              <a:t>Tip:</a:t>
+            </a:r>
+          </a:p>
+          <a:p>
+            <a:pPr algn="ctr"/>
+            <a:r>
+              <a:rPr lang="en-US" dirty="0"/>
+              <a:t>Use ‘Ctrl + x’ followed by ‘a’ to return to the normal interface.</a:t>
+            </a:r>
+          </a:p>
+        </p:txBody>
+      </p:sp>
+    </p:spTree>
+    <p:extLst>
+      <p:ext uri="{BB962C8B-B14F-4D97-AF65-F5344CB8AC3E}">
+        <p14:creationId xmlns:p14="http://schemas.microsoft.com/office/powerpoint/2010/main" val="2644054811"/>
+      </p:ext>
+    </p:extLst>
+  </p:cSld>
+  <p:clrMapOvr>
+    <a:masterClrMapping/>
+  </p:clrMapOvr>
+</p:sld>
+</file>
+
+<file path=ppt/slides/slide32.xml><?xml version="1.0" encoding="utf-8"?>
+<p:sld xmlns:a="http://schemas.openxmlformats.org/drawingml/2006/main" xmlns:r="http://schemas.openxmlformats.org/officeDocument/2006/relationships" xmlns:p="http://schemas.openxmlformats.org/presentationml/2006/main">
+  <p:cSld>
+    <p:spTree>
+      <p:nvGrpSpPr>
+        <p:cNvPr id="1" name=""/>
+        <p:cNvGrpSpPr/>
+        <p:nvPr/>
+      </p:nvGrpSpPr>
+      <p:grpSpPr>
+        <a:xfrm>
+          <a:off x="0" y="0"/>
+          <a:ext cx="0" cy="0"/>
+          <a:chOff x="0" y="0"/>
+          <a:chExt cx="0" cy="0"/>
+        </a:xfrm>
+      </p:grpSpPr>
+      <p:sp>
+        <p:nvSpPr>
+          <p:cNvPr id="2" name="Title 1"/>
+          <p:cNvSpPr>
+            <a:spLocks noGrp="1"/>
+          </p:cNvSpPr>
+          <p:nvPr>
+            <p:ph type="title"/>
+          </p:nvPr>
+        </p:nvSpPr>
+        <p:spPr/>
+        <p:txBody>
+          <a:bodyPr/>
+          <a:lstStyle/>
+          <a:p>
+            <a:r>
+              <a:rPr lang="en-US" dirty="0" err="1"/>
+              <a:t>GDB</a:t>
+            </a:r>
+            <a:r>
+              <a:rPr lang="en-US" dirty="0"/>
+              <a:t> Demo!</a:t>
+            </a:r>
+          </a:p>
+        </p:txBody>
+      </p:sp>
+    </p:spTree>
+    <p:extLst>
+      <p:ext uri="{BB962C8B-B14F-4D97-AF65-F5344CB8AC3E}">
+        <p14:creationId xmlns:p14="http://schemas.microsoft.com/office/powerpoint/2010/main" val="1538433423"/>
+      </p:ext>
+    </p:extLst>
+  </p:cSld>
+  <p:clrMapOvr>
+    <a:masterClrMapping/>
+  </p:clrMapOvr>
+</p:sld>
+</file>
+
+<file path=ppt/slides/slide4.xml><?xml version="1.0" encoding="utf-8"?>
+<p:sld xmlns:a="http://schemas.openxmlformats.org/drawingml/2006/main" xmlns:r="http://schemas.openxmlformats.org/officeDocument/2006/relationships" xmlns:p="http://schemas.openxmlformats.org/presentationml/2006/main">
+  <p:cSld>
+    <p:spTree>
+      <p:nvGrpSpPr>
+        <p:cNvPr id="1" name="Shape 120"/>
+        <p:cNvGrpSpPr/>
+        <p:nvPr/>
+      </p:nvGrpSpPr>
+      <p:grpSpPr>
+        <a:xfrm>
+          <a:off x="0" y="0"/>
+          <a:ext cx="0" cy="0"/>
+          <a:chOff x="0" y="0"/>
+          <a:chExt cx="0" cy="0"/>
+        </a:xfrm>
+      </p:grpSpPr>
+      <p:sp>
+        <p:nvSpPr>
+          <p:cNvPr id="121" name="Shape 121"/>
+          <p:cNvSpPr txBox="1">
+            <a:spLocks noGrp="1"/>
+          </p:cNvSpPr>
+          <p:nvPr>
+            <p:ph type="title"/>
+          </p:nvPr>
+        </p:nvSpPr>
+        <p:spPr>
+          <a:xfrm>
+            <a:off x="415600" y="593367"/>
+            <a:ext cx="11360800" cy="763600"/>
+          </a:xfrm>
+          <a:prstGeom prst="rect">
+            <a:avLst/>
+          </a:prstGeom>
+        </p:spPr>
+        <p:txBody>
+          <a:bodyPr vert="horz" lIns="121900" tIns="121900" rIns="121900" bIns="121900" rtlCol="0" anchor="t" anchorCtr="0">
+            <a:noAutofit/>
+          </a:bodyPr>
+          <a:lstStyle/>
+          <a:p>
+            <a:r>
+              <a:rPr lang="en"/>
+              <a:t>LUG Install Fest</a:t>
+            </a:r>
+          </a:p>
+        </p:txBody>
+      </p:sp>
+      <p:sp>
+        <p:nvSpPr>
+          <p:cNvPr id="122" name="Shape 122"/>
+          <p:cNvSpPr txBox="1">
+            <a:spLocks noGrp="1"/>
+          </p:cNvSpPr>
+          <p:nvPr>
+            <p:ph type="body" idx="1"/>
+          </p:nvPr>
+        </p:nvSpPr>
+        <p:spPr>
+          <a:xfrm>
+            <a:off x="415600" y="1536633"/>
+            <a:ext cx="11360800" cy="4555200"/>
+          </a:xfrm>
+          <a:prstGeom prst="rect">
+            <a:avLst/>
+          </a:prstGeom>
+        </p:spPr>
+        <p:txBody>
+          <a:bodyPr vert="horz" lIns="121900" tIns="121900" rIns="121900" bIns="121900" rtlCol="0" anchor="t" anchorCtr="0">
+            <a:noAutofit/>
+          </a:bodyPr>
+          <a:lstStyle/>
+          <a:p>
+            <a:pPr marL="609585" indent="-304792"/>
+            <a:r>
+              <a:rPr lang="en"/>
+              <a:t>Held September 14th from 5 - 7 PM</a:t>
+            </a:r>
+          </a:p>
+          <a:p>
+            <a:pPr marL="1219170" lvl="1" indent="-304792"/>
+            <a:r>
+              <a:rPr lang="en"/>
+              <a:t>We will help you install linux on your personal machines!</a:t>
+            </a:r>
+          </a:p>
+          <a:p>
+            <a:pPr marL="1828754" lvl="2" indent="-304792"/>
+            <a:r>
+              <a:rPr lang="en"/>
+              <a:t>There will be a wide variety of linux distros to choose from.</a:t>
+            </a:r>
+          </a:p>
+          <a:p>
+            <a:pPr marL="2438339" lvl="3" indent="-304792"/>
+            <a:r>
+              <a:rPr lang="en"/>
+              <a:t>Mint</a:t>
+            </a:r>
+          </a:p>
+          <a:p>
+            <a:pPr marL="2438339" lvl="3" indent="-304792"/>
+            <a:r>
+              <a:rPr lang="en"/>
+              <a:t>Arch</a:t>
+            </a:r>
+          </a:p>
+          <a:p>
+            <a:pPr marL="2438339" lvl="3" indent="-304792"/>
+            <a:r>
+              <a:rPr lang="en"/>
+              <a:t>Ubuntu</a:t>
+            </a:r>
+          </a:p>
+          <a:p>
+            <a:pPr marL="2438339" lvl="3" indent="-304792"/>
+            <a:r>
+              <a:rPr lang="en"/>
+              <a:t>Fedora (Does not boot UEFI)</a:t>
+            </a:r>
+          </a:p>
+          <a:p>
+            <a:pPr marL="2438339" lvl="3" indent="-304792"/>
+            <a:r>
+              <a:rPr lang="en"/>
+              <a:t>CentOS</a:t>
+            </a:r>
+          </a:p>
+          <a:p>
+            <a:pPr marL="2438339" lvl="3" indent="-304792"/>
+            <a:r>
+              <a:rPr lang="en"/>
+              <a:t>OpenSUSE</a:t>
+            </a:r>
+          </a:p>
+          <a:p>
+            <a:pPr marL="2438339" lvl="3" indent="-304792"/>
+            <a:r>
+              <a:rPr lang="en"/>
+              <a:t>Debian</a:t>
+            </a:r>
+          </a:p>
+        </p:txBody>
+      </p:sp>
+    </p:spTree>
+    <p:extLst>
+      <p:ext uri="{BB962C8B-B14F-4D97-AF65-F5344CB8AC3E}">
+        <p14:creationId xmlns:p14="http://schemas.microsoft.com/office/powerpoint/2010/main" val="1410604601"/>
+      </p:ext>
+    </p:extLst>
+  </p:cSld>
+  <p:clrMapOvr>
+    <a:masterClrMapping/>
+  </p:clrMapOvr>
+</p:sld>
+</file>
+
+<file path=ppt/slides/slide5.xml><?xml version="1.0" encoding="utf-8"?>
+<p:sld xmlns:a="http://schemas.openxmlformats.org/drawingml/2006/main" xmlns:r="http://schemas.openxmlformats.org/officeDocument/2006/relationships" xmlns:p="http://schemas.openxmlformats.org/presentationml/2006/main">
+  <p:cSld>
+    <p:spTree>
+      <p:nvGrpSpPr>
+        <p:cNvPr id="1" name=""/>
+        <p:cNvGrpSpPr/>
+        <p:nvPr/>
+      </p:nvGrpSpPr>
+      <p:grpSpPr>
+        <a:xfrm>
+          <a:off x="0" y="0"/>
+          <a:ext cx="0" cy="0"/>
+          <a:chOff x="0" y="0"/>
+          <a:chExt cx="0" cy="0"/>
+        </a:xfrm>
+      </p:grpSpPr>
+      <p:sp>
+        <p:nvSpPr>
+          <p:cNvPr id="2" name="Title 1"/>
+          <p:cNvSpPr>
+            <a:spLocks noGrp="1"/>
+          </p:cNvSpPr>
+          <p:nvPr>
+            <p:ph type="ctrTitle"/>
+          </p:nvPr>
+        </p:nvSpPr>
+        <p:spPr/>
+        <p:txBody>
+          <a:bodyPr/>
+          <a:lstStyle/>
+          <a:p>
+            <a:r>
+              <a:rPr lang="en-US" dirty="0"/>
+              <a:t>GDB and </a:t>
+            </a:r>
+            <a:r>
+              <a:rPr lang="en-US" dirty="0" err="1"/>
+              <a:t>Git</a:t>
+            </a:r>
+            <a:endParaRPr lang="en-US" dirty="0"/>
+          </a:p>
+        </p:txBody>
+      </p:sp>
+      <p:sp>
+        <p:nvSpPr>
+          <p:cNvPr id="3" name="Subtitle 2"/>
+          <p:cNvSpPr>
+            <a:spLocks noGrp="1"/>
+          </p:cNvSpPr>
+          <p:nvPr>
+            <p:ph type="subTitle" idx="1"/>
+          </p:nvPr>
+        </p:nvSpPr>
+        <p:spPr/>
+        <p:txBody>
+          <a:bodyPr/>
+          <a:lstStyle/>
+          <a:p>
+            <a:r>
+              <a:rPr lang="en-US" dirty="0"/>
+              <a:t>Michael Baccia</a:t>
+            </a:r>
+          </a:p>
+        </p:txBody>
+      </p:sp>
+      <p:pic>
+        <p:nvPicPr>
+          <p:cNvPr id="1026" name="Picture 2" descr="https://upload.wikimedia.org/wikipedia/commons/thumb/3/3f/Git_icon.svg/1024px-Git_icon.svg.png"/>
+          <p:cNvPicPr>
+            <a:picLocks noChangeAspect="1" noChangeArrowheads="1"/>
+          </p:cNvPicPr>
+          <p:nvPr/>
+        </p:nvPicPr>
+        <p:blipFill>
+          <a:blip r:embed="rId2">
+            <a:extLst>
+              <a:ext uri="{28A0092B-C50C-407E-A947-70E740481C1C}">
+                <a14:useLocalDpi xmlns:a14="http://schemas.microsoft.com/office/drawing/2010/main" val="0"/>
+              </a:ext>
+            </a:extLst>
+          </a:blip>
+          <a:srcRect/>
+          <a:stretch>
+            <a:fillRect/>
+          </a:stretch>
+        </p:blipFill>
+        <p:spPr bwMode="auto">
+          <a:xfrm>
+            <a:off x="8167061" y="2821868"/>
+            <a:ext cx="2882544" cy="2882544"/>
+          </a:xfrm>
+          <a:prstGeom prst="rect">
+            <a:avLst/>
+          </a:prstGeom>
+          <a:noFill/>
+          <a:extLst>
+            <a:ext uri="{909E8E84-426E-40DD-AFC4-6F175D3DCCD1}">
+              <a14:hiddenFill xmlns:a14="http://schemas.microsoft.com/office/drawing/2010/main">
+                <a:solidFill>
+                  <a:srgbClr val="FFFFFF"/>
+                </a:solidFill>
+              </a14:hiddenFill>
+            </a:ext>
+          </a:extLst>
+        </p:spPr>
+      </p:pic>
+    </p:spTree>
+    <p:extLst>
+      <p:ext uri="{BB962C8B-B14F-4D97-AF65-F5344CB8AC3E}">
+        <p14:creationId xmlns:p14="http://schemas.microsoft.com/office/powerpoint/2010/main" val="1716299429"/>
+      </p:ext>
+    </p:extLst>
+  </p:cSld>
+  <p:clrMapOvr>
+    <a:masterClrMapping/>
+  </p:clrMapOvr>
+</p:sld>
+</file>
+
+<file path=ppt/slides/slide6.xml><?xml version="1.0" encoding="utf-8"?>
+<p:sld xmlns:a="http://schemas.openxmlformats.org/drawingml/2006/main" xmlns:r="http://schemas.openxmlformats.org/officeDocument/2006/relationships" xmlns:p="http://schemas.openxmlformats.org/presentationml/2006/main">
+  <p:cSld>
+    <p:spTree>
+      <p:nvGrpSpPr>
+        <p:cNvPr id="1" name=""/>
+        <p:cNvGrpSpPr/>
+        <p:nvPr/>
+      </p:nvGrpSpPr>
+      <p:grpSpPr>
+        <a:xfrm>
+          <a:off x="0" y="0"/>
+          <a:ext cx="0" cy="0"/>
+          <a:chOff x="0" y="0"/>
+          <a:chExt cx="0" cy="0"/>
+        </a:xfrm>
+      </p:grpSpPr>
+      <p:sp>
+        <p:nvSpPr>
+          <p:cNvPr id="2" name="Title 1"/>
+          <p:cNvSpPr>
+            <a:spLocks noGrp="1"/>
+          </p:cNvSpPr>
+          <p:nvPr>
+            <p:ph type="title"/>
+          </p:nvPr>
+        </p:nvSpPr>
+        <p:spPr/>
+        <p:txBody>
+          <a:bodyPr/>
+          <a:lstStyle/>
+          <a:p>
+            <a:r>
+              <a:rPr lang="en-US" dirty="0"/>
+              <a:t>Who am I?</a:t>
+            </a:r>
+          </a:p>
+        </p:txBody>
+      </p:sp>
+      <p:sp>
+        <p:nvSpPr>
+          <p:cNvPr id="3" name="Content Placeholder 2"/>
+          <p:cNvSpPr>
+            <a:spLocks noGrp="1"/>
+          </p:cNvSpPr>
+          <p:nvPr>
+            <p:ph idx="1"/>
+          </p:nvPr>
+        </p:nvSpPr>
+        <p:spPr/>
+        <p:txBody>
+          <a:bodyPr/>
+          <a:lstStyle/>
+          <a:p>
+            <a:r>
+              <a:rPr lang="en-US" dirty="0"/>
+              <a:t>Vice President of LUG</a:t>
+            </a:r>
+          </a:p>
+          <a:p>
+            <a:r>
+              <a:rPr lang="en-US" dirty="0"/>
+              <a:t>Final year at UIC! ;(</a:t>
+            </a:r>
+          </a:p>
+          <a:p>
+            <a:r>
+              <a:rPr lang="en-US" dirty="0"/>
+              <a:t>Interest in Security</a:t>
+            </a:r>
+          </a:p>
+          <a:p>
+            <a:pPr lvl="1"/>
+            <a:r>
+              <a:rPr lang="en-US" dirty="0"/>
+              <a:t>Shameless plug for my SIG</a:t>
+            </a:r>
+          </a:p>
+        </p:txBody>
+      </p:sp>
+      <p:pic>
+        <p:nvPicPr>
+          <p:cNvPr id="4" name="Picture 3"/>
+          <p:cNvPicPr>
+            <a:picLocks noChangeAspect="1"/>
+          </p:cNvPicPr>
+          <p:nvPr/>
+        </p:nvPicPr>
+        <p:blipFill>
+          <a:blip r:embed="rId2"/>
+          <a:stretch>
+            <a:fillRect/>
+          </a:stretch>
+        </p:blipFill>
+        <p:spPr>
+          <a:xfrm>
+            <a:off x="1839672" y="3937577"/>
+            <a:ext cx="7473820" cy="1655276"/>
+          </a:xfrm>
+          <a:prstGeom prst="rect">
+            <a:avLst/>
+          </a:prstGeom>
+        </p:spPr>
+      </p:pic>
+    </p:spTree>
+    <p:extLst>
+      <p:ext uri="{BB962C8B-B14F-4D97-AF65-F5344CB8AC3E}">
+        <p14:creationId xmlns:p14="http://schemas.microsoft.com/office/powerpoint/2010/main" val="4231303475"/>
+      </p:ext>
+    </p:extLst>
+  </p:cSld>
+  <p:clrMapOvr>
+    <a:masterClrMapping/>
+  </p:clrMapOvr>
+</p:sld>
+</file>
+
+<file path=ppt/slides/slide7.xml><?xml version="1.0" encoding="utf-8"?>
+<p:sld xmlns:a="http://schemas.openxmlformats.org/drawingml/2006/main" xmlns:r="http://schemas.openxmlformats.org/officeDocument/2006/relationships" xmlns:p="http://schemas.openxmlformats.org/presentationml/2006/main">
+  <p:cSld>
+    <p:spTree>
+      <p:nvGrpSpPr>
+        <p:cNvPr id="1" name=""/>
+        <p:cNvGrpSpPr/>
+        <p:nvPr/>
+      </p:nvGrpSpPr>
+      <p:grpSpPr>
+        <a:xfrm>
+          <a:off x="0" y="0"/>
+          <a:ext cx="0" cy="0"/>
+          <a:chOff x="0" y="0"/>
+          <a:chExt cx="0" cy="0"/>
+        </a:xfrm>
+      </p:grpSpPr>
+      <p:sp>
+        <p:nvSpPr>
+          <p:cNvPr id="2" name="Title 1"/>
+          <p:cNvSpPr>
+            <a:spLocks noGrp="1"/>
+          </p:cNvSpPr>
+          <p:nvPr>
+            <p:ph type="title"/>
+          </p:nvPr>
+        </p:nvSpPr>
+        <p:spPr/>
+        <p:txBody>
+          <a:bodyPr/>
+          <a:lstStyle/>
+          <a:p>
+            <a:r>
+              <a:rPr lang="en-US" dirty="0"/>
+              <a:t>No Linux? No problem!</a:t>
+            </a:r>
+          </a:p>
+        </p:txBody>
+      </p:sp>
+      <p:sp>
+        <p:nvSpPr>
+          <p:cNvPr id="3" name="Content Placeholder 2"/>
+          <p:cNvSpPr>
+            <a:spLocks noGrp="1"/>
+          </p:cNvSpPr>
+          <p:nvPr>
+            <p:ph idx="1"/>
+          </p:nvPr>
+        </p:nvSpPr>
+        <p:spPr/>
+        <p:txBody>
+          <a:bodyPr/>
+          <a:lstStyle/>
+          <a:p>
+            <a:r>
+              <a:rPr lang="en-US" dirty="0"/>
+              <a:t>Windows 10 recently added Bash for Windows with the Anniversary update!</a:t>
+            </a:r>
+          </a:p>
+          <a:p>
+            <a:r>
+              <a:rPr lang="en-US" dirty="0"/>
+              <a:t>Enable in control panel under Programs and Features -&gt; Turn features on or off:</a:t>
+            </a:r>
+          </a:p>
+        </p:txBody>
+      </p:sp>
+      <p:pic>
+        <p:nvPicPr>
+          <p:cNvPr id="4" name="Picture 3"/>
+          <p:cNvPicPr>
+            <a:picLocks noChangeAspect="1"/>
+          </p:cNvPicPr>
+          <p:nvPr/>
+        </p:nvPicPr>
+        <p:blipFill>
+          <a:blip r:embed="rId2"/>
+          <a:stretch>
+            <a:fillRect/>
+          </a:stretch>
+        </p:blipFill>
+        <p:spPr>
+          <a:xfrm>
+            <a:off x="1543996" y="3640822"/>
+            <a:ext cx="2288608" cy="3024231"/>
+          </a:xfrm>
+          <a:prstGeom prst="rect">
+            <a:avLst/>
+          </a:prstGeom>
+        </p:spPr>
+      </p:pic>
+      <p:pic>
+        <p:nvPicPr>
+          <p:cNvPr id="5" name="Picture 4"/>
+          <p:cNvPicPr>
+            <a:picLocks noChangeAspect="1"/>
+          </p:cNvPicPr>
+          <p:nvPr/>
+        </p:nvPicPr>
+        <p:blipFill>
+          <a:blip r:embed="rId3"/>
+          <a:stretch>
+            <a:fillRect/>
+          </a:stretch>
+        </p:blipFill>
+        <p:spPr>
+          <a:xfrm>
+            <a:off x="5121086" y="3727880"/>
+            <a:ext cx="4688735" cy="2850113"/>
+          </a:xfrm>
+          <a:prstGeom prst="rect">
+            <a:avLst/>
+          </a:prstGeom>
+        </p:spPr>
+      </p:pic>
+    </p:spTree>
+    <p:extLst>
+      <p:ext uri="{BB962C8B-B14F-4D97-AF65-F5344CB8AC3E}">
+        <p14:creationId xmlns:p14="http://schemas.microsoft.com/office/powerpoint/2010/main" val="1074766701"/>
+      </p:ext>
+    </p:extLst>
+  </p:cSld>
+  <p:clrMapOvr>
+    <a:masterClrMapping/>
+  </p:clrMapOvr>
+</p:sld>
+</file>
+
 <file path=ppt/slides/slide8.xml><?xml version="1.0" encoding="utf-8"?>
 <p:sld xmlns:a="http://schemas.openxmlformats.org/drawingml/2006/main" xmlns:r="http://schemas.openxmlformats.org/officeDocument/2006/relationships" xmlns:p="http://schemas.openxmlformats.org/presentationml/2006/main">
   <p:cSld>
@@ -8077,7 +11726,15 @@
           <a:p>
             <a:r>
               <a:rPr lang="en-US" dirty="0"/>
-              <a:t>Basic Commands</a:t>
+              <a:t>What is </a:t>
+            </a:r>
+            <a:r>
+              <a:rPr lang="en-US" dirty="0" err="1"/>
+              <a:t>Git</a:t>
+            </a:r>
+            <a:r>
+              <a:rPr lang="en-US" dirty="0"/>
+              <a:t>?</a:t>
             </a:r>
           </a:p>
         </p:txBody>
@@ -8092,148 +11749,30 @@
             <p:ph idx="1"/>
           </p:nvPr>
         </p:nvSpPr>
-        <p:spPr>
-          <a:xfrm>
-            <a:off x="1104293" y="1489390"/>
-            <a:ext cx="8946541" cy="4195481"/>
-          </a:xfrm>
-        </p:spPr>
+        <p:spPr/>
         <p:txBody>
           <a:bodyPr/>
           <a:lstStyle/>
           <a:p>
             <a:r>
-              <a:rPr lang="en-US" b="1" dirty="0">
-                <a:solidFill>
-                  <a:srgbClr val="FF0000"/>
-                </a:solidFill>
-              </a:rPr>
-              <a:t>run</a:t>
-            </a:r>
-            <a:r>
-              <a:rPr lang="en-US" b="1" dirty="0"/>
-              <a:t> </a:t>
-            </a:r>
-            <a:r>
-              <a:rPr lang="en-US" dirty="0"/>
-              <a:t>[param1 ] […</a:t>
-            </a:r>
-            <a:r>
-              <a:rPr lang="en-US" dirty="0" err="1"/>
-              <a:t>param</a:t>
-            </a:r>
-            <a:r>
-              <a:rPr lang="en-US" dirty="0"/>
-              <a:t> n]</a:t>
-            </a:r>
-          </a:p>
-          <a:p>
-            <a:pPr lvl="1"/>
-            <a:r>
-              <a:rPr lang="en-US" dirty="0"/>
-              <a:t>begin execution of program with optional arguments.</a:t>
-            </a:r>
-            <a:endParaRPr lang="en-US" b="1" dirty="0"/>
-          </a:p>
-        </p:txBody>
-      </p:sp>
-      <p:pic>
-        <p:nvPicPr>
-          <p:cNvPr id="5" name="Picture 4"/>
-          <p:cNvPicPr>
-            <a:picLocks noChangeAspect="1"/>
-          </p:cNvPicPr>
-          <p:nvPr/>
-        </p:nvPicPr>
-        <p:blipFill>
-          <a:blip r:embed="rId2"/>
-          <a:stretch>
-            <a:fillRect/>
-          </a:stretch>
-        </p:blipFill>
-        <p:spPr>
-          <a:xfrm>
-            <a:off x="1777088" y="2402680"/>
-            <a:ext cx="7600950" cy="3629025"/>
-          </a:xfrm>
-          <a:prstGeom prst="rect">
-            <a:avLst/>
-          </a:prstGeom>
-        </p:spPr>
-      </p:pic>
-      <p:sp>
-        <p:nvSpPr>
-          <p:cNvPr id="6" name="Rectangle 5"/>
-          <p:cNvSpPr/>
-          <p:nvPr/>
-        </p:nvSpPr>
-        <p:spPr>
-          <a:xfrm>
-            <a:off x="9553066" y="2636871"/>
-            <a:ext cx="2339163" cy="923331"/>
-          </a:xfrm>
-          <a:prstGeom prst="rect">
-            <a:avLst/>
-          </a:prstGeom>
-        </p:spPr>
-        <p:style>
-          <a:lnRef idx="2">
-            <a:schemeClr val="accent1">
-              <a:shade val="50000"/>
-            </a:schemeClr>
-          </a:lnRef>
-          <a:fillRef idx="1">
-            <a:schemeClr val="accent1"/>
-          </a:fillRef>
-          <a:effectRef idx="0">
-            <a:schemeClr val="accent1"/>
-          </a:effectRef>
-          <a:fontRef idx="minor">
-            <a:schemeClr val="lt1"/>
-          </a:fontRef>
-        </p:style>
-        <p:txBody>
-          <a:bodyPr rtlCol="0" anchor="ctr"/>
-          <a:lstStyle/>
-          <a:p>
-            <a:pPr algn="ctr"/>
-            <a:endParaRPr lang="en-US"/>
-          </a:p>
-        </p:txBody>
-      </p:sp>
-      <p:sp>
-        <p:nvSpPr>
-          <p:cNvPr id="7" name="TextBox 6"/>
-          <p:cNvSpPr txBox="1"/>
-          <p:nvPr/>
-        </p:nvSpPr>
-        <p:spPr>
-          <a:xfrm>
-            <a:off x="9553066" y="2636872"/>
-            <a:ext cx="2339163" cy="923330"/>
-          </a:xfrm>
-          <a:prstGeom prst="rect">
-            <a:avLst/>
-          </a:prstGeom>
-          <a:noFill/>
-        </p:spPr>
-        <p:txBody>
-          <a:bodyPr wrap="square" rtlCol="0">
-            <a:spAutoFit/>
-          </a:bodyPr>
-          <a:lstStyle/>
-          <a:p>
-            <a:pPr algn="ctr"/>
-            <a:r>
-              <a:rPr lang="en-US" dirty="0"/>
-              <a:t>Tip:</a:t>
-            </a:r>
-          </a:p>
-          <a:p>
-            <a:pPr algn="ctr"/>
-            <a:r>
-              <a:rPr lang="en-US" dirty="0"/>
-              <a:t>Use Ctrl + L to clear your screen!</a:t>
+              <a:rPr lang="en-US" b="1" dirty="0" err="1"/>
+              <a:t>Git</a:t>
+            </a:r>
+            <a:r>
+              <a:rPr lang="en-US" dirty="0"/>
+              <a:t> is a free and open source distributed version control system</a:t>
+            </a:r>
+          </a:p>
+          <a:p>
+            <a:r>
+              <a:rPr lang="en-US" dirty="0"/>
+              <a:t>Manage the content of a project</a:t>
+            </a:r>
+          </a:p>
+          <a:p>
+            <a:r>
+              <a:rPr lang="en-US" dirty="0"/>
+              <a:t>Ease workflow and collaboration</a:t>
             </a:r>
           </a:p>
         </p:txBody>
@@ -8241,7 +11780,7 @@
     </p:spTree>
     <p:extLst>
       <p:ext uri="{BB962C8B-B14F-4D97-AF65-F5344CB8AC3E}">
-        <p14:creationId xmlns:p14="http://schemas.microsoft.com/office/powerpoint/2010/main" val="3846943865"/>
+        <p14:creationId xmlns:p14="http://schemas.microsoft.com/office/powerpoint/2010/main" val="1418802868"/>
       </p:ext>
     </p:extLst>
   </p:cSld>
@@ -8284,89 +11823,136 @@
           <a:lstStyle/>
           <a:p>
             <a:r>
-              <a:rPr lang="en-US" dirty="0"/>
-              <a:t>Flow Control</a:t>
-            </a:r>
-          </a:p>
-        </p:txBody>
-      </p:sp>
-      <p:sp>
-        <p:nvSpPr>
-          <p:cNvPr id="3" name="Content Placeholder 2"/>
-          <p:cNvSpPr>
-            <a:spLocks noGrp="1"/>
-          </p:cNvSpPr>
-          <p:nvPr>
-            <p:ph idx="1"/>
-          </p:nvPr>
-        </p:nvSpPr>
-        <p:spPr>
-          <a:xfrm>
-            <a:off x="1104293" y="1489393"/>
-            <a:ext cx="8946541" cy="4195481"/>
-          </a:xfrm>
-        </p:spPr>
-        <p:txBody>
-          <a:bodyPr/>
-          <a:lstStyle/>
-          <a:p>
-            <a:r>
-              <a:rPr lang="en-US" b="1" dirty="0">
+              <a:rPr lang="en-US" dirty="0" err="1"/>
+              <a:t>Git</a:t>
+            </a:r>
+            <a:r>
+              <a:rPr lang="en-US" dirty="0"/>
+              <a:t> != </a:t>
+            </a:r>
+            <a:r>
+              <a:rPr lang="en-US" dirty="0" err="1"/>
+              <a:t>Github</a:t>
+            </a:r>
+            <a:endParaRPr lang="en-US" dirty="0"/>
+          </a:p>
+        </p:txBody>
+      </p:sp>
+      <p:pic>
+        <p:nvPicPr>
+          <p:cNvPr id="4" name="Picture 2" descr="https://upload.wikimedia.org/wikipedia/commons/thumb/3/3f/Git_icon.svg/1024px-Git_icon.svg.png"/>
+          <p:cNvPicPr>
+            <a:picLocks noChangeAspect="1" noChangeArrowheads="1"/>
+          </p:cNvPicPr>
+          <p:nvPr/>
+        </p:nvPicPr>
+        <p:blipFill>
+          <a:blip r:embed="rId2">
+            <a:extLst>
+              <a:ext uri="{28A0092B-C50C-407E-A947-70E740481C1C}">
+                <a14:useLocalDpi xmlns:a14="http://schemas.microsoft.com/office/drawing/2010/main" val="0"/>
+              </a:ext>
+            </a:extLst>
+          </a:blip>
+          <a:srcRect/>
+          <a:stretch>
+            <a:fillRect/>
+          </a:stretch>
+        </p:blipFill>
+        <p:spPr bwMode="auto">
+          <a:xfrm>
+            <a:off x="1791109" y="2310003"/>
+            <a:ext cx="2882544" cy="2882544"/>
+          </a:xfrm>
+          <a:prstGeom prst="rect">
+            <a:avLst/>
+          </a:prstGeom>
+          <a:noFill/>
+          <a:extLst>
+            <a:ext uri="{909E8E84-426E-40DD-AFC4-6F175D3DCCD1}">
+              <a14:hiddenFill xmlns:a14="http://schemas.microsoft.com/office/drawing/2010/main">
                 <a:solidFill>
-                  <a:srgbClr val="FF0000"/>
+                  <a:srgbClr val="FFFFFF"/>
                 </a:solidFill>
-              </a:rPr>
-              <a:t>break </a:t>
-            </a:r>
-            <a:r>
-              <a:rPr lang="en-US" dirty="0"/>
-              <a:t>&lt;location&gt;</a:t>
-            </a:r>
-          </a:p>
-          <a:p>
-            <a:pPr lvl="1"/>
-            <a:r>
-              <a:rPr lang="en-US" dirty="0"/>
-              <a:t>Creates a breakpoint in the program, halting when execution reaches &lt;location&gt;.</a:t>
-            </a:r>
-          </a:p>
-          <a:p>
-            <a:pPr lvl="1"/>
-            <a:r>
-              <a:rPr lang="en-US" dirty="0"/>
-              <a:t>The breakpoint can be specified in a couple of formats</a:t>
-            </a:r>
-          </a:p>
-          <a:p>
-            <a:pPr lvl="2"/>
-            <a:r>
-              <a:rPr lang="en-US" dirty="0"/>
-              <a:t>By function name (ex. break main)</a:t>
-            </a:r>
-          </a:p>
-          <a:p>
-            <a:pPr lvl="2"/>
-            <a:r>
-              <a:rPr lang="en-US" dirty="0"/>
-              <a:t>By source code line (ex. break 15)</a:t>
-            </a:r>
-          </a:p>
-          <a:p>
-            <a:pPr lvl="2"/>
-            <a:endParaRPr lang="en-US" dirty="0"/>
-          </a:p>
-          <a:p>
-            <a:r>
-              <a:rPr lang="en-US" dirty="0"/>
-              <a:t>Break is actually more flexible than this, see the help for more information.</a:t>
-            </a:r>
-          </a:p>
-        </p:txBody>
-      </p:sp>
+              </a14:hiddenFill>
+            </a:ext>
+          </a:extLst>
+        </p:spPr>
+      </p:pic>
+      <p:sp>
+        <p:nvSpPr>
+          <p:cNvPr id="5" name="TextBox 4"/>
+          <p:cNvSpPr txBox="1"/>
+          <p:nvPr/>
+        </p:nvSpPr>
+        <p:spPr>
+          <a:xfrm>
+            <a:off x="5009323" y="3151110"/>
+            <a:ext cx="1016625" cy="1200329"/>
+          </a:xfrm>
+          <a:prstGeom prst="rect">
+            <a:avLst/>
+          </a:prstGeom>
+          <a:noFill/>
+        </p:spPr>
+        <p:txBody>
+          <a:bodyPr wrap="none" rtlCol="0">
+            <a:spAutoFit/>
+          </a:bodyPr>
+          <a:lstStyle/>
+          <a:p>
+            <a:r>
+              <a:rPr lang="en-US" sz="7200" dirty="0"/>
+              <a:t>!=</a:t>
+            </a:r>
+          </a:p>
+        </p:txBody>
+      </p:sp>
+      <p:pic>
+        <p:nvPicPr>
+          <p:cNvPr id="1026" name="Picture 2" descr="Image result for github logo"/>
+          <p:cNvPicPr>
+            <a:picLocks noChangeAspect="1" noChangeArrowheads="1"/>
+          </p:cNvPicPr>
+          <p:nvPr/>
+        </p:nvPicPr>
+        <p:blipFill>
+          <a:blip r:embed="rId3">
+            <a:extLst>
+              <a:ext uri="{28A0092B-C50C-407E-A947-70E740481C1C}">
+                <a14:useLocalDpi xmlns:a14="http://schemas.microsoft.com/office/drawing/2010/main" val="0"/>
+              </a:ext>
+            </a:extLst>
+          </a:blip>
+          <a:srcRect/>
+          <a:stretch>
+            <a:fillRect/>
+          </a:stretch>
+        </p:blipFill>
+        <p:spPr bwMode="auto">
+          <a:xfrm>
+            <a:off x="6510131" y="2226365"/>
+            <a:ext cx="2925417" cy="2925417"/>
+          </a:xfrm>
+          <a:prstGeom prst="rect">
+            <a:avLst/>
+          </a:prstGeom>
+          <a:noFill/>
+          <a:extLst>
+            <a:ext uri="{909E8E84-426E-40DD-AFC4-6F175D3DCCD1}">
+              <a14:hiddenFill xmlns:a14="http://schemas.microsoft.com/office/drawing/2010/main">
+                <a:solidFill>
+                  <a:srgbClr val="FFFFFF"/>
+                </a:solidFill>
+              </a14:hiddenFill>
+            </a:ext>
+          </a:extLst>
+        </p:spPr>
+      </p:pic>
     </p:spTree>
     <p:extLst>
       <p:ext uri="{BB962C8B-B14F-4D97-AF65-F5344CB8AC3E}">
-        <p14:creationId xmlns:p14="http://schemas.microsoft.com/office/powerpoint/2010/main" val="1358186120"/>
+        <p14:creationId xmlns:p14="http://schemas.microsoft.com/office/powerpoint/2010/main" val="3961953784"/>
       </p:ext>
     </p:extLst>
   </p:cSld>
@@ -8379,7 +11965,7 @@
 <file path=ppt/theme/theme1.xml><?xml version="1.0" encoding="utf-8"?>
 <a:theme xmlns:a="http://schemas.openxmlformats.org/drawingml/2006/main" name="Ion">
   <a:themeElements>
-    <a:clrScheme name="Ion">
+    <a:clrScheme name="Blue Green">
       <a:dk1>
         <a:sysClr val="windowText" lastClr="000000"/>
       </a:dk1>
@@ -8387,34 +11973,34 @@
         <a:sysClr val="window" lastClr="FFFFFF"/>
       </a:lt1>
       <a:dk2>
-        <a:srgbClr val="0E5580"/>
+        <a:srgbClr val="373545"/>
       </a:dk2>
       <a:lt2>
-        <a:srgbClr val="EBEBEB"/>
+        <a:srgbClr val="CEDBE6"/>
       </a:lt2>
       <a:accent1>
-        <a:srgbClr val="ACD433"/>
+        <a:srgbClr val="3494BA"/>
       </a:accent1>
       <a:accent2>
-        <a:srgbClr val="E6C133"/>
+        <a:srgbClr val="58B6C0"/>
       </a:accent2>
       <a:accent3>
-        <a:srgbClr val="EF7A24"/>
+        <a:srgbClr val="75BDA7"/>
       </a:accent3>
       <a:accent4>
-        <a:srgbClr val="5AA0F5"/>
+        <a:srgbClr val="7A8C8E"/>
       </a:accent4>
       <a:accent5>
-        <a:srgbClr val="75CEEC"/>
+        <a:srgbClr val="84ACB6"/>
       </a:accent5>
       <a:accent6>
-        <a:srgbClr val="65D6A0"/>
+        <a:srgbClr val="2683C6"/>
       </a:accent6>
       <a:hlink>
-        <a:srgbClr val="C4E46E"/>
+        <a:srgbClr val="6B9F25"/>
       </a:hlink>
       <a:folHlink>
-        <a:srgbClr val="BDE0FB"/>
+        <a:srgbClr val="9F6715"/>
       </a:folHlink>
     </a:clrScheme>
     <a:fontScheme name="Ion">
@@ -8639,4 +12225,299 @@
     </a:ext>
   </a:extLst>
 </a:theme>
+</file>
+
+<file path=ppt/theme/theme2.xml><?xml version="1.0" encoding="utf-8"?>
+<a:theme xmlns:a="http://schemas.openxmlformats.org/drawingml/2006/main" name="Office Theme">
+  <a:themeElements>
+    <a:clrScheme name="Office">
+      <a:dk1>
+        <a:sysClr val="windowText" lastClr="000000"/>
+      </a:dk1>
+      <a:lt1>
+        <a:sysClr val="window" lastClr="FFFFFF"/>
+      </a:lt1>
+      <a:dk2>
+        <a:srgbClr val="44546A"/>
+      </a:dk2>
+      <a:lt2>
+        <a:srgbClr val="E7E6E6"/>
+      </a:lt2>
+      <a:accent1>
+        <a:srgbClr val="5B9BD5"/>
+      </a:accent1>
+      <a:accent2>
+        <a:srgbClr val="ED7D31"/>
+      </a:accent2>
+      <a:accent3>
+        <a:srgbClr val="A5A5A5"/>
+      </a:accent3>
+      <a:accent4>
+        <a:srgbClr val="FFC000"/>
+      </a:accent4>
+      <a:accent5>
+        <a:srgbClr val="4472C4"/>
+      </a:accent5>
+      <a:accent6>
+        <a:srgbClr val="70AD47"/>
+      </a:accent6>
+      <a:hlink>
+        <a:srgbClr val="0563C1"/>
+      </a:hlink>
+      <a:folHlink>
+        <a:srgbClr val="954F72"/>
+      </a:folHlink>
+    </a:clrScheme>
+    <a:fontScheme name="Office">
+      <a:majorFont>
+        <a:latin typeface="Calibri Light" panose="020F0302020204030204"/>
+        <a:ea typeface=""/>
+        <a:cs typeface=""/>
+        <a:font script="Jpan" typeface="游ゴシック Light"/>
+        <a:font script="Hang" typeface="맑은 고딕"/>
+        <a:font script="Hans" typeface="等线 Light"/>
+        <a:font script="Hant" typeface="新細明體"/>
+        <a:font script="Arab" typeface="Times New Roman"/>
+        <a:font script="Hebr" typeface="Times New Roman"/>
+        <a:font script="Thai" typeface="Angsana New"/>
+        <a:font script="Ethi" typeface="Nyala"/>
+        <a:font script="Beng" typeface="Vrinda"/>
+        <a:font script="Gujr" typeface="Shruti"/>
+        <a:font script="Khmr" typeface="MoolBoran"/>
+        <a:font script="Knda" typeface="Tunga"/>
+        <a:font script="Guru" typeface="Raavi"/>
+        <a:font script="Cans" typeface="Euphemia"/>
+        <a:font script="Cher" typeface="Plantagenet Cherokee"/>
+        <a:font script="Yiii" typeface="Microsoft Yi Baiti"/>
+        <a:font script="Tibt" typeface="Microsoft Himalaya"/>
+        <a:font script="Thaa" typeface="MV Boli"/>
+        <a:font script="Deva" typeface="Mangal"/>
+        <a:font script="Telu" typeface="Gautami"/>
+        <a:font script="Taml" typeface="Latha"/>
+        <a:font script="Syrc" typeface="Estrangelo Edessa"/>
+        <a:font script="Orya" typeface="Kalinga"/>
+        <a:font script="Mlym" typeface="Kartika"/>
+        <a:font script="Laoo" typeface="DokChampa"/>
+        <a:font script="Sinh" typeface="Iskoola Pota"/>
+        <a:font script="Mong" typeface="Mongolian Baiti"/>
+        <a:font script="Viet" typeface="Times New Roman"/>
+        <a:font script="Uigh" typeface="Microsoft Uighur"/>
+        <a:font script="Geor" typeface="Sylfaen"/>
+        <a:font script="Armn" typeface="Arial"/>
+        <a:font script="Bugi" typeface="Leelawadee UI"/>
+        <a:font script="Bopo" typeface="Microsoft JhengHei"/>
+        <a:font script="Java" typeface="Javanese Text"/>
+        <a:font script="Lisu" typeface="Segoe UI"/>
+        <a:font script="Mymr" typeface="Myanmar Text"/>
+        <a:font script="Nkoo" typeface="Ebrima"/>
+        <a:font script="Olck" typeface="Nirmala UI"/>
+        <a:font script="Osma" typeface="Ebrima"/>
+        <a:font script="Phag" typeface="Phagspa"/>
+        <a:font script="Syrn" typeface="Estrangelo Edessa"/>
+        <a:font script="Syrj" typeface="Estrangelo Edessa"/>
+        <a:font script="Syre" typeface="Estrangelo Edessa"/>
+        <a:font script="Sora" typeface="Nirmala UI"/>
+        <a:font script="Tale" typeface="Microsoft Tai Le"/>
+        <a:font script="Talu" typeface="Microsoft New Tai Lue"/>
+        <a:font script="Tfng" typeface="Ebrima"/>
+      </a:majorFont>
+      <a:minorFont>
+        <a:latin typeface="Calibri" panose="020F0502020204030204"/>
+        <a:ea typeface=""/>
+        <a:cs typeface=""/>
+        <a:font script="Jpan" typeface="游ゴシック"/>
+        <a:font script="Hang" typeface="맑은 고딕"/>
+        <a:font script="Hans" typeface="等线"/>
+        <a:font script="Hant" typeface="新細明體"/>
+        <a:font script="Arab" typeface="Arial"/>
+        <a:font script="Hebr" typeface="Arial"/>
+        <a:font script="Thai" typeface="Cordia New"/>
+        <a:font script="Ethi" typeface="Nyala"/>
+        <a:font script="Beng" typeface="Vrinda"/>
+        <a:font script="Gujr" typeface="Shruti"/>
+        <a:font script="Khmr" typeface="DaunPenh"/>
+        <a:font script="Knda" typeface="Tunga"/>
+        <a:font script="Guru" typeface="Raavi"/>
+        <a:font script="Cans" typeface="Euphemia"/>
+        <a:font script="Cher" typeface="Plantagenet Cherokee"/>
+        <a:font script="Yiii" typeface="Microsoft Yi Baiti"/>
+        <a:font script="Tibt" typeface="Microsoft Himalaya"/>
+        <a:font script="Thaa" typeface="MV Boli"/>
+        <a:font script="Deva" typeface="Mangal"/>
+        <a:font script="Telu" typeface="Gautami"/>
+        <a:font script="Taml" typeface="Latha"/>
+        <a:font script="Syrc" typeface="Estrangelo Edessa"/>
+        <a:font script="Orya" typeface="Kalinga"/>
+        <a:font script="Mlym" typeface="Kartika"/>
+        <a:font script="Laoo" typeface="DokChampa"/>
+        <a:font script="Sinh" typeface="Iskoola Pota"/>
+        <a:font script="Mong" typeface="Mongolian Baiti"/>
+        <a:font script="Viet" typeface="Arial"/>
+        <a:font script="Uigh" typeface="Microsoft Uighur"/>
+        <a:font script="Geor" typeface="Sylfaen"/>
+        <a:font script="Armn" typeface="Arial"/>
+        <a:font script="Bugi" typeface="Leelawadee UI"/>
+        <a:font script="Bopo" typeface="Microsoft JhengHei"/>
+        <a:font script="Java" typeface="Javanese Text"/>
+        <a:font script="Lisu" typeface="Segoe UI"/>
+        <a:font script="Mymr" typeface="Myanmar Text"/>
+        <a:font script="Nkoo" typeface="Ebrima"/>
+        <a:font script="Olck" typeface="Nirmala UI"/>
+        <a:font script="Osma" typeface="Ebrima"/>
+        <a:font script="Phag" typeface="Phagspa"/>
+        <a:font script="Syrn" typeface="Estrangelo Edessa"/>
+        <a:font script="Syrj" typeface="Estrangelo Edessa"/>
+        <a:font script="Syre" typeface="Estrangelo Edessa"/>
+        <a:font script="Sora" typeface="Nirmala UI"/>
+        <a:font script="Tale" typeface="Microsoft Tai Le"/>
+        <a:font script="Talu" typeface="Microsoft New Tai Lue"/>
+        <a:font script="Tfng" typeface="Ebrima"/>
+      </a:minorFont>
+    </a:fontScheme>
+    <a:fmtScheme name="Office">
+      <a:fillStyleLst>
+        <a:solidFill>
+          <a:schemeClr val="phClr"/>
+        </a:solidFill>
+        <a:gradFill rotWithShape="1">
+          <a:gsLst>
+            <a:gs pos="0">
+              <a:schemeClr val="phClr">
+                <a:lumMod val="110000"/>
+                <a:satMod val="105000"/>
+                <a:tint val="67000"/>
+              </a:schemeClr>
+            </a:gs>
+            <a:gs pos="50000">
+              <a:schemeClr val="phClr">
+                <a:lumMod val="105000"/>
+                <a:satMod val="103000"/>
+                <a:tint val="73000"/>
+              </a:schemeClr>
+            </a:gs>
+            <a:gs pos="100000">
+              <a:schemeClr val="phClr">
+                <a:lumMod val="105000"/>
+                <a:satMod val="109000"/>
+                <a:tint val="81000"/>
+              </a:schemeClr>
+            </a:gs>
+          </a:gsLst>
+          <a:lin ang="5400000" scaled="0"/>
+        </a:gradFill>
+        <a:gradFill rotWithShape="1">
+          <a:gsLst>
+            <a:gs pos="0">
+              <a:schemeClr val="phClr">
+                <a:satMod val="103000"/>
+                <a:lumMod val="102000"/>
+                <a:tint val="94000"/>
+              </a:schemeClr>
+            </a:gs>
+            <a:gs pos="50000">
+              <a:schemeClr val="phClr">
+                <a:satMod val="110000"/>
+                <a:lumMod val="100000"/>
+                <a:shade val="100000"/>
+              </a:schemeClr>
+            </a:gs>
+            <a:gs pos="100000">
+              <a:schemeClr val="phClr">
+                <a:lumMod val="99000"/>
+                <a:satMod val="120000"/>
+                <a:shade val="78000"/>
+              </a:schemeClr>
+            </a:gs>
+          </a:gsLst>
+          <a:lin ang="5400000" scaled="0"/>
+        </a:gradFill>
+      </a:fillStyleLst>
+      <a:lnStyleLst>
+        <a:ln w="6350" cap="flat" cmpd="sng" algn="ctr">
+          <a:solidFill>
+            <a:schemeClr val="phClr"/>
+          </a:solidFill>
+          <a:prstDash val="solid"/>
+          <a:miter lim="800000"/>
+        </a:ln>
+        <a:ln w="12700" cap="flat" cmpd="sng" algn="ctr">
+          <a:solidFill>
+            <a:schemeClr val="phClr"/>
+          </a:solidFill>
+          <a:prstDash val="solid"/>
+          <a:miter lim="800000"/>
+        </a:ln>
+        <a:ln w="19050" cap="flat" cmpd="sng" algn="ctr">
+          <a:solidFill>
+            <a:schemeClr val="phClr"/>
+          </a:solidFill>
+          <a:prstDash val="solid"/>
+          <a:miter lim="800000"/>
+        </a:ln>
+      </a:lnStyleLst>
+      <a:effectStyleLst>
+        <a:effectStyle>
+          <a:effectLst/>
+        </a:effectStyle>
+        <a:effectStyle>
+          <a:effectLst/>
+        </a:effectStyle>
+        <a:effectStyle>
+          <a:effectLst>
+            <a:outerShdw blurRad="57150" dist="19050" dir="5400000" algn="ctr" rotWithShape="0">
+              <a:srgbClr val="000000">
+                <a:alpha val="63000"/>
+              </a:srgbClr>
+            </a:outerShdw>
+          </a:effectLst>
+        </a:effectStyle>
+      </a:effectStyleLst>
+      <a:bgFillStyleLst>
+        <a:solidFill>
+          <a:schemeClr val="phClr"/>
+        </a:solidFill>
+        <a:solidFill>
+          <a:schemeClr val="phClr">
+            <a:tint val="95000"/>
+            <a:satMod val="170000"/>
+          </a:schemeClr>
+        </a:solidFill>
+        <a:gradFill rotWithShape="1">
+          <a:gsLst>
+            <a:gs pos="0">
+              <a:schemeClr val="phClr">
+                <a:tint val="93000"/>
+                <a:satMod val="150000"/>
+                <a:shade val="98000"/>
+                <a:lumMod val="102000"/>
+              </a:schemeClr>
+            </a:gs>
+            <a:gs pos="50000">
+              <a:schemeClr val="phClr">
+                <a:tint val="98000"/>
+                <a:satMod val="130000"/>
+                <a:shade val="90000"/>
+                <a:lumMod val="103000"/>
+              </a:schemeClr>
+            </a:gs>
+            <a:gs pos="100000">
+              <a:schemeClr val="phClr">
+                <a:shade val="63000"/>
+                <a:satMod val="120000"/>
+              </a:schemeClr>
+            </a:gs>
+          </a:gsLst>
+          <a:lin ang="5400000" scaled="0"/>
+        </a:gradFill>
+      </a:bgFillStyleLst>
+    </a:fmtScheme>
+  </a:themeElements>
+  <a:objectDefaults/>
+  <a:extraClrSchemeLst/>
+  <a:extLst>
+    <a:ext uri="{05A4C25C-085E-4340-85A3-A5531E510DB2}">
+      <thm15:themeFamily xmlns:thm15="http://schemas.microsoft.com/office/thememl/2012/main" name="Office Theme" id="{62F939B6-93AF-4DB8-9C6B-D6C7DFDC589F}" vid="{4A3C46E8-61CC-4603-A589-7422A47A8E4A}"/>
+    </a:ext>
+  </a:extLst>
+</a:theme>
 </file>